--- a/HSTR121/ppts/RockEmerges.pptx
+++ b/HSTR121/ppts/RockEmerges.pptx
@@ -132,6 +132,10 @@
 </p:presentation>
 </file>
 
+<file path=ppt/revisionInfo.xml><?xml version="1.0" encoding="utf-8"?>
+<p1510:revInfo xmlns:a="http://schemas.openxmlformats.org/drawingml/2006/main" xmlns:r="http://schemas.openxmlformats.org/officeDocument/2006/relationships" xmlns:p1510="http://schemas.microsoft.com/office/powerpoint/2015/10/main"/>
+</file>
+
 <file path=ppt/notesMasters/notesMaster1.xml><?xml version="1.0" encoding="utf-8"?>
 <p:notesMaster xmlns:a="http://schemas.openxmlformats.org/drawingml/2006/main" xmlns:r="http://schemas.openxmlformats.org/officeDocument/2006/relationships" xmlns:p="http://schemas.openxmlformats.org/presentationml/2006/main">
   <p:cSld>
@@ -214,7 +218,7 @@
           <a:p>
             <a:fld id="{C291D997-D7C6-495A-ADFE-01BE34D636D4}" type="datetimeFigureOut">
               <a:rPr lang="en-US" smtClean="0"/>
-              <a:t>10/10/2016</a:t>
+              <a:t>1/9/2018</a:t>
             </a:fld>
             <a:endParaRPr lang="en-US"/>
           </a:p>
@@ -278,38 +282,37 @@
           <a:p>
             <a:pPr lvl="0"/>
             <a:r>
-              <a:rPr lang="en-US" smtClean="0"/>
+              <a:rPr lang="en-US"/>
               <a:t>Click to edit Master text styles</a:t>
             </a:r>
           </a:p>
           <a:p>
             <a:pPr lvl="1"/>
             <a:r>
-              <a:rPr lang="en-US" smtClean="0"/>
+              <a:rPr lang="en-US"/>
               <a:t>Second level</a:t>
             </a:r>
           </a:p>
           <a:p>
             <a:pPr lvl="2"/>
             <a:r>
-              <a:rPr lang="en-US" smtClean="0"/>
+              <a:rPr lang="en-US"/>
               <a:t>Third level</a:t>
             </a:r>
           </a:p>
           <a:p>
             <a:pPr lvl="3"/>
             <a:r>
-              <a:rPr lang="en-US" smtClean="0"/>
+              <a:rPr lang="en-US"/>
               <a:t>Fourth level</a:t>
             </a:r>
           </a:p>
           <a:p>
             <a:pPr lvl="4"/>
             <a:r>
-              <a:rPr lang="en-US" smtClean="0"/>
+              <a:rPr lang="en-US"/>
               <a:t>Fifth level</a:t>
             </a:r>
-            <a:endParaRPr lang="en-US"/>
           </a:p>
         </p:txBody>
       </p:sp>
@@ -527,24 +530,26 @@
           <a:lstStyle/>
           <a:p>
             <a:r>
-              <a:rPr lang="en-US" dirty="0" smtClean="0"/>
-              <a:t>https://commons.wikimedia.org/wiki/File%3AEducational_separation_in_the_US_prior_to_Brown_Map.svg</a:t>
-            </a:r>
-          </a:p>
-          <a:p>
-            <a:r>
-              <a:rPr lang="en-US" dirty="0" smtClean="0"/>
-              <a:t>By </a:t>
-            </a:r>
-            <a:r>
-              <a:rPr lang="en-US" dirty="0" err="1" smtClean="0"/>
-              <a:t>User:King_of_Hearts</a:t>
-            </a:r>
-            <a:r>
-              <a:rPr lang="en-US" dirty="0" smtClean="0"/>
-              <a:t> [GFDL (http://www.gnu.org/copyleft/fdl.html) or CC-BY-SA-3.0 (http://creativecommons.org/licenses/by-sa/3.0/)], via Wikimedia Commons</a:t>
-            </a:r>
-            <a:endParaRPr lang="en-US" dirty="0"/>
+              <a:rPr lang="en-CA" dirty="0" err="1"/>
+              <a:t>Orodeneker</a:t>
+            </a:r>
+            <a:r>
+              <a:rPr lang="en-CA" dirty="0"/>
+              <a:t> quote is from </a:t>
+            </a:r>
+            <a:r>
+              <a:rPr lang="en-US" dirty="0"/>
+              <a:t>Larry Birnbaum, </a:t>
+            </a:r>
+            <a:r>
+              <a:rPr lang="en-US" i="1" dirty="0"/>
+              <a:t>Before Elvis: The Prehistory of Rock 'n' Roll</a:t>
+            </a:r>
+            <a:r>
+              <a:rPr lang="en-US" dirty="0"/>
+              <a:t> (Rowman &amp; Littlefield, 2013).</a:t>
+            </a:r>
+            <a:endParaRPr lang="en-CA" dirty="0"/>
           </a:p>
         </p:txBody>
       </p:sp>
@@ -565,7 +570,7 @@
           <a:p>
             <a:fld id="{E607D032-B2FA-4B67-8888-9E3607AEC55C}" type="slidenum">
               <a:rPr lang="en-US" smtClean="0"/>
-              <a:t>7</a:t>
+              <a:t>2</a:t>
             </a:fld>
             <a:endParaRPr lang="en-US"/>
           </a:p>
@@ -574,7 +579,7 @@
     </p:spTree>
     <p:extLst>
       <p:ext uri="{BB962C8B-B14F-4D97-AF65-F5344CB8AC3E}">
-        <p14:creationId xmlns:p14="http://schemas.microsoft.com/office/powerpoint/2010/main" val="329806295"/>
+        <p14:creationId xmlns:p14="http://schemas.microsoft.com/office/powerpoint/2010/main" val="2355174931"/>
       </p:ext>
     </p:extLst>
   </p:cSld>
@@ -629,16 +634,116 @@
           <a:lstStyle/>
           <a:p>
             <a:r>
-              <a:rPr lang="en-US" dirty="0" smtClean="0"/>
+              <a:rPr lang="en-US" dirty="0"/>
+              <a:t>https://commons.wikimedia.org/wiki/File%3AEducational_separation_in_the_US_prior_to_Brown_Map.svg</a:t>
+            </a:r>
+          </a:p>
+          <a:p>
+            <a:r>
+              <a:rPr lang="en-US" dirty="0"/>
+              <a:t>By </a:t>
+            </a:r>
+            <a:r>
+              <a:rPr lang="en-US" dirty="0" err="1"/>
+              <a:t>User:King_of_Hearts</a:t>
+            </a:r>
+            <a:r>
+              <a:rPr lang="en-US" dirty="0"/>
+              <a:t> [GFDL (http://www.gnu.org/copyleft/fdl.html) or CC-BY-SA-3.0 (http://creativecommons.org/licenses/by-sa/3.0/)], via Wikimedia Commons</a:t>
+            </a:r>
+          </a:p>
+        </p:txBody>
+      </p:sp>
+      <p:sp>
+        <p:nvSpPr>
+          <p:cNvPr id="4" name="Slide Number Placeholder 3"/>
+          <p:cNvSpPr>
+            <a:spLocks noGrp="1"/>
+          </p:cNvSpPr>
+          <p:nvPr>
+            <p:ph type="sldNum" sz="quarter" idx="10"/>
+          </p:nvPr>
+        </p:nvSpPr>
+        <p:spPr/>
+        <p:txBody>
+          <a:bodyPr/>
+          <a:lstStyle/>
+          <a:p>
+            <a:fld id="{E607D032-B2FA-4B67-8888-9E3607AEC55C}" type="slidenum">
+              <a:rPr lang="en-US" smtClean="0"/>
+              <a:t>7</a:t>
+            </a:fld>
+            <a:endParaRPr lang="en-US"/>
+          </a:p>
+        </p:txBody>
+      </p:sp>
+    </p:spTree>
+    <p:extLst>
+      <p:ext uri="{BB962C8B-B14F-4D97-AF65-F5344CB8AC3E}">
+        <p14:creationId xmlns:p14="http://schemas.microsoft.com/office/powerpoint/2010/main" val="329806295"/>
+      </p:ext>
+    </p:extLst>
+  </p:cSld>
+  <p:clrMapOvr>
+    <a:masterClrMapping/>
+  </p:clrMapOvr>
+</p:notes>
+</file>
+
+<file path=ppt/notesSlides/notesSlide3.xml><?xml version="1.0" encoding="utf-8"?>
+<p:notes xmlns:a="http://schemas.openxmlformats.org/drawingml/2006/main" xmlns:r="http://schemas.openxmlformats.org/officeDocument/2006/relationships" xmlns:p="http://schemas.openxmlformats.org/presentationml/2006/main">
+  <p:cSld>
+    <p:spTree>
+      <p:nvGrpSpPr>
+        <p:cNvPr id="1" name=""/>
+        <p:cNvGrpSpPr/>
+        <p:nvPr/>
+      </p:nvGrpSpPr>
+      <p:grpSpPr>
+        <a:xfrm>
+          <a:off x="0" y="0"/>
+          <a:ext cx="0" cy="0"/>
+          <a:chOff x="0" y="0"/>
+          <a:chExt cx="0" cy="0"/>
+        </a:xfrm>
+      </p:grpSpPr>
+      <p:sp>
+        <p:nvSpPr>
+          <p:cNvPr id="2" name="Slide Image Placeholder 1"/>
+          <p:cNvSpPr>
+            <a:spLocks noGrp="1" noRot="1" noChangeAspect="1"/>
+          </p:cNvSpPr>
+          <p:nvPr>
+            <p:ph type="sldImg"/>
+          </p:nvPr>
+        </p:nvSpPr>
+        <p:spPr/>
+      </p:sp>
+      <p:sp>
+        <p:nvSpPr>
+          <p:cNvPr id="3" name="Notes Placeholder 2"/>
+          <p:cNvSpPr>
+            <a:spLocks noGrp="1"/>
+          </p:cNvSpPr>
+          <p:nvPr>
+            <p:ph type="body" idx="1"/>
+          </p:nvPr>
+        </p:nvSpPr>
+        <p:spPr/>
+        <p:txBody>
+          <a:bodyPr/>
+          <a:lstStyle/>
+          <a:p>
+            <a:r>
+              <a:rPr lang="en-US" dirty="0"/>
               <a:t>https://commons.wikimedia.org/wiki/File%3AUS_Birth_Rates.svg</a:t>
             </a:r>
           </a:p>
           <a:p>
             <a:r>
-              <a:rPr lang="en-US" dirty="0" smtClean="0"/>
+              <a:rPr lang="en-US" dirty="0"/>
               <a:t>By Saiarcot895 (Own work) [CC0], via Wikimedia Commons</a:t>
             </a:r>
-            <a:endParaRPr lang="en-US" dirty="0"/>
           </a:p>
         </p:txBody>
       </p:sp>
@@ -720,10 +825,9 @@
           </a:lstStyle>
           <a:p>
             <a:r>
-              <a:rPr lang="en-US" smtClean="0"/>
+              <a:rPr lang="en-US"/>
               <a:t>Click to edit Master title style</a:t>
             </a:r>
-            <a:endParaRPr lang="en-US"/>
           </a:p>
         </p:txBody>
       </p:sp>
@@ -785,10 +889,9 @@
           </a:lstStyle>
           <a:p>
             <a:r>
-              <a:rPr lang="en-US" smtClean="0"/>
+              <a:rPr lang="en-US"/>
               <a:t>Click to edit Master subtitle style</a:t>
             </a:r>
-            <a:endParaRPr lang="en-US"/>
           </a:p>
         </p:txBody>
       </p:sp>
@@ -809,7 +912,7 @@
           <a:p>
             <a:fld id="{FBF630C0-B0E4-4EC2-AB0C-BE44B3506280}" type="datetimeFigureOut">
               <a:rPr lang="en-US" smtClean="0"/>
-              <a:t>10/10/2016</a:t>
+              <a:t>1/9/2018</a:t>
             </a:fld>
             <a:endParaRPr lang="en-US"/>
           </a:p>
@@ -903,10 +1006,9 @@
           <a:lstStyle/>
           <a:p>
             <a:r>
-              <a:rPr lang="en-US" smtClean="0"/>
+              <a:rPr lang="en-US"/>
               <a:t>Click to edit Master title style</a:t>
             </a:r>
-            <a:endParaRPr lang="en-US"/>
           </a:p>
         </p:txBody>
       </p:sp>
@@ -927,38 +1029,37 @@
           <a:p>
             <a:pPr lvl="0"/>
             <a:r>
-              <a:rPr lang="en-US" smtClean="0"/>
+              <a:rPr lang="en-US"/>
               <a:t>Click to edit Master text styles</a:t>
             </a:r>
           </a:p>
           <a:p>
             <a:pPr lvl="1"/>
             <a:r>
-              <a:rPr lang="en-US" smtClean="0"/>
+              <a:rPr lang="en-US"/>
               <a:t>Second level</a:t>
             </a:r>
           </a:p>
           <a:p>
             <a:pPr lvl="2"/>
             <a:r>
-              <a:rPr lang="en-US" smtClean="0"/>
+              <a:rPr lang="en-US"/>
               <a:t>Third level</a:t>
             </a:r>
           </a:p>
           <a:p>
             <a:pPr lvl="3"/>
             <a:r>
-              <a:rPr lang="en-US" smtClean="0"/>
+              <a:rPr lang="en-US"/>
               <a:t>Fourth level</a:t>
             </a:r>
           </a:p>
           <a:p>
             <a:pPr lvl="4"/>
             <a:r>
-              <a:rPr lang="en-US" smtClean="0"/>
+              <a:rPr lang="en-US"/>
               <a:t>Fifth level</a:t>
             </a:r>
-            <a:endParaRPr lang="en-US"/>
           </a:p>
         </p:txBody>
       </p:sp>
@@ -979,7 +1080,7 @@
           <a:p>
             <a:fld id="{FBF630C0-B0E4-4EC2-AB0C-BE44B3506280}" type="datetimeFigureOut">
               <a:rPr lang="en-US" smtClean="0"/>
-              <a:t>10/10/2016</a:t>
+              <a:t>1/9/2018</a:t>
             </a:fld>
             <a:endParaRPr lang="en-US"/>
           </a:p>
@@ -1078,10 +1179,9 @@
           <a:lstStyle/>
           <a:p>
             <a:r>
-              <a:rPr lang="en-US" smtClean="0"/>
+              <a:rPr lang="en-US"/>
               <a:t>Click to edit Master title style</a:t>
             </a:r>
-            <a:endParaRPr lang="en-US"/>
           </a:p>
         </p:txBody>
       </p:sp>
@@ -1107,38 +1207,37 @@
           <a:p>
             <a:pPr lvl="0"/>
             <a:r>
-              <a:rPr lang="en-US" smtClean="0"/>
+              <a:rPr lang="en-US"/>
               <a:t>Click to edit Master text styles</a:t>
             </a:r>
           </a:p>
           <a:p>
             <a:pPr lvl="1"/>
             <a:r>
-              <a:rPr lang="en-US" smtClean="0"/>
+              <a:rPr lang="en-US"/>
               <a:t>Second level</a:t>
             </a:r>
           </a:p>
           <a:p>
             <a:pPr lvl="2"/>
             <a:r>
-              <a:rPr lang="en-US" smtClean="0"/>
+              <a:rPr lang="en-US"/>
               <a:t>Third level</a:t>
             </a:r>
           </a:p>
           <a:p>
             <a:pPr lvl="3"/>
             <a:r>
-              <a:rPr lang="en-US" smtClean="0"/>
+              <a:rPr lang="en-US"/>
               <a:t>Fourth level</a:t>
             </a:r>
           </a:p>
           <a:p>
             <a:pPr lvl="4"/>
             <a:r>
-              <a:rPr lang="en-US" smtClean="0"/>
+              <a:rPr lang="en-US"/>
               <a:t>Fifth level</a:t>
             </a:r>
-            <a:endParaRPr lang="en-US"/>
           </a:p>
         </p:txBody>
       </p:sp>
@@ -1159,7 +1258,7 @@
           <a:p>
             <a:fld id="{FBF630C0-B0E4-4EC2-AB0C-BE44B3506280}" type="datetimeFigureOut">
               <a:rPr lang="en-US" smtClean="0"/>
-              <a:t>10/10/2016</a:t>
+              <a:t>1/9/2018</a:t>
             </a:fld>
             <a:endParaRPr lang="en-US"/>
           </a:p>
@@ -1253,10 +1352,9 @@
           <a:lstStyle/>
           <a:p>
             <a:r>
-              <a:rPr lang="en-US" smtClean="0"/>
+              <a:rPr lang="en-US"/>
               <a:t>Click to edit Master title style</a:t>
             </a:r>
-            <a:endParaRPr lang="en-US"/>
           </a:p>
         </p:txBody>
       </p:sp>
@@ -1277,38 +1375,37 @@
           <a:p>
             <a:pPr lvl="0"/>
             <a:r>
-              <a:rPr lang="en-US" smtClean="0"/>
+              <a:rPr lang="en-US"/>
               <a:t>Click to edit Master text styles</a:t>
             </a:r>
           </a:p>
           <a:p>
             <a:pPr lvl="1"/>
             <a:r>
-              <a:rPr lang="en-US" smtClean="0"/>
+              <a:rPr lang="en-US"/>
               <a:t>Second level</a:t>
             </a:r>
           </a:p>
           <a:p>
             <a:pPr lvl="2"/>
             <a:r>
-              <a:rPr lang="en-US" smtClean="0"/>
+              <a:rPr lang="en-US"/>
               <a:t>Third level</a:t>
             </a:r>
           </a:p>
           <a:p>
             <a:pPr lvl="3"/>
             <a:r>
-              <a:rPr lang="en-US" smtClean="0"/>
+              <a:rPr lang="en-US"/>
               <a:t>Fourth level</a:t>
             </a:r>
           </a:p>
           <a:p>
             <a:pPr lvl="4"/>
             <a:r>
-              <a:rPr lang="en-US" smtClean="0"/>
+              <a:rPr lang="en-US"/>
               <a:t>Fifth level</a:t>
             </a:r>
-            <a:endParaRPr lang="en-US"/>
           </a:p>
         </p:txBody>
       </p:sp>
@@ -1329,7 +1426,7 @@
           <a:p>
             <a:fld id="{FBF630C0-B0E4-4EC2-AB0C-BE44B3506280}" type="datetimeFigureOut">
               <a:rPr lang="en-US" smtClean="0"/>
-              <a:t>10/10/2016</a:t>
+              <a:t>1/9/2018</a:t>
             </a:fld>
             <a:endParaRPr lang="en-US"/>
           </a:p>
@@ -1432,10 +1529,9 @@
           </a:lstStyle>
           <a:p>
             <a:r>
-              <a:rPr lang="en-US" smtClean="0"/>
+              <a:rPr lang="en-US"/>
               <a:t>Click to edit Master title style</a:t>
             </a:r>
-            <a:endParaRPr lang="en-US"/>
           </a:p>
         </p:txBody>
       </p:sp>
@@ -1552,7 +1648,7 @@
           <a:p>
             <a:pPr lvl="0"/>
             <a:r>
-              <a:rPr lang="en-US" smtClean="0"/>
+              <a:rPr lang="en-US"/>
               <a:t>Click to edit Master text styles</a:t>
             </a:r>
           </a:p>
@@ -1575,7 +1671,7 @@
           <a:p>
             <a:fld id="{FBF630C0-B0E4-4EC2-AB0C-BE44B3506280}" type="datetimeFigureOut">
               <a:rPr lang="en-US" smtClean="0"/>
-              <a:t>10/10/2016</a:t>
+              <a:t>1/9/2018</a:t>
             </a:fld>
             <a:endParaRPr lang="en-US"/>
           </a:p>
@@ -1669,10 +1765,9 @@
           <a:lstStyle/>
           <a:p>
             <a:r>
-              <a:rPr lang="en-US" smtClean="0"/>
+              <a:rPr lang="en-US"/>
               <a:t>Click to edit Master title style</a:t>
             </a:r>
-            <a:endParaRPr lang="en-US"/>
           </a:p>
         </p:txBody>
       </p:sp>
@@ -1698,38 +1793,37 @@
           <a:p>
             <a:pPr lvl="0"/>
             <a:r>
-              <a:rPr lang="en-US" smtClean="0"/>
+              <a:rPr lang="en-US"/>
               <a:t>Click to edit Master text styles</a:t>
             </a:r>
           </a:p>
           <a:p>
             <a:pPr lvl="1"/>
             <a:r>
-              <a:rPr lang="en-US" smtClean="0"/>
+              <a:rPr lang="en-US"/>
               <a:t>Second level</a:t>
             </a:r>
           </a:p>
           <a:p>
             <a:pPr lvl="2"/>
             <a:r>
-              <a:rPr lang="en-US" smtClean="0"/>
+              <a:rPr lang="en-US"/>
               <a:t>Third level</a:t>
             </a:r>
           </a:p>
           <a:p>
             <a:pPr lvl="3"/>
             <a:r>
-              <a:rPr lang="en-US" smtClean="0"/>
+              <a:rPr lang="en-US"/>
               <a:t>Fourth level</a:t>
             </a:r>
           </a:p>
           <a:p>
             <a:pPr lvl="4"/>
             <a:r>
-              <a:rPr lang="en-US" smtClean="0"/>
+              <a:rPr lang="en-US"/>
               <a:t>Fifth level</a:t>
             </a:r>
-            <a:endParaRPr lang="en-US"/>
           </a:p>
         </p:txBody>
       </p:sp>
@@ -1755,38 +1849,37 @@
           <a:p>
             <a:pPr lvl="0"/>
             <a:r>
-              <a:rPr lang="en-US" smtClean="0"/>
+              <a:rPr lang="en-US"/>
               <a:t>Click to edit Master text styles</a:t>
             </a:r>
           </a:p>
           <a:p>
             <a:pPr lvl="1"/>
             <a:r>
-              <a:rPr lang="en-US" smtClean="0"/>
+              <a:rPr lang="en-US"/>
               <a:t>Second level</a:t>
             </a:r>
           </a:p>
           <a:p>
             <a:pPr lvl="2"/>
             <a:r>
-              <a:rPr lang="en-US" smtClean="0"/>
+              <a:rPr lang="en-US"/>
               <a:t>Third level</a:t>
             </a:r>
           </a:p>
           <a:p>
             <a:pPr lvl="3"/>
             <a:r>
-              <a:rPr lang="en-US" smtClean="0"/>
+              <a:rPr lang="en-US"/>
               <a:t>Fourth level</a:t>
             </a:r>
           </a:p>
           <a:p>
             <a:pPr lvl="4"/>
             <a:r>
-              <a:rPr lang="en-US" smtClean="0"/>
+              <a:rPr lang="en-US"/>
               <a:t>Fifth level</a:t>
             </a:r>
-            <a:endParaRPr lang="en-US"/>
           </a:p>
         </p:txBody>
       </p:sp>
@@ -1807,7 +1900,7 @@
           <a:p>
             <a:fld id="{FBF630C0-B0E4-4EC2-AB0C-BE44B3506280}" type="datetimeFigureOut">
               <a:rPr lang="en-US" smtClean="0"/>
-              <a:t>10/10/2016</a:t>
+              <a:t>1/9/2018</a:t>
             </a:fld>
             <a:endParaRPr lang="en-US"/>
           </a:p>
@@ -1906,10 +1999,9 @@
           <a:lstStyle/>
           <a:p>
             <a:r>
-              <a:rPr lang="en-US" smtClean="0"/>
+              <a:rPr lang="en-US"/>
               <a:t>Click to edit Master title style</a:t>
             </a:r>
-            <a:endParaRPr lang="en-US"/>
           </a:p>
         </p:txBody>
       </p:sp>
@@ -1972,7 +2064,7 @@
           <a:p>
             <a:pPr lvl="0"/>
             <a:r>
-              <a:rPr lang="en-US" smtClean="0"/>
+              <a:rPr lang="en-US"/>
               <a:t>Click to edit Master text styles</a:t>
             </a:r>
           </a:p>
@@ -2000,38 +2092,37 @@
           <a:p>
             <a:pPr lvl="0"/>
             <a:r>
-              <a:rPr lang="en-US" smtClean="0"/>
+              <a:rPr lang="en-US"/>
               <a:t>Click to edit Master text styles</a:t>
             </a:r>
           </a:p>
           <a:p>
             <a:pPr lvl="1"/>
             <a:r>
-              <a:rPr lang="en-US" smtClean="0"/>
+              <a:rPr lang="en-US"/>
               <a:t>Second level</a:t>
             </a:r>
           </a:p>
           <a:p>
             <a:pPr lvl="2"/>
             <a:r>
-              <a:rPr lang="en-US" smtClean="0"/>
+              <a:rPr lang="en-US"/>
               <a:t>Third level</a:t>
             </a:r>
           </a:p>
           <a:p>
             <a:pPr lvl="3"/>
             <a:r>
-              <a:rPr lang="en-US" smtClean="0"/>
+              <a:rPr lang="en-US"/>
               <a:t>Fourth level</a:t>
             </a:r>
           </a:p>
           <a:p>
             <a:pPr lvl="4"/>
             <a:r>
-              <a:rPr lang="en-US" smtClean="0"/>
+              <a:rPr lang="en-US"/>
               <a:t>Fifth level</a:t>
             </a:r>
-            <a:endParaRPr lang="en-US"/>
           </a:p>
         </p:txBody>
       </p:sp>
@@ -2094,7 +2185,7 @@
           <a:p>
             <a:pPr lvl="0"/>
             <a:r>
-              <a:rPr lang="en-US" smtClean="0"/>
+              <a:rPr lang="en-US"/>
               <a:t>Click to edit Master text styles</a:t>
             </a:r>
           </a:p>
@@ -2122,38 +2213,37 @@
           <a:p>
             <a:pPr lvl="0"/>
             <a:r>
-              <a:rPr lang="en-US" smtClean="0"/>
+              <a:rPr lang="en-US"/>
               <a:t>Click to edit Master text styles</a:t>
             </a:r>
           </a:p>
           <a:p>
             <a:pPr lvl="1"/>
             <a:r>
-              <a:rPr lang="en-US" smtClean="0"/>
+              <a:rPr lang="en-US"/>
               <a:t>Second level</a:t>
             </a:r>
           </a:p>
           <a:p>
             <a:pPr lvl="2"/>
             <a:r>
-              <a:rPr lang="en-US" smtClean="0"/>
+              <a:rPr lang="en-US"/>
               <a:t>Third level</a:t>
             </a:r>
           </a:p>
           <a:p>
             <a:pPr lvl="3"/>
             <a:r>
-              <a:rPr lang="en-US" smtClean="0"/>
+              <a:rPr lang="en-US"/>
               <a:t>Fourth level</a:t>
             </a:r>
           </a:p>
           <a:p>
             <a:pPr lvl="4"/>
             <a:r>
-              <a:rPr lang="en-US" smtClean="0"/>
+              <a:rPr lang="en-US"/>
               <a:t>Fifth level</a:t>
             </a:r>
-            <a:endParaRPr lang="en-US"/>
           </a:p>
         </p:txBody>
       </p:sp>
@@ -2174,7 +2264,7 @@
           <a:p>
             <a:fld id="{FBF630C0-B0E4-4EC2-AB0C-BE44B3506280}" type="datetimeFigureOut">
               <a:rPr lang="en-US" smtClean="0"/>
-              <a:t>10/10/2016</a:t>
+              <a:t>1/9/2018</a:t>
             </a:fld>
             <a:endParaRPr lang="en-US"/>
           </a:p>
@@ -2268,10 +2358,9 @@
           <a:lstStyle/>
           <a:p>
             <a:r>
-              <a:rPr lang="en-US" smtClean="0"/>
+              <a:rPr lang="en-US"/>
               <a:t>Click to edit Master title style</a:t>
             </a:r>
-            <a:endParaRPr lang="en-US"/>
           </a:p>
         </p:txBody>
       </p:sp>
@@ -2292,7 +2381,7 @@
           <a:p>
             <a:fld id="{FBF630C0-B0E4-4EC2-AB0C-BE44B3506280}" type="datetimeFigureOut">
               <a:rPr lang="en-US" smtClean="0"/>
-              <a:t>10/10/2016</a:t>
+              <a:t>1/9/2018</a:t>
             </a:fld>
             <a:endParaRPr lang="en-US"/>
           </a:p>
@@ -2387,7 +2476,7 @@
           <a:p>
             <a:fld id="{FBF630C0-B0E4-4EC2-AB0C-BE44B3506280}" type="datetimeFigureOut">
               <a:rPr lang="en-US" smtClean="0"/>
-              <a:t>10/10/2016</a:t>
+              <a:t>1/9/2018</a:t>
             </a:fld>
             <a:endParaRPr lang="en-US"/>
           </a:p>
@@ -2490,10 +2579,9 @@
           </a:lstStyle>
           <a:p>
             <a:r>
-              <a:rPr lang="en-US" smtClean="0"/>
+              <a:rPr lang="en-US"/>
               <a:t>Click to edit Master title style</a:t>
             </a:r>
-            <a:endParaRPr lang="en-US"/>
           </a:p>
         </p:txBody>
       </p:sp>
@@ -2547,38 +2635,37 @@
           <a:p>
             <a:pPr lvl="0"/>
             <a:r>
-              <a:rPr lang="en-US" smtClean="0"/>
+              <a:rPr lang="en-US"/>
               <a:t>Click to edit Master text styles</a:t>
             </a:r>
           </a:p>
           <a:p>
             <a:pPr lvl="1"/>
             <a:r>
-              <a:rPr lang="en-US" smtClean="0"/>
+              <a:rPr lang="en-US"/>
               <a:t>Second level</a:t>
             </a:r>
           </a:p>
           <a:p>
             <a:pPr lvl="2"/>
             <a:r>
-              <a:rPr lang="en-US" smtClean="0"/>
+              <a:rPr lang="en-US"/>
               <a:t>Third level</a:t>
             </a:r>
           </a:p>
           <a:p>
             <a:pPr lvl="3"/>
             <a:r>
-              <a:rPr lang="en-US" smtClean="0"/>
+              <a:rPr lang="en-US"/>
               <a:t>Fourth level</a:t>
             </a:r>
           </a:p>
           <a:p>
             <a:pPr lvl="4"/>
             <a:r>
-              <a:rPr lang="en-US" smtClean="0"/>
+              <a:rPr lang="en-US"/>
               <a:t>Fifth level</a:t>
             </a:r>
-            <a:endParaRPr lang="en-US"/>
           </a:p>
         </p:txBody>
       </p:sp>
@@ -2641,7 +2728,7 @@
           <a:p>
             <a:pPr lvl="0"/>
             <a:r>
-              <a:rPr lang="en-US" smtClean="0"/>
+              <a:rPr lang="en-US"/>
               <a:t>Click to edit Master text styles</a:t>
             </a:r>
           </a:p>
@@ -2664,7 +2751,7 @@
           <a:p>
             <a:fld id="{FBF630C0-B0E4-4EC2-AB0C-BE44B3506280}" type="datetimeFigureOut">
               <a:rPr lang="en-US" smtClean="0"/>
-              <a:t>10/10/2016</a:t>
+              <a:t>1/9/2018</a:t>
             </a:fld>
             <a:endParaRPr lang="en-US"/>
           </a:p>
@@ -2767,10 +2854,9 @@
           </a:lstStyle>
           <a:p>
             <a:r>
-              <a:rPr lang="en-US" smtClean="0"/>
+              <a:rPr lang="en-US"/>
               <a:t>Click to edit Master title style</a:t>
             </a:r>
-            <a:endParaRPr lang="en-US"/>
           </a:p>
         </p:txBody>
       </p:sp>
@@ -2894,7 +2980,7 @@
           <a:p>
             <a:pPr lvl="0"/>
             <a:r>
-              <a:rPr lang="en-US" smtClean="0"/>
+              <a:rPr lang="en-US"/>
               <a:t>Click to edit Master text styles</a:t>
             </a:r>
           </a:p>
@@ -2917,7 +3003,7 @@
           <a:p>
             <a:fld id="{FBF630C0-B0E4-4EC2-AB0C-BE44B3506280}" type="datetimeFigureOut">
               <a:rPr lang="en-US" smtClean="0"/>
-              <a:t>10/10/2016</a:t>
+              <a:t>1/9/2018</a:t>
             </a:fld>
             <a:endParaRPr lang="en-US"/>
           </a:p>
@@ -3036,10 +3122,9 @@
           <a:lstStyle/>
           <a:p>
             <a:r>
-              <a:rPr lang="en-US" smtClean="0"/>
+              <a:rPr lang="en-US"/>
               <a:t>Click to edit Master title style</a:t>
             </a:r>
-            <a:endParaRPr lang="en-US"/>
           </a:p>
         </p:txBody>
       </p:sp>
@@ -3070,38 +3155,37 @@
           <a:p>
             <a:pPr lvl="0"/>
             <a:r>
-              <a:rPr lang="en-US" smtClean="0"/>
+              <a:rPr lang="en-US"/>
               <a:t>Click to edit Master text styles</a:t>
             </a:r>
           </a:p>
           <a:p>
             <a:pPr lvl="1"/>
             <a:r>
-              <a:rPr lang="en-US" smtClean="0"/>
+              <a:rPr lang="en-US"/>
               <a:t>Second level</a:t>
             </a:r>
           </a:p>
           <a:p>
             <a:pPr lvl="2"/>
             <a:r>
-              <a:rPr lang="en-US" smtClean="0"/>
+              <a:rPr lang="en-US"/>
               <a:t>Third level</a:t>
             </a:r>
           </a:p>
           <a:p>
             <a:pPr lvl="3"/>
             <a:r>
-              <a:rPr lang="en-US" smtClean="0"/>
+              <a:rPr lang="en-US"/>
               <a:t>Fourth level</a:t>
             </a:r>
           </a:p>
           <a:p>
             <a:pPr lvl="4"/>
             <a:r>
-              <a:rPr lang="en-US" smtClean="0"/>
+              <a:rPr lang="en-US"/>
               <a:t>Fifth level</a:t>
             </a:r>
-            <a:endParaRPr lang="en-US"/>
           </a:p>
         </p:txBody>
       </p:sp>
@@ -3140,7 +3224,7 @@
           <a:p>
             <a:fld id="{FBF630C0-B0E4-4EC2-AB0C-BE44B3506280}" type="datetimeFigureOut">
               <a:rPr lang="en-US" smtClean="0"/>
-              <a:t>10/10/2016</a:t>
+              <a:t>1/9/2018</a:t>
             </a:fld>
             <a:endParaRPr lang="en-US"/>
           </a:p>
@@ -3568,14 +3652,14 @@
           <a:lstStyle/>
           <a:p>
             <a:r>
-              <a:rPr lang="en-US" sz="7200" i="1" dirty="0" err="1" smtClean="0">
+              <a:rPr lang="en-US" sz="7200" i="1" dirty="0" err="1">
                 <a:latin typeface="Aharoni" panose="02010803020104030203" pitchFamily="2" charset="-79"/>
                 <a:cs typeface="Aharoni" panose="02010803020104030203" pitchFamily="2" charset="-79"/>
               </a:rPr>
               <a:t>Rock’n’Roll</a:t>
             </a:r>
             <a:r>
-              <a:rPr lang="en-US" sz="7200" i="1" dirty="0" smtClean="0">
+              <a:rPr lang="en-US" sz="7200" i="1" dirty="0">
                 <a:latin typeface="Aharoni" panose="02010803020104030203" pitchFamily="2" charset="-79"/>
                 <a:cs typeface="Aharoni" panose="02010803020104030203" pitchFamily="2" charset="-79"/>
               </a:rPr>
@@ -3606,7 +3690,7 @@
           <a:lstStyle/>
           <a:p>
             <a:r>
-              <a:rPr lang="en-US" sz="7200" dirty="0" smtClean="0">
+              <a:rPr lang="en-US" sz="7200" dirty="0">
                 <a:latin typeface="Andalus" panose="02020603050405020304" pitchFamily="18" charset="-78"/>
                 <a:cs typeface="Andalus" panose="02020603050405020304" pitchFamily="18" charset="-78"/>
               </a:rPr>
@@ -3626,13 +3710,6 @@
   <p:clrMapOvr>
     <a:masterClrMapping/>
   </p:clrMapOvr>
-  <p:timing>
-    <p:tnLst>
-      <p:par>
-        <p:cTn id="1" dur="indefinite" restart="never" nodeType="tmRoot"/>
-      </p:par>
-    </p:tnLst>
-  </p:timing>
 </p:sld>
 </file>
 
@@ -3757,13 +3834,6 @@
   <p:clrMapOvr>
     <a:masterClrMapping/>
   </p:clrMapOvr>
-  <p:timing>
-    <p:tnLst>
-      <p:par>
-        <p:cTn id="1" dur="indefinite" restart="never" nodeType="tmRoot"/>
-      </p:par>
-    </p:tnLst>
-  </p:timing>
 </p:sld>
 </file>
 
@@ -3807,34 +3877,33 @@
           <a:lstStyle/>
           <a:p>
             <a:r>
-              <a:rPr lang="en-US" dirty="0" smtClean="0"/>
+              <a:rPr lang="en-US" dirty="0"/>
               <a:t>Highly portable, small</a:t>
             </a:r>
           </a:p>
           <a:p>
             <a:r>
-              <a:rPr lang="en-US" dirty="0" smtClean="0"/>
+              <a:rPr lang="en-US" dirty="0"/>
               <a:t>more than car radios</a:t>
             </a:r>
           </a:p>
           <a:p>
             <a:r>
-              <a:rPr lang="en-US" dirty="0" smtClean="0"/>
+              <a:rPr lang="en-US" dirty="0"/>
               <a:t>First: Regency TR-1, October 1954</a:t>
             </a:r>
           </a:p>
           <a:p>
             <a:r>
-              <a:rPr lang="en-US" dirty="0" smtClean="0"/>
+              <a:rPr lang="en-US" dirty="0"/>
               <a:t>Sony then made them fast and cheaper.</a:t>
             </a:r>
           </a:p>
           <a:p>
             <a:r>
-              <a:rPr lang="en-US" dirty="0" smtClean="0"/>
+              <a:rPr lang="en-US" dirty="0"/>
               <a:t>Japanese low wages drove down cost to consumers (by 1962: $15)</a:t>
             </a:r>
-            <a:endParaRPr lang="en-US" dirty="0"/>
           </a:p>
         </p:txBody>
       </p:sp>
@@ -4013,13 +4082,6 @@
   <p:clrMapOvr>
     <a:masterClrMapping/>
   </p:clrMapOvr>
-  <p:timing>
-    <p:tnLst>
-      <p:par>
-        <p:cTn id="1" dur="indefinite" restart="never" nodeType="tmRoot"/>
-      </p:par>
-    </p:tnLst>
-  </p:timing>
 </p:sld>
 </file>
 
@@ -4064,10 +4126,9 @@
           <a:p>
             <a:pPr algn="ctr"/>
             <a:r>
-              <a:rPr lang="en-US" sz="6600" b="1" dirty="0" smtClean="0"/>
+              <a:rPr lang="en-US" sz="6600" b="1" dirty="0"/>
               <a:t>Muddy Waters</a:t>
             </a:r>
-            <a:endParaRPr lang="en-US" sz="6600" b="1" dirty="0"/>
           </a:p>
         </p:txBody>
       </p:sp>
@@ -4097,93 +4158,80 @@
             </a:r>
             <a:r>
               <a:rPr lang="en-US" dirty="0"/>
-              <a:t> </a:t>
-            </a:r>
-            <a:r>
-              <a:rPr lang="en-US" dirty="0" smtClean="0"/>
-              <a:t>(1913</a:t>
-            </a:r>
-            <a:r>
-              <a:rPr lang="en-US" dirty="0"/>
-              <a:t>-</a:t>
-            </a:r>
-            <a:r>
-              <a:rPr lang="en-US" dirty="0" smtClean="0"/>
-              <a:t>1983)</a:t>
-            </a:r>
-          </a:p>
-          <a:p>
-            <a:r>
-              <a:rPr lang="en-US" dirty="0" smtClean="0"/>
+              <a:t> (1913-1983)</a:t>
+            </a:r>
+          </a:p>
+          <a:p>
+            <a:r>
+              <a:rPr lang="en-US" dirty="0"/>
               <a:t>Father of Chicago Electric Blues</a:t>
             </a:r>
           </a:p>
           <a:p>
             <a:r>
-              <a:rPr lang="en-US" dirty="0" smtClean="0"/>
+              <a:rPr lang="en-US" dirty="0"/>
               <a:t>1941: Alan Lomax recorded him for Library of Congress: </a:t>
             </a:r>
             <a:r>
-              <a:rPr lang="en-US" dirty="0" smtClean="0">
+              <a:rPr lang="en-US" dirty="0">
                 <a:hlinkClick r:id="rId2"/>
               </a:rPr>
               <a:t>link</a:t>
             </a:r>
-            <a:endParaRPr lang="en-US" dirty="0" smtClean="0"/>
-          </a:p>
-          <a:p>
-            <a:r>
-              <a:rPr lang="en-US" dirty="0" smtClean="0"/>
+            <a:endParaRPr lang="en-US" dirty="0"/>
+          </a:p>
+          <a:p>
+            <a:r>
+              <a:rPr lang="en-US" dirty="0"/>
               <a:t>1943: moved to Chicago to become a professional musician.</a:t>
             </a:r>
           </a:p>
           <a:p>
             <a:r>
-              <a:rPr lang="en-US" dirty="0" smtClean="0"/>
+              <a:rPr lang="en-US" dirty="0"/>
               <a:t>1945: first electric guitar, to be heard over the city’s noise.</a:t>
             </a:r>
           </a:p>
           <a:p>
             <a:r>
-              <a:rPr lang="en-US" dirty="0" smtClean="0"/>
+              <a:rPr lang="en-US" dirty="0"/>
               <a:t>1946: started recording with Aristocrat Records (Chess brothers).</a:t>
             </a:r>
           </a:p>
           <a:p>
             <a:r>
-              <a:rPr lang="en-US" dirty="0" smtClean="0"/>
+              <a:rPr lang="en-US" dirty="0"/>
               <a:t>1954: </a:t>
             </a:r>
             <a:r>
-              <a:rPr lang="en-US" dirty="0" err="1" smtClean="0"/>
+              <a:rPr lang="en-US" dirty="0" err="1"/>
               <a:t>Hoochie</a:t>
             </a:r>
             <a:r>
-              <a:rPr lang="en-US" dirty="0" smtClean="0"/>
+              <a:rPr lang="en-US" dirty="0"/>
               <a:t> </a:t>
             </a:r>
             <a:r>
-              <a:rPr lang="en-US" dirty="0" err="1" smtClean="0"/>
+              <a:rPr lang="en-US" dirty="0" err="1"/>
               <a:t>Coochie</a:t>
             </a:r>
             <a:r>
-              <a:rPr lang="en-US" dirty="0" smtClean="0"/>
+              <a:rPr lang="en-US" dirty="0"/>
               <a:t> Man (written by Willie Dixon): </a:t>
             </a:r>
             <a:r>
-              <a:rPr lang="en-US" dirty="0" smtClean="0">
+              <a:rPr lang="en-US" dirty="0">
                 <a:hlinkClick r:id="rId3"/>
               </a:rPr>
               <a:t>link</a:t>
             </a:r>
-            <a:endParaRPr lang="en-US" dirty="0" smtClean="0"/>
-          </a:p>
-          <a:p>
-            <a:r>
-              <a:rPr lang="en-US" dirty="0" smtClean="0"/>
+            <a:endParaRPr lang="en-US" dirty="0"/>
+          </a:p>
+          <a:p>
+            <a:r>
+              <a:rPr lang="en-US" dirty="0"/>
               <a:t>Waters essentially brought the Delta Blues to Chicago and electrified it.</a:t>
             </a:r>
-            <a:endParaRPr lang="en-US" dirty="0"/>
           </a:p>
         </p:txBody>
       </p:sp>
@@ -4197,13 +4245,6 @@
   <p:clrMapOvr>
     <a:masterClrMapping/>
   </p:clrMapOvr>
-  <p:timing>
-    <p:tnLst>
-      <p:par>
-        <p:cTn id="1" dur="indefinite" restart="never" nodeType="tmRoot"/>
-      </p:par>
-    </p:tnLst>
-  </p:timing>
 </p:sld>
 </file>
 
@@ -4242,14 +4283,13 @@
           <a:lstStyle/>
           <a:p>
             <a:r>
-              <a:rPr lang="en-US" sz="6000" b="1" dirty="0" err="1" smtClean="0"/>
+              <a:rPr lang="en-US" sz="6000" b="1" dirty="0" err="1"/>
               <a:t>Howlin</a:t>
             </a:r>
             <a:r>
-              <a:rPr lang="en-US" sz="6000" b="1" dirty="0" smtClean="0"/>
+              <a:rPr lang="en-US" sz="6000" b="1" dirty="0"/>
               <a:t>’ Wolf</a:t>
             </a:r>
-            <a:endParaRPr lang="en-US" sz="6000" b="1" dirty="0"/>
           </a:p>
         </p:txBody>
       </p:sp>
@@ -4281,54 +4321,50 @@
             </a:r>
             <a:r>
               <a:rPr lang="en-US" dirty="0"/>
-              <a:t> </a:t>
-            </a:r>
-            <a:r>
-              <a:rPr lang="en-US" dirty="0" smtClean="0"/>
-              <a:t>(1910-1976)</a:t>
-            </a:r>
-          </a:p>
-          <a:p>
-            <a:r>
-              <a:rPr lang="en-US" dirty="0" smtClean="0"/>
+              <a:t> (1910-1976)</a:t>
+            </a:r>
+          </a:p>
+          <a:p>
+            <a:r>
+              <a:rPr lang="en-US" dirty="0"/>
               <a:t>Charlie Patton taught him guitar and the blues.</a:t>
             </a:r>
           </a:p>
           <a:p>
             <a:r>
-              <a:rPr lang="en-US" dirty="0" smtClean="0"/>
+              <a:rPr lang="en-US" dirty="0"/>
               <a:t>Already playing an electric guitar in 1941</a:t>
             </a:r>
           </a:p>
           <a:p>
             <a:r>
-              <a:rPr lang="en-US" dirty="0" smtClean="0"/>
+              <a:rPr lang="en-US" dirty="0"/>
               <a:t>1951: Sam Phillips recorded him at the Memphis Recording Service: “How many more years” [</a:t>
             </a:r>
             <a:r>
-              <a:rPr lang="en-US" dirty="0" smtClean="0">
+              <a:rPr lang="en-US" dirty="0">
                 <a:hlinkClick r:id="rId2"/>
               </a:rPr>
               <a:t>link</a:t>
             </a:r>
             <a:r>
-              <a:rPr lang="en-US" dirty="0" smtClean="0"/>
+              <a:rPr lang="en-US" dirty="0"/>
               <a:t>]</a:t>
             </a:r>
           </a:p>
           <a:p>
             <a:r>
-              <a:rPr lang="en-US" dirty="0" smtClean="0"/>
+              <a:rPr lang="en-US" dirty="0"/>
               <a:t>1952: moved to Chicago and signed contract with Chess Records.</a:t>
             </a:r>
           </a:p>
           <a:p>
             <a:r>
-              <a:rPr lang="en-US" dirty="0" smtClean="0"/>
+              <a:rPr lang="en-US" dirty="0"/>
               <a:t>Waters initially helped him out, but later they </a:t>
             </a:r>
             <a:r>
-              <a:rPr lang="en-US" smtClean="0"/>
+              <a:rPr lang="en-US"/>
               <a:t>became rivals.</a:t>
             </a:r>
             <a:endParaRPr lang="en-US" dirty="0"/>
@@ -4375,13 +4411,6 @@
   <p:clrMapOvr>
     <a:masterClrMapping/>
   </p:clrMapOvr>
-  <p:timing>
-    <p:tnLst>
-      <p:par>
-        <p:cTn id="1" dur="indefinite" restart="never" nodeType="tmRoot"/>
-      </p:par>
-    </p:tnLst>
-  </p:timing>
 </p:sld>
 </file>
 
@@ -4418,16 +4447,12 @@
           <a:lstStyle/>
           <a:p>
             <a:r>
-              <a:rPr lang="en-US" b="1" dirty="0" smtClean="0">
+              <a:rPr lang="en-US" b="1" dirty="0">
                 <a:latin typeface="Aharoni" panose="02010803020104030203" pitchFamily="2" charset="-79"/>
                 <a:cs typeface="Aharoni" panose="02010803020104030203" pitchFamily="2" charset="-79"/>
               </a:rPr>
               <a:t>Little Richard</a:t>
             </a:r>
-            <a:endParaRPr lang="en-US" b="1" dirty="0">
-              <a:latin typeface="Aharoni" panose="02010803020104030203" pitchFamily="2" charset="-79"/>
-              <a:cs typeface="Aharoni" panose="02010803020104030203" pitchFamily="2" charset="-79"/>
-            </a:endParaRPr>
           </a:p>
         </p:txBody>
       </p:sp>
@@ -4463,77 +4488,72 @@
             </a:r>
             <a:r>
               <a:rPr lang="en-US" dirty="0"/>
-              <a:t> (</a:t>
-            </a:r>
-            <a:r>
-              <a:rPr lang="en-US" dirty="0" smtClean="0"/>
-              <a:t>born 1932, Macon, Georgia)</a:t>
-            </a:r>
-          </a:p>
-          <a:p>
-            <a:r>
-              <a:rPr lang="en-US" dirty="0" smtClean="0"/>
+              <a:t> (born 1932, Macon, Georgia)</a:t>
+            </a:r>
+          </a:p>
+          <a:p>
+            <a:r>
+              <a:rPr lang="en-US" dirty="0"/>
               <a:t>Began as a gospel singer, mother at New Hope Baptist Church</a:t>
             </a:r>
           </a:p>
           <a:p>
             <a:r>
-              <a:rPr lang="en-US" dirty="0" smtClean="0"/>
+              <a:rPr lang="en-US" dirty="0"/>
               <a:t>Father owned a nightclub: Tip In Inn</a:t>
             </a:r>
           </a:p>
           <a:p>
             <a:r>
-              <a:rPr lang="en-US" dirty="0" smtClean="0"/>
+              <a:rPr lang="en-US" dirty="0"/>
               <a:t>27 October 1947: Sister Rosetta </a:t>
             </a:r>
             <a:r>
-              <a:rPr lang="en-US" dirty="0" err="1" smtClean="0"/>
+              <a:rPr lang="en-US" dirty="0" err="1"/>
               <a:t>Tharpe</a:t>
             </a:r>
             <a:r>
-              <a:rPr lang="en-US" dirty="0" smtClean="0"/>
+              <a:rPr lang="en-US" dirty="0"/>
               <a:t> invited him on stage.</a:t>
             </a:r>
           </a:p>
           <a:p>
             <a:r>
-              <a:rPr lang="en-US" dirty="0" smtClean="0"/>
+              <a:rPr lang="en-US" dirty="0"/>
               <a:t>Played in various bands, often in drag.</a:t>
             </a:r>
           </a:p>
           <a:p>
             <a:r>
-              <a:rPr lang="en-US" dirty="0" smtClean="0"/>
+              <a:rPr lang="en-US" dirty="0"/>
               <a:t>1951: “Taxi Blues” [</a:t>
             </a:r>
             <a:r>
-              <a:rPr lang="en-US" dirty="0" smtClean="0">
+              <a:rPr lang="en-US" dirty="0">
                 <a:hlinkClick r:id="rId2"/>
               </a:rPr>
               <a:t>link</a:t>
             </a:r>
             <a:r>
-              <a:rPr lang="en-US" dirty="0" smtClean="0"/>
+              <a:rPr lang="en-US" dirty="0"/>
               <a:t>]</a:t>
             </a:r>
           </a:p>
           <a:p>
             <a:r>
-              <a:rPr lang="en-US" dirty="0" smtClean="0"/>
+              <a:rPr lang="en-US" dirty="0"/>
               <a:t>1956: “Long, Tall Sally” [</a:t>
             </a:r>
             <a:r>
-              <a:rPr lang="en-US" dirty="0" smtClean="0">
+              <a:rPr lang="en-US" dirty="0">
                 <a:hlinkClick r:id="rId3"/>
               </a:rPr>
               <a:t>link</a:t>
             </a:r>
             <a:r>
-              <a:rPr lang="en-US" dirty="0" smtClean="0"/>
+              <a:rPr lang="en-US" dirty="0"/>
               <a:t>]</a:t>
             </a:r>
-            <a:endParaRPr lang="en-US" dirty="0"/>
           </a:p>
         </p:txBody>
       </p:sp>
@@ -4582,13 +4602,6 @@
   <p:clrMapOvr>
     <a:masterClrMapping/>
   </p:clrMapOvr>
-  <p:timing>
-    <p:tnLst>
-      <p:par>
-        <p:cTn id="1" dur="indefinite" restart="never" nodeType="tmRoot"/>
-      </p:par>
-    </p:tnLst>
-  </p:timing>
 </p:sld>
 </file>
 
@@ -4627,16 +4640,12 @@
           <a:lstStyle/>
           <a:p>
             <a:r>
-              <a:rPr lang="en-US" sz="5400" b="1" dirty="0" smtClean="0">
+              <a:rPr lang="en-US" sz="5400" b="1" dirty="0">
                 <a:latin typeface="Aharoni" panose="02010803020104030203" pitchFamily="2" charset="-79"/>
                 <a:cs typeface="Aharoni" panose="02010803020104030203" pitchFamily="2" charset="-79"/>
               </a:rPr>
               <a:t>Chuck Berry</a:t>
             </a:r>
-            <a:endParaRPr lang="en-US" sz="5400" b="1" dirty="0">
-              <a:latin typeface="Aharoni" panose="02010803020104030203" pitchFamily="2" charset="-79"/>
-              <a:cs typeface="Aharoni" panose="02010803020104030203" pitchFamily="2" charset="-79"/>
-            </a:endParaRPr>
           </a:p>
         </p:txBody>
       </p:sp>
@@ -4677,45 +4686,40 @@
             </a:r>
             <a:r>
               <a:rPr lang="en-US" dirty="0"/>
-              <a:t> (born </a:t>
-            </a:r>
-            <a:r>
-              <a:rPr lang="en-US" dirty="0" smtClean="0"/>
-              <a:t>1926, St. Louis)</a:t>
-            </a:r>
-          </a:p>
-          <a:p>
-            <a:r>
-              <a:rPr lang="en-US" dirty="0" smtClean="0"/>
+              <a:t> (born 1926, St. Louis)</a:t>
+            </a:r>
+          </a:p>
+          <a:p>
+            <a:r>
+              <a:rPr lang="en-US" dirty="0"/>
               <a:t>Wild kid, prison, 1944-1947</a:t>
             </a:r>
           </a:p>
           <a:p>
             <a:r>
-              <a:rPr lang="en-US" dirty="0" smtClean="0"/>
+              <a:rPr lang="en-US" dirty="0"/>
               <a:t>Moved to Chicago, May 1955</a:t>
             </a:r>
           </a:p>
           <a:p>
             <a:r>
-              <a:rPr lang="en-US" dirty="0" smtClean="0"/>
+              <a:rPr lang="en-US" dirty="0"/>
               <a:t>Muddy Waters introduced him to the Chess brothers.</a:t>
             </a:r>
           </a:p>
           <a:p>
             <a:r>
-              <a:rPr lang="en-US" dirty="0" smtClean="0"/>
+              <a:rPr lang="en-US" dirty="0"/>
               <a:t>1955: “Ida Red,” became “</a:t>
             </a:r>
             <a:r>
-              <a:rPr lang="en-US" dirty="0" err="1" smtClean="0"/>
+              <a:rPr lang="en-US" dirty="0" err="1"/>
               <a:t>Maybellene</a:t>
             </a:r>
             <a:r>
-              <a:rPr lang="en-US" dirty="0" smtClean="0"/>
+              <a:rPr lang="en-US" dirty="0"/>
               <a:t>” [link]</a:t>
             </a:r>
-            <a:endParaRPr lang="en-US" dirty="0"/>
           </a:p>
         </p:txBody>
       </p:sp>
@@ -4729,13 +4733,6 @@
   <p:clrMapOvr>
     <a:masterClrMapping/>
   </p:clrMapOvr>
-  <p:timing>
-    <p:tnLst>
-      <p:par>
-        <p:cTn id="1" dur="indefinite" restart="never" nodeType="tmRoot"/>
-      </p:par>
-    </p:tnLst>
-  </p:timing>
 </p:sld>
 </file>
 
@@ -4779,95 +4776,82 @@
           <a:lstStyle/>
           <a:p>
             <a:r>
-              <a:rPr lang="en-US" dirty="0" smtClean="0"/>
+              <a:rPr lang="en-US" dirty="0"/>
               <a:t>First important Rock “Disc Jockey” DJ</a:t>
             </a:r>
           </a:p>
           <a:p>
             <a:r>
-              <a:rPr lang="en-US" dirty="0" smtClean="0"/>
+              <a:rPr lang="en-US" dirty="0"/>
               <a:t>“Old King of the </a:t>
             </a:r>
             <a:r>
-              <a:rPr lang="en-US" dirty="0" err="1" smtClean="0"/>
+              <a:rPr lang="en-US" dirty="0" err="1"/>
               <a:t>Moondoggers</a:t>
             </a:r>
             <a:r>
-              <a:rPr lang="en-US" dirty="0" smtClean="0"/>
+              <a:rPr lang="en-US" dirty="0"/>
               <a:t>”</a:t>
             </a:r>
           </a:p>
           <a:p>
             <a:r>
-              <a:rPr lang="en-US" dirty="0" smtClean="0"/>
+              <a:rPr lang="en-US" dirty="0"/>
               <a:t>Leo </a:t>
             </a:r>
             <a:r>
-              <a:rPr lang="en-US" dirty="0" err="1" smtClean="0"/>
+              <a:rPr lang="en-US" dirty="0" err="1"/>
               <a:t>Mintz</a:t>
             </a:r>
             <a:r>
-              <a:rPr lang="en-US" dirty="0" smtClean="0"/>
+              <a:rPr lang="en-US" dirty="0"/>
               <a:t>, Cleveland, Ohio record store owner</a:t>
             </a:r>
           </a:p>
           <a:p>
             <a:r>
               <a:rPr lang="en-US" dirty="0"/>
-              <a:t>WJW </a:t>
-            </a:r>
-            <a:r>
-              <a:rPr lang="en-US" dirty="0" smtClean="0"/>
-              <a:t>(Cleveland): worked the night shift</a:t>
-            </a:r>
-          </a:p>
-          <a:p>
-            <a:r>
-              <a:rPr lang="en-US" dirty="0"/>
-              <a:t>Brought black hot jazz and rhythm and blues to white teenagers</a:t>
-            </a:r>
-            <a:r>
-              <a:rPr lang="en-US" dirty="0" smtClean="0"/>
-              <a:t>.</a:t>
-            </a:r>
-          </a:p>
-          <a:p>
-            <a:r>
-              <a:rPr lang="en-US" dirty="0" smtClean="0"/>
+              <a:t>WJW (Cleveland): worked the night shift</a:t>
+            </a:r>
+          </a:p>
+          <a:p>
+            <a:r>
+              <a:rPr lang="en-US" dirty="0"/>
+              <a:t>Brought black hot jazz and rhythm and blues to white teenagers.</a:t>
+            </a:r>
+          </a:p>
+          <a:p>
+            <a:r>
+              <a:rPr lang="en-US" dirty="0"/>
               <a:t>21 March 1952: “</a:t>
             </a:r>
             <a:r>
-              <a:rPr lang="en-US" dirty="0" err="1" smtClean="0"/>
+              <a:rPr lang="en-US" dirty="0" err="1"/>
               <a:t>Moondog</a:t>
             </a:r>
             <a:r>
-              <a:rPr lang="en-US" dirty="0" smtClean="0"/>
+              <a:rPr lang="en-US" dirty="0"/>
               <a:t> Coronation Ball”</a:t>
             </a:r>
-            <a:endParaRPr lang="en-US" dirty="0"/>
-          </a:p>
-          <a:p>
-            <a:r>
-              <a:rPr lang="en-US" dirty="0" smtClean="0"/>
+          </a:p>
+          <a:p>
+            <a:r>
+              <a:rPr lang="en-US" dirty="0"/>
               <a:t>Popularized “</a:t>
             </a:r>
             <a:r>
-              <a:rPr lang="en-US" dirty="0" err="1" smtClean="0"/>
+              <a:rPr lang="en-US" dirty="0" err="1"/>
               <a:t>Rock’n’Roll</a:t>
             </a:r>
             <a:r>
-              <a:rPr lang="en-US" dirty="0" smtClean="0"/>
+              <a:rPr lang="en-US" dirty="0"/>
               <a:t>”</a:t>
             </a:r>
           </a:p>
           <a:p>
             <a:r>
-              <a:rPr lang="en-US" dirty="0" smtClean="0"/>
-              <a:t>6 </a:t>
-            </a:r>
-            <a:r>
-              <a:rPr lang="en-US" dirty="0"/>
-              <a:t>April 1954 broadcast: </a:t>
+              <a:rPr lang="en-US" dirty="0"/>
+              <a:t>6 April 1954 broadcast: </a:t>
             </a:r>
             <a:r>
               <a:rPr lang="en-US" dirty="0">
@@ -4903,18 +4887,17 @@
           <a:lstStyle/>
           <a:p>
             <a:r>
-              <a:rPr lang="en-US" dirty="0" smtClean="0"/>
+              <a:rPr lang="en-US" dirty="0"/>
               <a:t>Alan Freed (1921-1965), “Rock ‘</a:t>
             </a:r>
             <a:r>
-              <a:rPr lang="en-US" dirty="0" err="1" smtClean="0"/>
+              <a:rPr lang="en-US" dirty="0" err="1"/>
               <a:t>n’Roll</a:t>
             </a:r>
             <a:r>
-              <a:rPr lang="en-US" dirty="0" smtClean="0"/>
+              <a:rPr lang="en-US" dirty="0"/>
               <a:t>”</a:t>
             </a:r>
-            <a:endParaRPr lang="en-US" dirty="0"/>
           </a:p>
         </p:txBody>
       </p:sp>
@@ -4964,13 +4947,6 @@
   <p:clrMapOvr>
     <a:masterClrMapping/>
   </p:clrMapOvr>
-  <p:timing>
-    <p:tnLst>
-      <p:par>
-        <p:cTn id="1" dur="indefinite" restart="never" nodeType="tmRoot"/>
-      </p:par>
-    </p:tnLst>
-  </p:timing>
 </p:sld>
 </file>
 
@@ -5007,46 +4983,45 @@
           <a:lstStyle/>
           <a:p>
             <a:r>
-              <a:rPr lang="en-US" dirty="0" smtClean="0"/>
+              <a:rPr lang="en-US" dirty="0"/>
               <a:t>1959: Freed began hosting “The Big Beat” on ABC; popular, but lasted only four episodes.</a:t>
             </a:r>
           </a:p>
           <a:p>
             <a:r>
-              <a:rPr lang="en-US" dirty="0" smtClean="0"/>
+              <a:rPr lang="en-US" dirty="0"/>
               <a:t>Here is </a:t>
             </a:r>
             <a:r>
-              <a:rPr lang="en-US" dirty="0" smtClean="0">
+              <a:rPr lang="en-US" dirty="0">
                 <a:hlinkClick r:id="rId2"/>
               </a:rPr>
               <a:t>why</a:t>
             </a:r>
             <a:r>
-              <a:rPr lang="en-US" dirty="0" smtClean="0"/>
+              <a:rPr lang="en-US" dirty="0"/>
               <a:t>: fourth episode featured “Frankie Lyman and the Teenagers”</a:t>
             </a:r>
           </a:p>
           <a:p>
             <a:r>
-              <a:rPr lang="en-US" dirty="0" smtClean="0"/>
+              <a:rPr lang="en-US" dirty="0"/>
               <a:t>Freed then faced conflict of interest charges for promoting songs in which he  had a financial interest Chuck Berry’s “</a:t>
             </a:r>
             <a:r>
-              <a:rPr lang="en-US" dirty="0" err="1" smtClean="0"/>
+              <a:rPr lang="en-US" dirty="0" err="1"/>
               <a:t>Maybellene</a:t>
             </a:r>
             <a:r>
-              <a:rPr lang="en-US" dirty="0" smtClean="0"/>
+              <a:rPr lang="en-US" dirty="0"/>
               <a:t>”.</a:t>
             </a:r>
           </a:p>
           <a:p>
             <a:r>
-              <a:rPr lang="en-US" dirty="0" smtClean="0"/>
+              <a:rPr lang="en-US" dirty="0"/>
               <a:t>Common practice, unevenly enforced.</a:t>
             </a:r>
-            <a:endParaRPr lang="en-US" dirty="0"/>
           </a:p>
         </p:txBody>
       </p:sp>
@@ -5066,16 +5041,12 @@
           <a:lstStyle/>
           <a:p>
             <a:r>
-              <a:rPr lang="en-US" b="1" dirty="0" smtClean="0">
+              <a:rPr lang="en-US" b="1" dirty="0">
                 <a:latin typeface="Aharoni" panose="02010803020104030203" pitchFamily="2" charset="-79"/>
                 <a:cs typeface="Aharoni" panose="02010803020104030203" pitchFamily="2" charset="-79"/>
               </a:rPr>
               <a:t>Race and Payola</a:t>
             </a:r>
-            <a:endParaRPr lang="en-US" b="1" dirty="0">
-              <a:latin typeface="Aharoni" panose="02010803020104030203" pitchFamily="2" charset="-79"/>
-              <a:cs typeface="Aharoni" panose="02010803020104030203" pitchFamily="2" charset="-79"/>
-            </a:endParaRPr>
           </a:p>
         </p:txBody>
       </p:sp>
@@ -5089,13 +5060,6 @@
   <p:clrMapOvr>
     <a:masterClrMapping/>
   </p:clrMapOvr>
-  <p:timing>
-    <p:tnLst>
-      <p:par>
-        <p:cTn id="1" dur="indefinite" restart="never" nodeType="tmRoot"/>
-      </p:par>
-    </p:tnLst>
-  </p:timing>
 </p:sld>
 </file>
 
@@ -5140,18 +5104,17 @@
           <a:p>
             <a:pPr algn="ctr"/>
             <a:r>
-              <a:rPr lang="en-US" b="1" dirty="0" smtClean="0"/>
+              <a:rPr lang="en-US" b="1" dirty="0"/>
               <a:t>Chuck Berry shared the royalties: </a:t>
             </a:r>
             <a:r>
-              <a:rPr lang="en-US" b="1" dirty="0" err="1" smtClean="0"/>
+              <a:rPr lang="en-US" b="1" dirty="0" err="1"/>
               <a:t>Maybellene</a:t>
             </a:r>
             <a:r>
-              <a:rPr lang="en-US" b="1" dirty="0" smtClean="0"/>
+              <a:rPr lang="en-US" b="1" dirty="0"/>
               <a:t>, 1955</a:t>
             </a:r>
-            <a:endParaRPr lang="en-US" b="1" dirty="0"/>
           </a:p>
         </p:txBody>
       </p:sp>
@@ -5194,13 +5157,6 @@
   <p:clrMapOvr>
     <a:masterClrMapping/>
   </p:clrMapOvr>
-  <p:timing>
-    <p:tnLst>
-      <p:par>
-        <p:cTn id="1" dur="indefinite" restart="never" nodeType="tmRoot"/>
-      </p:par>
-    </p:tnLst>
-  </p:timing>
 </p:sld>
 </file>
 
@@ -5233,132 +5189,111 @@
         </p:nvSpPr>
         <p:spPr/>
         <p:txBody>
-          <a:bodyPr/>
-          <a:lstStyle/>
-          <a:p>
-            <a:r>
-              <a:rPr lang="en-US" dirty="0" smtClean="0"/>
-              <a:t>1934: Boswell Sisters, “</a:t>
-            </a:r>
-            <a:r>
-              <a:rPr lang="en-US" dirty="0" smtClean="0">
-                <a:hlinkClick r:id="rId2"/>
-              </a:rPr>
-              <a:t>Rock and Roll</a:t>
-            </a:r>
-            <a:r>
-              <a:rPr lang="en-US" dirty="0" smtClean="0"/>
-              <a:t>” appeared in the film </a:t>
-            </a:r>
-            <a:r>
-              <a:rPr lang="en-US" i="1" dirty="0" smtClean="0"/>
-              <a:t>Transatlantic Merry-Go-Round</a:t>
-            </a:r>
-            <a:r>
-              <a:rPr lang="en-US" dirty="0" smtClean="0"/>
-              <a:t>.</a:t>
-            </a:r>
-          </a:p>
-          <a:p>
-            <a:r>
-              <a:rPr lang="en-US" dirty="0" smtClean="0"/>
-              <a:t>1938: Sister Rosetta </a:t>
-            </a:r>
-            <a:r>
-              <a:rPr lang="en-US" dirty="0" err="1" smtClean="0"/>
-              <a:t>Tharpe</a:t>
-            </a:r>
-            <a:r>
-              <a:rPr lang="en-US" dirty="0" smtClean="0"/>
-              <a:t> recorded “Rock Me” for Decca Records [</a:t>
-            </a:r>
-            <a:r>
-              <a:rPr lang="en-US" dirty="0" smtClean="0">
-                <a:hlinkClick r:id="rId2"/>
-              </a:rPr>
-              <a:t>link</a:t>
-            </a:r>
-            <a:r>
-              <a:rPr lang="en-US" dirty="0" smtClean="0"/>
-              <a:t>].</a:t>
-            </a:r>
-          </a:p>
-          <a:p>
-            <a:r>
-              <a:rPr lang="en-US" dirty="0" smtClean="0"/>
-              <a:t>Her music tried to cross-over from gospel to rhythm and blues.</a:t>
-            </a:r>
-          </a:p>
-          <a:p>
-            <a:r>
-              <a:rPr lang="en-US" dirty="0" err="1" smtClean="0"/>
-              <a:t>Tharpe</a:t>
-            </a:r>
-            <a:r>
-              <a:rPr lang="en-US" dirty="0" smtClean="0"/>
-              <a:t> had a huge influence on Little Richard, Chuck Berry, Johnny Cash, and Elvis Presley.</a:t>
-            </a:r>
-          </a:p>
-          <a:p>
-            <a:r>
-              <a:rPr lang="en-US" dirty="0" smtClean="0"/>
-              <a:t>1942: </a:t>
-            </a:r>
-            <a:r>
-              <a:rPr lang="en-US" dirty="0" err="1" smtClean="0"/>
-              <a:t>Maurie</a:t>
-            </a:r>
-            <a:r>
-              <a:rPr lang="en-US" dirty="0" smtClean="0"/>
-              <a:t> </a:t>
-            </a:r>
-            <a:r>
-              <a:rPr lang="en-US" dirty="0" err="1" smtClean="0"/>
-              <a:t>Orodeneker</a:t>
-            </a:r>
-            <a:r>
-              <a:rPr lang="en-US" dirty="0" smtClean="0"/>
-              <a:t> began to call more upbeat recordings, such as Thorpe’s “Rock Me” -- “rock-and-roll”.</a:t>
-            </a:r>
-          </a:p>
-          <a:p>
-            <a:endParaRPr lang="en-US" dirty="0" smtClean="0"/>
-          </a:p>
-          <a:p>
-            <a:endParaRPr lang="en-US" dirty="0"/>
-          </a:p>
-        </p:txBody>
-      </p:sp>
-      <p:sp>
-        <p:nvSpPr>
-          <p:cNvPr id="3" name="Title 2"/>
-          <p:cNvSpPr>
-            <a:spLocks noGrp="1"/>
-          </p:cNvSpPr>
-          <p:nvPr>
-            <p:ph type="title"/>
-          </p:nvPr>
-        </p:nvSpPr>
-        <p:spPr/>
-        <p:txBody>
           <a:bodyPr>
             <a:normAutofit/>
           </a:bodyPr>
           <a:lstStyle/>
           <a:p>
             <a:r>
-              <a:rPr lang="en-US" b="1" dirty="0" smtClean="0"/>
+              <a:rPr lang="en-US" dirty="0"/>
+              <a:t>1934: Boswell Sisters, “</a:t>
+            </a:r>
+            <a:r>
+              <a:rPr lang="en-US" dirty="0">
+                <a:hlinkClick r:id="rId3"/>
+              </a:rPr>
+              <a:t>Rock and Roll</a:t>
+            </a:r>
+            <a:r>
+              <a:rPr lang="en-US" dirty="0"/>
+              <a:t>” appeared in the film </a:t>
+            </a:r>
+            <a:r>
+              <a:rPr lang="en-US" i="1" dirty="0"/>
+              <a:t>Transatlantic Merry-Go-Round</a:t>
+            </a:r>
+            <a:r>
+              <a:rPr lang="en-US" dirty="0"/>
+              <a:t>.</a:t>
+            </a:r>
+          </a:p>
+          <a:p>
+            <a:r>
+              <a:rPr lang="en-US" dirty="0"/>
+              <a:t>1938: Sister Rosetta Tharpe recorded “Rock Me” for </a:t>
+            </a:r>
+            <a:r>
+              <a:rPr lang="en-US"/>
+              <a:t>Decca Records.</a:t>
+            </a:r>
+          </a:p>
+          <a:p>
+            <a:r>
+              <a:rPr lang="en-US" dirty="0"/>
+              <a:t>Her music tried to cross-over from gospel to rhythm and blues.</a:t>
+            </a:r>
+          </a:p>
+          <a:p>
+            <a:r>
+              <a:rPr lang="en-US" dirty="0" err="1"/>
+              <a:t>Tharpe</a:t>
+            </a:r>
+            <a:r>
+              <a:rPr lang="en-US" dirty="0"/>
+              <a:t> had a huge influence on Little Richard, Chuck Berry, Johnny Cash, and Elvis Presley.</a:t>
+            </a:r>
+          </a:p>
+          <a:p>
+            <a:r>
+              <a:rPr lang="en-US" dirty="0"/>
+              <a:t>1942: Maurie </a:t>
+            </a:r>
+            <a:r>
+              <a:rPr lang="en-US" dirty="0" err="1"/>
+              <a:t>Orodeneker</a:t>
+            </a:r>
+            <a:r>
+              <a:rPr lang="en-US" dirty="0"/>
+              <a:t> began to call more upbeat recordings such as Tharpe's "Rock Me“ as rock and roll: "It's Sister Rosetta Tharpe for the rock-and-roll spiritual singing.”</a:t>
+            </a:r>
+          </a:p>
+          <a:p>
+            <a:endParaRPr lang="en-US" dirty="0"/>
+          </a:p>
+          <a:p>
+            <a:endParaRPr lang="en-US" dirty="0"/>
+          </a:p>
+        </p:txBody>
+      </p:sp>
+      <p:sp>
+        <p:nvSpPr>
+          <p:cNvPr id="3" name="Title 2"/>
+          <p:cNvSpPr>
+            <a:spLocks noGrp="1"/>
+          </p:cNvSpPr>
+          <p:nvPr>
+            <p:ph type="title"/>
+          </p:nvPr>
+        </p:nvSpPr>
+        <p:spPr/>
+        <p:txBody>
+          <a:bodyPr>
+            <a:normAutofit/>
+          </a:bodyPr>
+          <a:lstStyle/>
+          <a:p>
+            <a:r>
+              <a:rPr lang="en-US" b="1" dirty="0"/>
               <a:t>The term “Rock </a:t>
             </a:r>
             <a:r>
-              <a:rPr lang="en-US" b="1" smtClean="0"/>
+              <a:rPr lang="en-US" b="1"/>
               <a:t>and Roll,” </a:t>
             </a:r>
             <a:r>
-              <a:rPr lang="en-US" b="1" dirty="0" smtClean="0"/>
+              <a:rPr lang="en-US" b="1" dirty="0"/>
               <a:t>earlier versions</a:t>
             </a:r>
-            <a:endParaRPr lang="en-US" b="1" dirty="0"/>
           </a:p>
         </p:txBody>
       </p:sp>
@@ -5372,13 +5307,6 @@
   <p:clrMapOvr>
     <a:masterClrMapping/>
   </p:clrMapOvr>
-  <p:timing>
-    <p:tnLst>
-      <p:par>
-        <p:cTn id="1" dur="indefinite" restart="never" nodeType="tmRoot"/>
-      </p:par>
-    </p:tnLst>
-  </p:timing>
 </p:sld>
 </file>
 
@@ -5422,18 +5350,9 @@
           <a:lstStyle/>
           <a:p>
             <a:r>
-              <a:rPr lang="en-US" dirty="0" smtClean="0"/>
-              <a:t>Early </a:t>
-            </a:r>
-            <a:r>
-              <a:rPr lang="en-US" dirty="0"/>
-              <a:t>1920s: Radio </a:t>
-            </a:r>
-            <a:r>
-              <a:rPr lang="en-US" dirty="0" smtClean="0"/>
-              <a:t>broadcasting</a:t>
-            </a:r>
-            <a:endParaRPr lang="en-US" dirty="0"/>
+              <a:rPr lang="en-US" dirty="0"/>
+              <a:t>Early 1920s: Radio broadcasting</a:t>
+            </a:r>
           </a:p>
         </p:txBody>
       </p:sp>
@@ -5458,10 +5377,9 @@
           <a:lstStyle/>
           <a:p>
             <a:r>
-              <a:rPr lang="en-US" dirty="0" smtClean="0"/>
+              <a:rPr lang="en-US" dirty="0"/>
               <a:t>Rise of popular music	</a:t>
             </a:r>
-            <a:endParaRPr lang="en-US" dirty="0"/>
           </a:p>
         </p:txBody>
       </p:sp>
@@ -5544,13 +5462,6 @@
   <p:clrMapOvr>
     <a:masterClrMapping/>
   </p:clrMapOvr>
-  <p:timing>
-    <p:tnLst>
-      <p:par>
-        <p:cTn id="1" dur="indefinite" restart="never" nodeType="tmRoot"/>
-      </p:par>
-    </p:tnLst>
-  </p:timing>
 </p:sld>
 </file>
 
@@ -5594,47 +5505,47 @@
           <a:lstStyle/>
           <a:p>
             <a:r>
-              <a:rPr lang="en-US" dirty="0" smtClean="0"/>
+              <a:rPr lang="en-US" dirty="0"/>
               <a:t>Long history, began 1877, patented in 1930s</a:t>
             </a:r>
           </a:p>
           <a:p>
             <a:r>
-              <a:rPr lang="en-US" dirty="0" smtClean="0"/>
+              <a:rPr lang="en-US" dirty="0"/>
               <a:t>Bing Crosby, actor, singer</a:t>
             </a:r>
           </a:p>
           <a:p>
             <a:r>
-              <a:rPr lang="en-US" dirty="0" smtClean="0"/>
+              <a:rPr lang="en-US" dirty="0"/>
               <a:t>Used to broadcast live on NBC radio</a:t>
             </a:r>
           </a:p>
           <a:p>
             <a:r>
-              <a:rPr lang="en-US" dirty="0" smtClean="0"/>
+              <a:rPr lang="en-US" dirty="0"/>
               <a:t>Tired of live performances: 39 weeks per year</a:t>
             </a:r>
           </a:p>
           <a:p>
             <a:r>
-              <a:rPr lang="en-US" dirty="0" smtClean="0"/>
+              <a:rPr lang="en-US" dirty="0"/>
               <a:t>Discs poor quality sound</a:t>
             </a:r>
           </a:p>
           <a:p>
             <a:r>
-              <a:rPr lang="en-US" dirty="0" smtClean="0"/>
+              <a:rPr lang="en-US" dirty="0"/>
               <a:t>October 1947: first taped broadcast</a:t>
             </a:r>
           </a:p>
           <a:p>
             <a:r>
-              <a:rPr lang="en-US" dirty="0" smtClean="0"/>
+              <a:rPr lang="en-US" dirty="0"/>
               <a:t>Thanksgiving 1947 </a:t>
             </a:r>
             <a:r>
-              <a:rPr lang="en-US" dirty="0" smtClean="0">
+              <a:rPr lang="en-US" dirty="0">
                 <a:hlinkClick r:id="rId2"/>
               </a:rPr>
               <a:t>recording</a:t>
@@ -5659,10 +5570,9 @@
           <a:lstStyle/>
           <a:p>
             <a:r>
-              <a:rPr lang="en-US" dirty="0" smtClean="0"/>
+              <a:rPr lang="en-US" dirty="0"/>
               <a:t>Magnetic Tape</a:t>
             </a:r>
-            <a:endParaRPr lang="en-US" dirty="0"/>
           </a:p>
         </p:txBody>
       </p:sp>
@@ -5744,13 +5654,6 @@
   <p:clrMapOvr>
     <a:masterClrMapping/>
   </p:clrMapOvr>
-  <p:timing>
-    <p:tnLst>
-      <p:par>
-        <p:cTn id="1" dur="indefinite" restart="never" nodeType="tmRoot"/>
-      </p:par>
-    </p:tnLst>
-  </p:timing>
 </p:sld>
 </file>
 
@@ -5794,18 +5697,14 @@
           <a:lstStyle/>
           <a:p>
             <a:r>
-              <a:rPr lang="en-US" dirty="0" smtClean="0"/>
+              <a:rPr lang="en-US" dirty="0"/>
               <a:t>1930s: vinyl begins to be used for recording music.</a:t>
             </a:r>
           </a:p>
           <a:p>
             <a:r>
-              <a:rPr lang="en-US" dirty="0" smtClean="0"/>
-              <a:t>1948: Columbia Records introduced the long-playing </a:t>
-            </a:r>
-            <a:r>
-              <a:rPr lang="en-US" dirty="0"/>
-              <a:t>33</a:t>
+              <a:rPr lang="en-US" dirty="0"/>
+              <a:t>1948: Columbia Records introduced the long-playing 33</a:t>
             </a:r>
             <a:r>
               <a:rPr lang="en-US" baseline="30000" dirty="0"/>
@@ -5821,27 +5720,14 @@
             </a:r>
             <a:r>
               <a:rPr lang="en-US" dirty="0"/>
-              <a:t> rpm microgroove vinyl record, or "</a:t>
-            </a:r>
-            <a:r>
-              <a:rPr lang="en-US" dirty="0" smtClean="0"/>
-              <a:t>LP“.</a:t>
-            </a:r>
-          </a:p>
-          <a:p>
-            <a:r>
-              <a:rPr lang="en-US" dirty="0" smtClean="0"/>
-              <a:t>1949: RCA Victor countered with the </a:t>
-            </a:r>
-            <a:r>
-              <a:rPr lang="en-US" dirty="0"/>
-              <a:t>short-playing but convenient 7-inch 45 rpm microgroove vinyl </a:t>
-            </a:r>
-            <a:r>
-              <a:rPr lang="en-US" dirty="0" smtClean="0"/>
-              <a:t>single.</a:t>
-            </a:r>
-            <a:endParaRPr lang="en-US" dirty="0"/>
+              <a:t> rpm microgroove vinyl record, or "LP“.</a:t>
+            </a:r>
+          </a:p>
+          <a:p>
+            <a:r>
+              <a:rPr lang="en-US" dirty="0"/>
+              <a:t>1949: RCA Victor countered with the short-playing but convenient 7-inch 45 rpm microgroove vinyl single.</a:t>
+            </a:r>
           </a:p>
         </p:txBody>
       </p:sp>
@@ -5861,10 +5747,9 @@
           <a:lstStyle/>
           <a:p>
             <a:r>
-              <a:rPr lang="en-US" dirty="0" smtClean="0"/>
+              <a:rPr lang="en-US" dirty="0"/>
               <a:t>Rise of popular music	</a:t>
             </a:r>
-            <a:endParaRPr lang="en-US" dirty="0"/>
           </a:p>
         </p:txBody>
       </p:sp>
@@ -5958,13 +5843,6 @@
   <p:clrMapOvr>
     <a:masterClrMapping/>
   </p:clrMapOvr>
-  <p:timing>
-    <p:tnLst>
-      <p:par>
-        <p:cTn id="1" dur="indefinite" restart="never" nodeType="tmRoot"/>
-      </p:par>
-    </p:tnLst>
-  </p:timing>
 </p:sld>
 </file>
 
@@ -6173,13 +6051,6 @@
   <p:clrMapOvr>
     <a:masterClrMapping/>
   </p:clrMapOvr>
-  <p:timing>
-    <p:tnLst>
-      <p:par>
-        <p:cTn id="1" dur="indefinite" restart="never" nodeType="tmRoot"/>
-      </p:par>
-    </p:tnLst>
-  </p:timing>
 </p:sld>
 </file>
 
@@ -6221,10 +6092,9 @@
           <a:lstStyle/>
           <a:p>
             <a:r>
-              <a:rPr lang="en-US" b="1" dirty="0" smtClean="0"/>
+              <a:rPr lang="en-US" b="1" dirty="0"/>
               <a:t>Brown versus Board of Education, 1954</a:t>
             </a:r>
-            <a:endParaRPr lang="en-US" b="1" dirty="0"/>
           </a:p>
         </p:txBody>
       </p:sp>
@@ -6251,58 +6121,33 @@
           <a:lstStyle/>
           <a:p>
             <a:r>
-              <a:rPr lang="en-US" dirty="0" smtClean="0"/>
+              <a:rPr lang="en-US" dirty="0"/>
               <a:t>Separate but equal did not work (Plessy vs Ferguson, 1896).</a:t>
             </a:r>
           </a:p>
           <a:p>
             <a:r>
-              <a:rPr lang="en-US" dirty="0" smtClean="0"/>
-              <a:t>17 May 17 </a:t>
-            </a:r>
-            <a:r>
-              <a:rPr lang="en-US" dirty="0"/>
-              <a:t>1954, </a:t>
-            </a:r>
-            <a:r>
-              <a:rPr lang="en-US" dirty="0" smtClean="0"/>
-              <a:t>Chief Justice Earl Warren Court unanimously </a:t>
-            </a:r>
-            <a:r>
-              <a:rPr lang="en-US" dirty="0"/>
-              <a:t>(9–0) </a:t>
-            </a:r>
-            <a:r>
-              <a:rPr lang="en-US" dirty="0" smtClean="0"/>
-              <a:t>decided that </a:t>
-            </a:r>
-            <a:r>
-              <a:rPr lang="en-US" dirty="0"/>
-              <a:t>"separate educational facilities are inherently unequal</a:t>
-            </a:r>
-            <a:r>
-              <a:rPr lang="en-US" dirty="0" smtClean="0"/>
-              <a:t>.“</a:t>
-            </a:r>
-          </a:p>
-          <a:p>
-            <a:r>
-              <a:rPr lang="en-US" dirty="0" smtClean="0"/>
+              <a:rPr lang="en-US" dirty="0"/>
+              <a:t>17 May 17 1954, Chief Justice Earl Warren Court unanimously (9–0) decided that "separate educational facilities are inherently unequal.“</a:t>
+            </a:r>
+          </a:p>
+          <a:p>
+            <a:r>
+              <a:rPr lang="en-US" dirty="0"/>
               <a:t>Victory for Civil Rights Movement</a:t>
             </a:r>
           </a:p>
           <a:p>
             <a:r>
-              <a:rPr lang="en-US" dirty="0" smtClean="0"/>
+              <a:rPr lang="en-US" dirty="0"/>
               <a:t>Fight was just beginning.</a:t>
             </a:r>
           </a:p>
           <a:p>
             <a:r>
-              <a:rPr lang="en-US" dirty="0" smtClean="0"/>
+              <a:rPr lang="en-US" dirty="0"/>
               <a:t>Led gradually to greater acceptance of A-A culture.</a:t>
             </a:r>
-            <a:endParaRPr lang="en-US" dirty="0"/>
           </a:p>
         </p:txBody>
       </p:sp>
@@ -6346,13 +6191,6 @@
   <p:clrMapOvr>
     <a:masterClrMapping/>
   </p:clrMapOvr>
-  <p:timing>
-    <p:tnLst>
-      <p:par>
-        <p:cTn id="1" dur="indefinite" restart="never" nodeType="tmRoot"/>
-      </p:par>
-    </p:tnLst>
-  </p:timing>
 </p:sld>
 </file>
 
@@ -6395,10 +6233,9 @@
           <a:p>
             <a:pPr algn="ctr"/>
             <a:r>
-              <a:rPr lang="en-US" b="1" dirty="0" smtClean="0"/>
+              <a:rPr lang="en-US" b="1" dirty="0"/>
               <a:t>Post World War II Baby Boom, the last</a:t>
             </a:r>
-            <a:endParaRPr lang="en-US" b="1" dirty="0"/>
           </a:p>
         </p:txBody>
       </p:sp>
@@ -6441,13 +6278,6 @@
   <p:clrMapOvr>
     <a:masterClrMapping/>
   </p:clrMapOvr>
-  <p:timing>
-    <p:tnLst>
-      <p:par>
-        <p:cTn id="1" dur="indefinite" restart="never" nodeType="tmRoot"/>
-      </p:par>
-    </p:tnLst>
-  </p:timing>
 </p:sld>
 </file>
 
@@ -6575,13 +6405,6 @@
   <p:clrMapOvr>
     <a:masterClrMapping/>
   </p:clrMapOvr>
-  <p:timing>
-    <p:tnLst>
-      <p:par>
-        <p:cTn id="1" dur="indefinite" restart="never" nodeType="tmRoot"/>
-      </p:par>
-    </p:tnLst>
-  </p:timing>
 </p:sld>
 </file>
 

--- a/HSTR121/ppts/RockEmerges.pptx
+++ b/HSTR121/ppts/RockEmerges.pptx
@@ -218,7 +218,7 @@
           <a:p>
             <a:fld id="{C291D997-D7C6-495A-ADFE-01BE34D636D4}" type="datetimeFigureOut">
               <a:rPr lang="en-US" smtClean="0"/>
-              <a:t>1/9/2018</a:t>
+              <a:t>1/12/2018</a:t>
             </a:fld>
             <a:endParaRPr lang="en-US"/>
           </a:p>
@@ -912,7 +912,7 @@
           <a:p>
             <a:fld id="{FBF630C0-B0E4-4EC2-AB0C-BE44B3506280}" type="datetimeFigureOut">
               <a:rPr lang="en-US" smtClean="0"/>
-              <a:t>1/9/2018</a:t>
+              <a:t>1/12/2018</a:t>
             </a:fld>
             <a:endParaRPr lang="en-US"/>
           </a:p>
@@ -1080,7 +1080,7 @@
           <a:p>
             <a:fld id="{FBF630C0-B0E4-4EC2-AB0C-BE44B3506280}" type="datetimeFigureOut">
               <a:rPr lang="en-US" smtClean="0"/>
-              <a:t>1/9/2018</a:t>
+              <a:t>1/12/2018</a:t>
             </a:fld>
             <a:endParaRPr lang="en-US"/>
           </a:p>
@@ -1258,7 +1258,7 @@
           <a:p>
             <a:fld id="{FBF630C0-B0E4-4EC2-AB0C-BE44B3506280}" type="datetimeFigureOut">
               <a:rPr lang="en-US" smtClean="0"/>
-              <a:t>1/9/2018</a:t>
+              <a:t>1/12/2018</a:t>
             </a:fld>
             <a:endParaRPr lang="en-US"/>
           </a:p>
@@ -1426,7 +1426,7 @@
           <a:p>
             <a:fld id="{FBF630C0-B0E4-4EC2-AB0C-BE44B3506280}" type="datetimeFigureOut">
               <a:rPr lang="en-US" smtClean="0"/>
-              <a:t>1/9/2018</a:t>
+              <a:t>1/12/2018</a:t>
             </a:fld>
             <a:endParaRPr lang="en-US"/>
           </a:p>
@@ -1671,7 +1671,7 @@
           <a:p>
             <a:fld id="{FBF630C0-B0E4-4EC2-AB0C-BE44B3506280}" type="datetimeFigureOut">
               <a:rPr lang="en-US" smtClean="0"/>
-              <a:t>1/9/2018</a:t>
+              <a:t>1/12/2018</a:t>
             </a:fld>
             <a:endParaRPr lang="en-US"/>
           </a:p>
@@ -1900,7 +1900,7 @@
           <a:p>
             <a:fld id="{FBF630C0-B0E4-4EC2-AB0C-BE44B3506280}" type="datetimeFigureOut">
               <a:rPr lang="en-US" smtClean="0"/>
-              <a:t>1/9/2018</a:t>
+              <a:t>1/12/2018</a:t>
             </a:fld>
             <a:endParaRPr lang="en-US"/>
           </a:p>
@@ -2264,7 +2264,7 @@
           <a:p>
             <a:fld id="{FBF630C0-B0E4-4EC2-AB0C-BE44B3506280}" type="datetimeFigureOut">
               <a:rPr lang="en-US" smtClean="0"/>
-              <a:t>1/9/2018</a:t>
+              <a:t>1/12/2018</a:t>
             </a:fld>
             <a:endParaRPr lang="en-US"/>
           </a:p>
@@ -2381,7 +2381,7 @@
           <a:p>
             <a:fld id="{FBF630C0-B0E4-4EC2-AB0C-BE44B3506280}" type="datetimeFigureOut">
               <a:rPr lang="en-US" smtClean="0"/>
-              <a:t>1/9/2018</a:t>
+              <a:t>1/12/2018</a:t>
             </a:fld>
             <a:endParaRPr lang="en-US"/>
           </a:p>
@@ -2476,7 +2476,7 @@
           <a:p>
             <a:fld id="{FBF630C0-B0E4-4EC2-AB0C-BE44B3506280}" type="datetimeFigureOut">
               <a:rPr lang="en-US" smtClean="0"/>
-              <a:t>1/9/2018</a:t>
+              <a:t>1/12/2018</a:t>
             </a:fld>
             <a:endParaRPr lang="en-US"/>
           </a:p>
@@ -2751,7 +2751,7 @@
           <a:p>
             <a:fld id="{FBF630C0-B0E4-4EC2-AB0C-BE44B3506280}" type="datetimeFigureOut">
               <a:rPr lang="en-US" smtClean="0"/>
-              <a:t>1/9/2018</a:t>
+              <a:t>1/12/2018</a:t>
             </a:fld>
             <a:endParaRPr lang="en-US"/>
           </a:p>
@@ -3003,7 +3003,7 @@
           <a:p>
             <a:fld id="{FBF630C0-B0E4-4EC2-AB0C-BE44B3506280}" type="datetimeFigureOut">
               <a:rPr lang="en-US" smtClean="0"/>
-              <a:t>1/9/2018</a:t>
+              <a:t>1/12/2018</a:t>
             </a:fld>
             <a:endParaRPr lang="en-US"/>
           </a:p>
@@ -3224,7 +3224,7 @@
           <a:p>
             <a:fld id="{FBF630C0-B0E4-4EC2-AB0C-BE44B3506280}" type="datetimeFigureOut">
               <a:rPr lang="en-US" smtClean="0"/>
-              <a:t>1/9/2018</a:t>
+              <a:t>1/12/2018</a:t>
             </a:fld>
             <a:endParaRPr lang="en-US"/>
           </a:p>
@@ -5190,7 +5190,7 @@
         <p:spPr/>
         <p:txBody>
           <a:bodyPr>
-            <a:normAutofit/>
+            <a:normAutofit fontScale="92500" lnSpcReduction="10000"/>
           </a:bodyPr>
           <a:lstStyle/>
           <a:p>
@@ -5220,11 +5220,7 @@
           <a:p>
             <a:r>
               <a:rPr lang="en-US" dirty="0"/>
-              <a:t>1938: Sister Rosetta Tharpe recorded “Rock Me” for </a:t>
-            </a:r>
-            <a:r>
-              <a:rPr lang="en-US"/>
-              <a:t>Decca Records.</a:t>
+              <a:t>1938: Sister Rosetta Tharpe recorded “Rock Me” for Decca Records.</a:t>
             </a:r>
           </a:p>
           <a:p>
@@ -5256,6 +5252,35 @@
               <a:rPr lang="en-US" dirty="0"/>
               <a:t> began to call more upbeat recordings such as Tharpe's "Rock Me“ as rock and roll: "It's Sister Rosetta Tharpe for the rock-and-roll spiritual singing.”</a:t>
             </a:r>
+          </a:p>
+          <a:p>
+            <a:r>
+              <a:rPr lang="en-US" dirty="0"/>
+              <a:t>1949: </a:t>
+            </a:r>
+            <a:r>
+              <a:rPr lang="en-US" dirty="0" err="1"/>
+              <a:t>Goree</a:t>
+            </a:r>
+            <a:r>
+              <a:rPr lang="en-US" dirty="0"/>
+              <a:t> Carter, “Rock Awhile” [</a:t>
+            </a:r>
+            <a:r>
+              <a:rPr lang="en-US" dirty="0">
+                <a:hlinkClick r:id="rId4"/>
+              </a:rPr>
+              <a:t>link</a:t>
+            </a:r>
+            <a:r>
+              <a:rPr lang="en-US" dirty="0"/>
+              <a:t>] (Robert Palmer, the </a:t>
+            </a:r>
+            <a:r>
+              <a:rPr lang="en-US"/>
+              <a:t>first Rock and Roll song).</a:t>
+            </a:r>
+            <a:endParaRPr lang="en-US" dirty="0"/>
           </a:p>
           <a:p>
             <a:endParaRPr lang="en-US" dirty="0"/>

--- a/HSTR121/ppts/RockEmerges.pptx
+++ b/HSTR121/ppts/RockEmerges.pptx
@@ -5187,7 +5187,12 @@
             <p:ph idx="1"/>
           </p:nvPr>
         </p:nvSpPr>
-        <p:spPr/>
+        <p:spPr>
+          <a:xfrm>
+            <a:off x="725864" y="1536569"/>
+            <a:ext cx="10627936" cy="4640394"/>
+          </a:xfrm>
+        </p:spPr>
         <p:txBody>
           <a:bodyPr>
             <a:normAutofit fontScale="92500" lnSpcReduction="10000"/>
@@ -5274,20 +5279,15 @@
             </a:r>
             <a:r>
               <a:rPr lang="en-US" dirty="0"/>
-              <a:t>] (Robert Palmer, the </a:t>
-            </a:r>
-            <a:r>
-              <a:rPr lang="en-US"/>
-              <a:t>first Rock and Roll song).</a:t>
-            </a:r>
+              <a:t>] (Robert Palmer, the first Rock and Roll song).</a:t>
+            </a:r>
+          </a:p>
+          <a:p>
             <a:endParaRPr lang="en-US" dirty="0"/>
           </a:p>
           <a:p>
             <a:endParaRPr lang="en-US" dirty="0"/>
           </a:p>
-          <a:p>
-            <a:endParaRPr lang="en-US" dirty="0"/>
-          </a:p>
         </p:txBody>
       </p:sp>
       <p:sp>
@@ -5300,7 +5300,12 @@
             <p:ph type="title"/>
           </p:nvPr>
         </p:nvSpPr>
-        <p:spPr/>
+        <p:spPr>
+          <a:xfrm>
+            <a:off x="838200" y="211006"/>
+            <a:ext cx="10515600" cy="1325563"/>
+          </a:xfrm>
+        </p:spPr>
         <p:txBody>
           <a:bodyPr>
             <a:normAutofit/>
@@ -5309,15 +5314,7 @@
           <a:p>
             <a:r>
               <a:rPr lang="en-US" b="1" dirty="0"/>
-              <a:t>The term “Rock </a:t>
-            </a:r>
-            <a:r>
-              <a:rPr lang="en-US" b="1"/>
-              <a:t>and Roll,” </a:t>
-            </a:r>
-            <a:r>
-              <a:rPr lang="en-US" b="1" dirty="0"/>
-              <a:t>earlier versions</a:t>
+              <a:t>The term “Rock and Roll,” earlier versions</a:t>
             </a:r>
           </a:p>
         </p:txBody>

--- a/HSTR121/ppts/RockEmerges.pptx
+++ b/HSTR121/ppts/RockEmerges.pptx
@@ -5,7 +5,7 @@
     <p:sldMasterId id="2147483648" r:id="rId1"/>
   </p:sldMasterIdLst>
   <p:notesMasterIdLst>
-    <p:notesMasterId r:id="rId20"/>
+    <p:notesMasterId r:id="rId22"/>
   </p:notesMasterIdLst>
   <p:sldIdLst>
     <p:sldId id="256" r:id="rId2"/>
@@ -14,18 +14,20 @@
     <p:sldId id="267" r:id="rId5"/>
     <p:sldId id="268" r:id="rId6"/>
     <p:sldId id="269" r:id="rId7"/>
-    <p:sldId id="264" r:id="rId8"/>
-    <p:sldId id="265" r:id="rId9"/>
-    <p:sldId id="270" r:id="rId10"/>
-    <p:sldId id="271" r:id="rId11"/>
-    <p:sldId id="275" r:id="rId12"/>
-    <p:sldId id="261" r:id="rId13"/>
-    <p:sldId id="279" r:id="rId14"/>
-    <p:sldId id="262" r:id="rId15"/>
-    <p:sldId id="263" r:id="rId16"/>
-    <p:sldId id="273" r:id="rId17"/>
-    <p:sldId id="274" r:id="rId18"/>
-    <p:sldId id="278" r:id="rId19"/>
+    <p:sldId id="280" r:id="rId8"/>
+    <p:sldId id="281" r:id="rId9"/>
+    <p:sldId id="264" r:id="rId10"/>
+    <p:sldId id="265" r:id="rId11"/>
+    <p:sldId id="270" r:id="rId12"/>
+    <p:sldId id="271" r:id="rId13"/>
+    <p:sldId id="275" r:id="rId14"/>
+    <p:sldId id="261" r:id="rId15"/>
+    <p:sldId id="279" r:id="rId16"/>
+    <p:sldId id="263" r:id="rId17"/>
+    <p:sldId id="262" r:id="rId18"/>
+    <p:sldId id="273" r:id="rId19"/>
+    <p:sldId id="274" r:id="rId20"/>
+    <p:sldId id="278" r:id="rId21"/>
   </p:sldIdLst>
   <p:sldSz cx="12192000" cy="6858000"/>
   <p:notesSz cx="6858000" cy="9144000"/>
@@ -218,7 +220,7 @@
           <a:p>
             <a:fld id="{C291D997-D7C6-495A-ADFE-01BE34D636D4}" type="datetimeFigureOut">
               <a:rPr lang="en-US" smtClean="0"/>
-              <a:t>1/12/2018</a:t>
+              <a:t>1/16/2018</a:t>
             </a:fld>
             <a:endParaRPr lang="en-US"/>
           </a:p>
@@ -634,22 +636,8 @@
           <a:lstStyle/>
           <a:p>
             <a:r>
-              <a:rPr lang="en-US" dirty="0"/>
-              <a:t>https://commons.wikimedia.org/wiki/File%3AEducational_separation_in_the_US_prior_to_Brown_Map.svg</a:t>
-            </a:r>
-          </a:p>
-          <a:p>
-            <a:r>
-              <a:rPr lang="en-US" dirty="0"/>
-              <a:t>By </a:t>
-            </a:r>
-            <a:r>
-              <a:rPr lang="en-US" dirty="0" err="1"/>
-              <a:t>User:King_of_Hearts</a:t>
-            </a:r>
-            <a:r>
-              <a:rPr lang="en-US" dirty="0"/>
-              <a:t> [GFDL (http://www.gnu.org/copyleft/fdl.html) or CC-BY-SA-3.0 (http://creativecommons.org/licenses/by-sa/3.0/)], via Wikimedia Commons</a:t>
+              <a:rPr lang="en-CA"/>
+              <a:t>Source: https://upload.wikimedia.org/wikipedia/commons/8/8b/Percentage_of_African_American_population_living_in_the_American_South.png</a:t>
             </a:r>
           </a:p>
         </p:txBody>
@@ -671,7 +659,7 @@
           <a:p>
             <a:fld id="{E607D032-B2FA-4B67-8888-9E3607AEC55C}" type="slidenum">
               <a:rPr lang="en-US" smtClean="0"/>
-              <a:t>7</a:t>
+              <a:t>8</a:t>
             </a:fld>
             <a:endParaRPr lang="en-US"/>
           </a:p>
@@ -680,7 +668,7 @@
     </p:spTree>
     <p:extLst>
       <p:ext uri="{BB962C8B-B14F-4D97-AF65-F5344CB8AC3E}">
-        <p14:creationId xmlns:p14="http://schemas.microsoft.com/office/powerpoint/2010/main" val="329806295"/>
+        <p14:creationId xmlns:p14="http://schemas.microsoft.com/office/powerpoint/2010/main" val="716350952"/>
       </p:ext>
     </p:extLst>
   </p:cSld>
@@ -736,13 +724,21 @@
           <a:p>
             <a:r>
               <a:rPr lang="en-US" dirty="0"/>
-              <a:t>https://commons.wikimedia.org/wiki/File%3AUS_Birth_Rates.svg</a:t>
-            </a:r>
-          </a:p>
-          <a:p>
-            <a:r>
-              <a:rPr lang="en-US" dirty="0"/>
-              <a:t>By Saiarcot895 (Own work) [CC0], via Wikimedia Commons</a:t>
+              <a:t>https://commons.wikimedia.org/wiki/File%3AEducational_separation_in_the_US_prior_to_Brown_Map.svg</a:t>
+            </a:r>
+          </a:p>
+          <a:p>
+            <a:r>
+              <a:rPr lang="en-US" dirty="0"/>
+              <a:t>By </a:t>
+            </a:r>
+            <a:r>
+              <a:rPr lang="en-US" dirty="0" err="1"/>
+              <a:t>User:King_of_Hearts</a:t>
+            </a:r>
+            <a:r>
+              <a:rPr lang="en-US" dirty="0"/>
+              <a:t> [GFDL (http://www.gnu.org/copyleft/fdl.html) or CC-BY-SA-3.0 (http://creativecommons.org/licenses/by-sa/3.0/)], via Wikimedia Commons</a:t>
             </a:r>
           </a:p>
         </p:txBody>
@@ -764,7 +760,100 @@
           <a:p>
             <a:fld id="{E607D032-B2FA-4B67-8888-9E3607AEC55C}" type="slidenum">
               <a:rPr lang="en-US" smtClean="0"/>
-              <a:t>8</a:t>
+              <a:t>9</a:t>
+            </a:fld>
+            <a:endParaRPr lang="en-US"/>
+          </a:p>
+        </p:txBody>
+      </p:sp>
+    </p:spTree>
+    <p:extLst>
+      <p:ext uri="{BB962C8B-B14F-4D97-AF65-F5344CB8AC3E}">
+        <p14:creationId xmlns:p14="http://schemas.microsoft.com/office/powerpoint/2010/main" val="329806295"/>
+      </p:ext>
+    </p:extLst>
+  </p:cSld>
+  <p:clrMapOvr>
+    <a:masterClrMapping/>
+  </p:clrMapOvr>
+</p:notes>
+</file>
+
+<file path=ppt/notesSlides/notesSlide4.xml><?xml version="1.0" encoding="utf-8"?>
+<p:notes xmlns:a="http://schemas.openxmlformats.org/drawingml/2006/main" xmlns:r="http://schemas.openxmlformats.org/officeDocument/2006/relationships" xmlns:p="http://schemas.openxmlformats.org/presentationml/2006/main">
+  <p:cSld>
+    <p:spTree>
+      <p:nvGrpSpPr>
+        <p:cNvPr id="1" name=""/>
+        <p:cNvGrpSpPr/>
+        <p:nvPr/>
+      </p:nvGrpSpPr>
+      <p:grpSpPr>
+        <a:xfrm>
+          <a:off x="0" y="0"/>
+          <a:ext cx="0" cy="0"/>
+          <a:chOff x="0" y="0"/>
+          <a:chExt cx="0" cy="0"/>
+        </a:xfrm>
+      </p:grpSpPr>
+      <p:sp>
+        <p:nvSpPr>
+          <p:cNvPr id="2" name="Slide Image Placeholder 1"/>
+          <p:cNvSpPr>
+            <a:spLocks noGrp="1" noRot="1" noChangeAspect="1"/>
+          </p:cNvSpPr>
+          <p:nvPr>
+            <p:ph type="sldImg"/>
+          </p:nvPr>
+        </p:nvSpPr>
+        <p:spPr/>
+      </p:sp>
+      <p:sp>
+        <p:nvSpPr>
+          <p:cNvPr id="3" name="Notes Placeholder 2"/>
+          <p:cNvSpPr>
+            <a:spLocks noGrp="1"/>
+          </p:cNvSpPr>
+          <p:nvPr>
+            <p:ph type="body" idx="1"/>
+          </p:nvPr>
+        </p:nvSpPr>
+        <p:spPr/>
+        <p:txBody>
+          <a:bodyPr/>
+          <a:lstStyle/>
+          <a:p>
+            <a:r>
+              <a:rPr lang="en-US" dirty="0"/>
+              <a:t>https://commons.wikimedia.org/wiki/File%3AUS_Birth_Rates.svg</a:t>
+            </a:r>
+          </a:p>
+          <a:p>
+            <a:r>
+              <a:rPr lang="en-US" dirty="0"/>
+              <a:t>By Saiarcot895 (Own work) [CC0], via Wikimedia Commons</a:t>
+            </a:r>
+          </a:p>
+        </p:txBody>
+      </p:sp>
+      <p:sp>
+        <p:nvSpPr>
+          <p:cNvPr id="4" name="Slide Number Placeholder 3"/>
+          <p:cNvSpPr>
+            <a:spLocks noGrp="1"/>
+          </p:cNvSpPr>
+          <p:nvPr>
+            <p:ph type="sldNum" sz="quarter" idx="10"/>
+          </p:nvPr>
+        </p:nvSpPr>
+        <p:spPr/>
+        <p:txBody>
+          <a:bodyPr/>
+          <a:lstStyle/>
+          <a:p>
+            <a:fld id="{E607D032-B2FA-4B67-8888-9E3607AEC55C}" type="slidenum">
+              <a:rPr lang="en-US" smtClean="0"/>
+              <a:t>10</a:t>
             </a:fld>
             <a:endParaRPr lang="en-US"/>
           </a:p>
@@ -912,7 +1001,7 @@
           <a:p>
             <a:fld id="{FBF630C0-B0E4-4EC2-AB0C-BE44B3506280}" type="datetimeFigureOut">
               <a:rPr lang="en-US" smtClean="0"/>
-              <a:t>1/12/2018</a:t>
+              <a:t>1/16/2018</a:t>
             </a:fld>
             <a:endParaRPr lang="en-US"/>
           </a:p>
@@ -1080,7 +1169,7 @@
           <a:p>
             <a:fld id="{FBF630C0-B0E4-4EC2-AB0C-BE44B3506280}" type="datetimeFigureOut">
               <a:rPr lang="en-US" smtClean="0"/>
-              <a:t>1/12/2018</a:t>
+              <a:t>1/16/2018</a:t>
             </a:fld>
             <a:endParaRPr lang="en-US"/>
           </a:p>
@@ -1258,7 +1347,7 @@
           <a:p>
             <a:fld id="{FBF630C0-B0E4-4EC2-AB0C-BE44B3506280}" type="datetimeFigureOut">
               <a:rPr lang="en-US" smtClean="0"/>
-              <a:t>1/12/2018</a:t>
+              <a:t>1/16/2018</a:t>
             </a:fld>
             <a:endParaRPr lang="en-US"/>
           </a:p>
@@ -1426,7 +1515,7 @@
           <a:p>
             <a:fld id="{FBF630C0-B0E4-4EC2-AB0C-BE44B3506280}" type="datetimeFigureOut">
               <a:rPr lang="en-US" smtClean="0"/>
-              <a:t>1/12/2018</a:t>
+              <a:t>1/16/2018</a:t>
             </a:fld>
             <a:endParaRPr lang="en-US"/>
           </a:p>
@@ -1671,7 +1760,7 @@
           <a:p>
             <a:fld id="{FBF630C0-B0E4-4EC2-AB0C-BE44B3506280}" type="datetimeFigureOut">
               <a:rPr lang="en-US" smtClean="0"/>
-              <a:t>1/12/2018</a:t>
+              <a:t>1/16/2018</a:t>
             </a:fld>
             <a:endParaRPr lang="en-US"/>
           </a:p>
@@ -1900,7 +1989,7 @@
           <a:p>
             <a:fld id="{FBF630C0-B0E4-4EC2-AB0C-BE44B3506280}" type="datetimeFigureOut">
               <a:rPr lang="en-US" smtClean="0"/>
-              <a:t>1/12/2018</a:t>
+              <a:t>1/16/2018</a:t>
             </a:fld>
             <a:endParaRPr lang="en-US"/>
           </a:p>
@@ -2264,7 +2353,7 @@
           <a:p>
             <a:fld id="{FBF630C0-B0E4-4EC2-AB0C-BE44B3506280}" type="datetimeFigureOut">
               <a:rPr lang="en-US" smtClean="0"/>
-              <a:t>1/12/2018</a:t>
+              <a:t>1/16/2018</a:t>
             </a:fld>
             <a:endParaRPr lang="en-US"/>
           </a:p>
@@ -2381,7 +2470,7 @@
           <a:p>
             <a:fld id="{FBF630C0-B0E4-4EC2-AB0C-BE44B3506280}" type="datetimeFigureOut">
               <a:rPr lang="en-US" smtClean="0"/>
-              <a:t>1/12/2018</a:t>
+              <a:t>1/16/2018</a:t>
             </a:fld>
             <a:endParaRPr lang="en-US"/>
           </a:p>
@@ -2476,7 +2565,7 @@
           <a:p>
             <a:fld id="{FBF630C0-B0E4-4EC2-AB0C-BE44B3506280}" type="datetimeFigureOut">
               <a:rPr lang="en-US" smtClean="0"/>
-              <a:t>1/12/2018</a:t>
+              <a:t>1/16/2018</a:t>
             </a:fld>
             <a:endParaRPr lang="en-US"/>
           </a:p>
@@ -2751,7 +2840,7 @@
           <a:p>
             <a:fld id="{FBF630C0-B0E4-4EC2-AB0C-BE44B3506280}" type="datetimeFigureOut">
               <a:rPr lang="en-US" smtClean="0"/>
-              <a:t>1/12/2018</a:t>
+              <a:t>1/16/2018</a:t>
             </a:fld>
             <a:endParaRPr lang="en-US"/>
           </a:p>
@@ -3003,7 +3092,7 @@
           <a:p>
             <a:fld id="{FBF630C0-B0E4-4EC2-AB0C-BE44B3506280}" type="datetimeFigureOut">
               <a:rPr lang="en-US" smtClean="0"/>
-              <a:t>1/12/2018</a:t>
+              <a:t>1/16/2018</a:t>
             </a:fld>
             <a:endParaRPr lang="en-US"/>
           </a:p>
@@ -3224,7 +3313,7 @@
           <a:p>
             <a:fld id="{FBF630C0-B0E4-4EC2-AB0C-BE44B3506280}" type="datetimeFigureOut">
               <a:rPr lang="en-US" smtClean="0"/>
-              <a:t>1/12/2018</a:t>
+              <a:t>1/16/2018</a:t>
             </a:fld>
             <a:endParaRPr lang="en-US"/>
           </a:p>
@@ -3732,6 +3821,220 @@
       </p:grpSpPr>
       <p:sp>
         <p:nvSpPr>
+          <p:cNvPr id="2" name="Title 1"/>
+          <p:cNvSpPr>
+            <a:spLocks noGrp="1"/>
+          </p:cNvSpPr>
+          <p:nvPr>
+            <p:ph type="title"/>
+          </p:nvPr>
+        </p:nvSpPr>
+        <p:spPr>
+          <a:xfrm>
+            <a:off x="810904" y="1"/>
+            <a:ext cx="10515600" cy="928048"/>
+          </a:xfrm>
+        </p:spPr>
+        <p:txBody>
+          <a:bodyPr/>
+          <a:lstStyle/>
+          <a:p>
+            <a:pPr algn="ctr"/>
+            <a:r>
+              <a:rPr lang="en-US" b="1" dirty="0"/>
+              <a:t>Post World War II Baby Boom, the last</a:t>
+            </a:r>
+          </a:p>
+        </p:txBody>
+      </p:sp>
+      <p:pic>
+        <p:nvPicPr>
+          <p:cNvPr id="4" name="Content Placeholder 3"/>
+          <p:cNvPicPr>
+            <a:picLocks noGrp="1" noChangeAspect="1"/>
+          </p:cNvPicPr>
+          <p:nvPr>
+            <p:ph idx="1"/>
+          </p:nvPr>
+        </p:nvPicPr>
+        <p:blipFill>
+          <a:blip r:embed="rId3">
+            <a:extLst>
+              <a:ext uri="{28A0092B-C50C-407E-A947-70E740481C1C}">
+                <a14:useLocalDpi xmlns:a14="http://schemas.microsoft.com/office/drawing/2010/main" val="0"/>
+              </a:ext>
+            </a:extLst>
+          </a:blip>
+          <a:stretch>
+            <a:fillRect/>
+          </a:stretch>
+        </p:blipFill>
+        <p:spPr>
+          <a:xfrm>
+            <a:off x="889948" y="828811"/>
+            <a:ext cx="10412104" cy="6029189"/>
+          </a:xfrm>
+        </p:spPr>
+      </p:pic>
+    </p:spTree>
+    <p:extLst>
+      <p:ext uri="{BB962C8B-B14F-4D97-AF65-F5344CB8AC3E}">
+        <p14:creationId xmlns:p14="http://schemas.microsoft.com/office/powerpoint/2010/main" val="2228129065"/>
+      </p:ext>
+    </p:extLst>
+  </p:cSld>
+  <p:clrMapOvr>
+    <a:masterClrMapping/>
+  </p:clrMapOvr>
+</p:sld>
+</file>
+
+<file path=ppt/slides/slide11.xml><?xml version="1.0" encoding="utf-8"?>
+<p:sld xmlns:a="http://schemas.openxmlformats.org/drawingml/2006/main" xmlns:r="http://schemas.openxmlformats.org/officeDocument/2006/relationships" xmlns:p="http://schemas.openxmlformats.org/presentationml/2006/main">
+  <p:cSld>
+    <p:spTree>
+      <p:nvGrpSpPr>
+        <p:cNvPr id="1" name=""/>
+        <p:cNvGrpSpPr/>
+        <p:nvPr/>
+      </p:nvGrpSpPr>
+      <p:grpSpPr>
+        <a:xfrm>
+          <a:off x="0" y="0"/>
+          <a:ext cx="0" cy="0"/>
+          <a:chOff x="0" y="0"/>
+          <a:chExt cx="0" cy="0"/>
+        </a:xfrm>
+      </p:grpSpPr>
+      <p:sp>
+        <p:nvSpPr>
+          <p:cNvPr id="2" name="Content Placeholder 1"/>
+          <p:cNvSpPr>
+            <a:spLocks noGrp="1"/>
+          </p:cNvSpPr>
+          <p:nvPr>
+            <p:ph idx="1"/>
+          </p:nvPr>
+        </p:nvSpPr>
+        <p:spPr>
+          <a:xfrm>
+            <a:off x="1981200" y="1883390"/>
+            <a:ext cx="8305800" cy="4669809"/>
+          </a:xfrm>
+        </p:spPr>
+        <p:txBody>
+          <a:bodyPr>
+            <a:normAutofit/>
+          </a:bodyPr>
+          <a:lstStyle/>
+          <a:p>
+            <a:r>
+              <a:rPr lang="en-US" sz="3200" b="1" dirty="0">
+                <a:solidFill>
+                  <a:srgbClr val="FF0000"/>
+                </a:solidFill>
+              </a:rPr>
+              <a:t>Growing and prospering middle class, especially after WWII (1939-1945)</a:t>
+            </a:r>
+          </a:p>
+          <a:p>
+            <a:r>
+              <a:rPr lang="en-US" sz="3200" b="1" dirty="0">
+                <a:solidFill>
+                  <a:srgbClr val="FF0000"/>
+                </a:solidFill>
+              </a:rPr>
+              <a:t>More disposable income</a:t>
+            </a:r>
+          </a:p>
+          <a:p>
+            <a:r>
+              <a:rPr lang="en-US" sz="3200" b="1" dirty="0">
+                <a:solidFill>
+                  <a:srgbClr val="FF0000"/>
+                </a:solidFill>
+              </a:rPr>
+              <a:t>Spread of leisure, the near necessity to enjoy life</a:t>
+            </a:r>
+          </a:p>
+          <a:p>
+            <a:r>
+              <a:rPr lang="en-US" sz="3200" b="1" dirty="0">
+                <a:solidFill>
+                  <a:srgbClr val="FF0000"/>
+                </a:solidFill>
+              </a:rPr>
+              <a:t>Records became cheap and widely available.</a:t>
+            </a:r>
+          </a:p>
+          <a:p>
+            <a:r>
+              <a:rPr lang="en-US" sz="3200" b="1" dirty="0">
+                <a:solidFill>
+                  <a:srgbClr val="FF0000"/>
+                </a:solidFill>
+              </a:rPr>
+              <a:t>The city: noisy, light, busy, young</a:t>
+            </a:r>
+          </a:p>
+        </p:txBody>
+      </p:sp>
+      <p:sp>
+        <p:nvSpPr>
+          <p:cNvPr id="3" name="Title 2"/>
+          <p:cNvSpPr>
+            <a:spLocks noGrp="1"/>
+          </p:cNvSpPr>
+          <p:nvPr>
+            <p:ph type="title"/>
+          </p:nvPr>
+        </p:nvSpPr>
+        <p:spPr/>
+        <p:txBody>
+          <a:bodyPr>
+            <a:normAutofit/>
+          </a:bodyPr>
+          <a:lstStyle/>
+          <a:p>
+            <a:r>
+              <a:rPr lang="en-US" sz="7200" dirty="0"/>
+              <a:t>The audience</a:t>
+            </a:r>
+          </a:p>
+        </p:txBody>
+      </p:sp>
+    </p:spTree>
+    <p:extLst>
+      <p:ext uri="{BB962C8B-B14F-4D97-AF65-F5344CB8AC3E}">
+        <p14:creationId xmlns:p14="http://schemas.microsoft.com/office/powerpoint/2010/main" val="3027439901"/>
+      </p:ext>
+    </p:extLst>
+  </p:cSld>
+  <p:clrMapOvr>
+    <a:masterClrMapping/>
+  </p:clrMapOvr>
+</p:sld>
+</file>
+
+<file path=ppt/slides/slide12.xml><?xml version="1.0" encoding="utf-8"?>
+<p:sld xmlns:a="http://schemas.openxmlformats.org/drawingml/2006/main" xmlns:r="http://schemas.openxmlformats.org/officeDocument/2006/relationships" xmlns:p="http://schemas.openxmlformats.org/presentationml/2006/main">
+  <p:cSld>
+    <p:spTree>
+      <p:nvGrpSpPr>
+        <p:cNvPr id="1" name=""/>
+        <p:cNvGrpSpPr/>
+        <p:nvPr/>
+      </p:nvGrpSpPr>
+      <p:grpSpPr>
+        <a:xfrm>
+          <a:off x="0" y="0"/>
+          <a:ext cx="0" cy="0"/>
+          <a:chOff x="0" y="0"/>
+          <a:chExt cx="0" cy="0"/>
+        </a:xfrm>
+      </p:grpSpPr>
+      <p:sp>
+        <p:nvSpPr>
           <p:cNvPr id="2" name="Content Placeholder 1"/>
           <p:cNvSpPr>
             <a:spLocks noGrp="1"/>
@@ -3837,7 +4140,7 @@
 </p:sld>
 </file>
 
-<file path=ppt/slides/slide11.xml><?xml version="1.0" encoding="utf-8"?>
+<file path=ppt/slides/slide13.xml><?xml version="1.0" encoding="utf-8"?>
 <p:sld xmlns:a="http://schemas.openxmlformats.org/drawingml/2006/main" xmlns:r="http://schemas.openxmlformats.org/officeDocument/2006/relationships" xmlns:p="http://schemas.openxmlformats.org/presentationml/2006/main">
   <p:cSld>
     <p:spTree>
@@ -4085,7 +4388,7 @@
 </p:sld>
 </file>
 
-<file path=ppt/slides/slide12.xml><?xml version="1.0" encoding="utf-8"?>
+<file path=ppt/slides/slide14.xml><?xml version="1.0" encoding="utf-8"?>
 <p:sld xmlns:a="http://schemas.openxmlformats.org/drawingml/2006/main" xmlns:r="http://schemas.openxmlformats.org/officeDocument/2006/relationships" xmlns:p="http://schemas.openxmlformats.org/presentationml/2006/main">
   <p:cSld>
     <p:spTree>
@@ -4248,7 +4551,7 @@
 </p:sld>
 </file>
 
-<file path=ppt/slides/slide13.xml><?xml version="1.0" encoding="utf-8"?>
+<file path=ppt/slides/slide15.xml><?xml version="1.0" encoding="utf-8"?>
 <p:sld xmlns:a="http://schemas.openxmlformats.org/drawingml/2006/main" xmlns:r="http://schemas.openxmlformats.org/officeDocument/2006/relationships" xmlns:p="http://schemas.openxmlformats.org/presentationml/2006/main">
   <p:cSld>
     <p:spTree>
@@ -4414,7 +4717,138 @@
 </p:sld>
 </file>
 
-<file path=ppt/slides/slide14.xml><?xml version="1.0" encoding="utf-8"?>
+<file path=ppt/slides/slide16.xml><?xml version="1.0" encoding="utf-8"?>
+<p:sld xmlns:a="http://schemas.openxmlformats.org/drawingml/2006/main" xmlns:r="http://schemas.openxmlformats.org/officeDocument/2006/relationships" xmlns:p="http://schemas.openxmlformats.org/presentationml/2006/main">
+  <p:cSld>
+    <p:spTree>
+      <p:nvGrpSpPr>
+        <p:cNvPr id="1" name=""/>
+        <p:cNvGrpSpPr/>
+        <p:nvPr/>
+      </p:nvGrpSpPr>
+      <p:grpSpPr>
+        <a:xfrm>
+          <a:off x="0" y="0"/>
+          <a:ext cx="0" cy="0"/>
+          <a:chOff x="0" y="0"/>
+          <a:chExt cx="0" cy="0"/>
+        </a:xfrm>
+      </p:grpSpPr>
+      <p:sp>
+        <p:nvSpPr>
+          <p:cNvPr id="2" name="Title 1"/>
+          <p:cNvSpPr>
+            <a:spLocks noGrp="1"/>
+          </p:cNvSpPr>
+          <p:nvPr>
+            <p:ph type="title"/>
+          </p:nvPr>
+        </p:nvSpPr>
+        <p:spPr/>
+        <p:txBody>
+          <a:bodyPr>
+            <a:normAutofit/>
+          </a:bodyPr>
+          <a:lstStyle/>
+          <a:p>
+            <a:r>
+              <a:rPr lang="en-US" sz="5400" b="1" dirty="0">
+                <a:latin typeface="Aharoni" panose="02010803020104030203" pitchFamily="2" charset="-79"/>
+                <a:cs typeface="Aharoni" panose="02010803020104030203" pitchFamily="2" charset="-79"/>
+              </a:rPr>
+              <a:t>Chuck Berry</a:t>
+            </a:r>
+          </a:p>
+        </p:txBody>
+      </p:sp>
+      <p:sp>
+        <p:nvSpPr>
+          <p:cNvPr id="3" name="Content Placeholder 2"/>
+          <p:cNvSpPr>
+            <a:spLocks noGrp="1"/>
+          </p:cNvSpPr>
+          <p:nvPr>
+            <p:ph idx="1"/>
+          </p:nvPr>
+        </p:nvSpPr>
+        <p:spPr/>
+        <p:txBody>
+          <a:bodyPr/>
+          <a:lstStyle/>
+          <a:p>
+            <a:r>
+              <a:rPr lang="en-US" b="1" dirty="0"/>
+              <a:t>Charles Edward Anderson</a:t>
+            </a:r>
+            <a:r>
+              <a:rPr lang="en-US" dirty="0"/>
+              <a:t> "</a:t>
+            </a:r>
+            <a:r>
+              <a:rPr lang="en-US" b="1" dirty="0"/>
+              <a:t>Chuck</a:t>
+            </a:r>
+            <a:r>
+              <a:rPr lang="en-US" dirty="0"/>
+              <a:t>" </a:t>
+            </a:r>
+            <a:r>
+              <a:rPr lang="en-US" b="1" dirty="0"/>
+              <a:t>Berry</a:t>
+            </a:r>
+            <a:r>
+              <a:rPr lang="en-US" dirty="0"/>
+              <a:t> (born 1926, St. Louis)</a:t>
+            </a:r>
+          </a:p>
+          <a:p>
+            <a:r>
+              <a:rPr lang="en-US" dirty="0"/>
+              <a:t>Wild kid, prison, 1944-1947</a:t>
+            </a:r>
+          </a:p>
+          <a:p>
+            <a:r>
+              <a:rPr lang="en-US" dirty="0"/>
+              <a:t>Moved to Chicago, May 1955</a:t>
+            </a:r>
+          </a:p>
+          <a:p>
+            <a:r>
+              <a:rPr lang="en-US" dirty="0"/>
+              <a:t>Muddy Waters introduced him to the Chess brothers.</a:t>
+            </a:r>
+          </a:p>
+          <a:p>
+            <a:r>
+              <a:rPr lang="en-US" dirty="0"/>
+              <a:t>1955: “Ida Red,” became “</a:t>
+            </a:r>
+            <a:r>
+              <a:rPr lang="en-US" dirty="0" err="1"/>
+              <a:t>Maybellene</a:t>
+            </a:r>
+            <a:r>
+              <a:rPr lang="en-US" dirty="0"/>
+              <a:t>” [link]</a:t>
+            </a:r>
+          </a:p>
+        </p:txBody>
+      </p:sp>
+    </p:spTree>
+    <p:extLst>
+      <p:ext uri="{BB962C8B-B14F-4D97-AF65-F5344CB8AC3E}">
+        <p14:creationId xmlns:p14="http://schemas.microsoft.com/office/powerpoint/2010/main" val="27093596"/>
+      </p:ext>
+    </p:extLst>
+  </p:cSld>
+  <p:clrMapOvr>
+    <a:masterClrMapping/>
+  </p:clrMapOvr>
+</p:sld>
+</file>
+
+<file path=ppt/slides/slide17.xml><?xml version="1.0" encoding="utf-8"?>
 <p:sld xmlns:a="http://schemas.openxmlformats.org/drawingml/2006/main" xmlns:r="http://schemas.openxmlformats.org/officeDocument/2006/relationships" xmlns:p="http://schemas.openxmlformats.org/presentationml/2006/main">
   <p:cSld>
     <p:spTree>
@@ -4605,7 +5039,7 @@
 </p:sld>
 </file>
 
-<file path=ppt/slides/slide15.xml><?xml version="1.0" encoding="utf-8"?>
+<file path=ppt/slides/slide18.xml><?xml version="1.0" encoding="utf-8"?>
 <p:sld xmlns:a="http://schemas.openxmlformats.org/drawingml/2006/main" xmlns:r="http://schemas.openxmlformats.org/officeDocument/2006/relationships" xmlns:p="http://schemas.openxmlformats.org/presentationml/2006/main">
   <p:cSld>
     <p:spTree>
@@ -4624,137 +5058,6 @@
       </p:grpSpPr>
       <p:sp>
         <p:nvSpPr>
-          <p:cNvPr id="2" name="Title 1"/>
-          <p:cNvSpPr>
-            <a:spLocks noGrp="1"/>
-          </p:cNvSpPr>
-          <p:nvPr>
-            <p:ph type="title"/>
-          </p:nvPr>
-        </p:nvSpPr>
-        <p:spPr/>
-        <p:txBody>
-          <a:bodyPr>
-            <a:normAutofit/>
-          </a:bodyPr>
-          <a:lstStyle/>
-          <a:p>
-            <a:r>
-              <a:rPr lang="en-US" sz="5400" b="1" dirty="0">
-                <a:latin typeface="Aharoni" panose="02010803020104030203" pitchFamily="2" charset="-79"/>
-                <a:cs typeface="Aharoni" panose="02010803020104030203" pitchFamily="2" charset="-79"/>
-              </a:rPr>
-              <a:t>Chuck Berry</a:t>
-            </a:r>
-          </a:p>
-        </p:txBody>
-      </p:sp>
-      <p:sp>
-        <p:nvSpPr>
-          <p:cNvPr id="3" name="Content Placeholder 2"/>
-          <p:cNvSpPr>
-            <a:spLocks noGrp="1"/>
-          </p:cNvSpPr>
-          <p:nvPr>
-            <p:ph idx="1"/>
-          </p:nvPr>
-        </p:nvSpPr>
-        <p:spPr/>
-        <p:txBody>
-          <a:bodyPr/>
-          <a:lstStyle/>
-          <a:p>
-            <a:r>
-              <a:rPr lang="en-US" b="1" dirty="0"/>
-              <a:t>Charles Edward Anderson</a:t>
-            </a:r>
-            <a:r>
-              <a:rPr lang="en-US" dirty="0"/>
-              <a:t> "</a:t>
-            </a:r>
-            <a:r>
-              <a:rPr lang="en-US" b="1" dirty="0"/>
-              <a:t>Chuck</a:t>
-            </a:r>
-            <a:r>
-              <a:rPr lang="en-US" dirty="0"/>
-              <a:t>" </a:t>
-            </a:r>
-            <a:r>
-              <a:rPr lang="en-US" b="1" dirty="0"/>
-              <a:t>Berry</a:t>
-            </a:r>
-            <a:r>
-              <a:rPr lang="en-US" dirty="0"/>
-              <a:t> (born 1926, St. Louis)</a:t>
-            </a:r>
-          </a:p>
-          <a:p>
-            <a:r>
-              <a:rPr lang="en-US" dirty="0"/>
-              <a:t>Wild kid, prison, 1944-1947</a:t>
-            </a:r>
-          </a:p>
-          <a:p>
-            <a:r>
-              <a:rPr lang="en-US" dirty="0"/>
-              <a:t>Moved to Chicago, May 1955</a:t>
-            </a:r>
-          </a:p>
-          <a:p>
-            <a:r>
-              <a:rPr lang="en-US" dirty="0"/>
-              <a:t>Muddy Waters introduced him to the Chess brothers.</a:t>
-            </a:r>
-          </a:p>
-          <a:p>
-            <a:r>
-              <a:rPr lang="en-US" dirty="0"/>
-              <a:t>1955: “Ida Red,” became “</a:t>
-            </a:r>
-            <a:r>
-              <a:rPr lang="en-US" dirty="0" err="1"/>
-              <a:t>Maybellene</a:t>
-            </a:r>
-            <a:r>
-              <a:rPr lang="en-US" dirty="0"/>
-              <a:t>” [link]</a:t>
-            </a:r>
-          </a:p>
-        </p:txBody>
-      </p:sp>
-    </p:spTree>
-    <p:extLst>
-      <p:ext uri="{BB962C8B-B14F-4D97-AF65-F5344CB8AC3E}">
-        <p14:creationId xmlns:p14="http://schemas.microsoft.com/office/powerpoint/2010/main" val="27093596"/>
-      </p:ext>
-    </p:extLst>
-  </p:cSld>
-  <p:clrMapOvr>
-    <a:masterClrMapping/>
-  </p:clrMapOvr>
-</p:sld>
-</file>
-
-<file path=ppt/slides/slide16.xml><?xml version="1.0" encoding="utf-8"?>
-<p:sld xmlns:a="http://schemas.openxmlformats.org/drawingml/2006/main" xmlns:r="http://schemas.openxmlformats.org/officeDocument/2006/relationships" xmlns:p="http://schemas.openxmlformats.org/presentationml/2006/main">
-  <p:cSld>
-    <p:spTree>
-      <p:nvGrpSpPr>
-        <p:cNvPr id="1" name=""/>
-        <p:cNvGrpSpPr/>
-        <p:nvPr/>
-      </p:nvGrpSpPr>
-      <p:grpSpPr>
-        <a:xfrm>
-          <a:off x="0" y="0"/>
-          <a:ext cx="0" cy="0"/>
-          <a:chOff x="0" y="0"/>
-          <a:chExt cx="0" cy="0"/>
-        </a:xfrm>
-      </p:grpSpPr>
-      <p:sp>
-        <p:nvSpPr>
           <p:cNvPr id="2" name="Content Placeholder 1"/>
           <p:cNvSpPr>
             <a:spLocks noGrp="1"/>
@@ -4777,8 +5080,13 @@
           <a:p>
             <a:r>
               <a:rPr lang="en-US" dirty="0"/>
-              <a:t>First important Rock “Disc Jockey” DJ</a:t>
-            </a:r>
+              <a:t>First important Rock “Disc Jockey</a:t>
+            </a:r>
+            <a:r>
+              <a:rPr lang="en-US"/>
+              <a:t>” (DJ)</a:t>
+            </a:r>
+            <a:endParaRPr lang="en-US" dirty="0"/>
           </a:p>
           <a:p>
             <a:r>
@@ -4950,7 +5258,7 @@
 </p:sld>
 </file>
 
-<file path=ppt/slides/slide17.xml><?xml version="1.0" encoding="utf-8"?>
+<file path=ppt/slides/slide19.xml><?xml version="1.0" encoding="utf-8"?>
 <p:sld xmlns:a="http://schemas.openxmlformats.org/drawingml/2006/main" xmlns:r="http://schemas.openxmlformats.org/officeDocument/2006/relationships" xmlns:p="http://schemas.openxmlformats.org/presentationml/2006/main">
   <p:cSld>
     <p:spTree>
@@ -5054,103 +5362,6 @@
     <p:extLst>
       <p:ext uri="{BB962C8B-B14F-4D97-AF65-F5344CB8AC3E}">
         <p14:creationId xmlns:p14="http://schemas.microsoft.com/office/powerpoint/2010/main" val="1739031549"/>
-      </p:ext>
-    </p:extLst>
-  </p:cSld>
-  <p:clrMapOvr>
-    <a:masterClrMapping/>
-  </p:clrMapOvr>
-</p:sld>
-</file>
-
-<file path=ppt/slides/slide18.xml><?xml version="1.0" encoding="utf-8"?>
-<p:sld xmlns:a="http://schemas.openxmlformats.org/drawingml/2006/main" xmlns:r="http://schemas.openxmlformats.org/officeDocument/2006/relationships" xmlns:p="http://schemas.openxmlformats.org/presentationml/2006/main">
-  <p:cSld>
-    <p:spTree>
-      <p:nvGrpSpPr>
-        <p:cNvPr id="1" name=""/>
-        <p:cNvGrpSpPr/>
-        <p:nvPr/>
-      </p:nvGrpSpPr>
-      <p:grpSpPr>
-        <a:xfrm>
-          <a:off x="0" y="0"/>
-          <a:ext cx="0" cy="0"/>
-          <a:chOff x="0" y="0"/>
-          <a:chExt cx="0" cy="0"/>
-        </a:xfrm>
-      </p:grpSpPr>
-      <p:sp>
-        <p:nvSpPr>
-          <p:cNvPr id="2" name="Title 1"/>
-          <p:cNvSpPr>
-            <a:spLocks noGrp="1"/>
-          </p:cNvSpPr>
-          <p:nvPr>
-            <p:ph type="title"/>
-          </p:nvPr>
-        </p:nvSpPr>
-        <p:spPr>
-          <a:xfrm>
-            <a:off x="838200" y="1"/>
-            <a:ext cx="10515600" cy="627796"/>
-          </a:xfrm>
-        </p:spPr>
-        <p:txBody>
-          <a:bodyPr>
-            <a:normAutofit fontScale="90000"/>
-          </a:bodyPr>
-          <a:lstStyle/>
-          <a:p>
-            <a:pPr algn="ctr"/>
-            <a:r>
-              <a:rPr lang="en-US" b="1" dirty="0"/>
-              <a:t>Chuck Berry shared the royalties: </a:t>
-            </a:r>
-            <a:r>
-              <a:rPr lang="en-US" b="1" dirty="0" err="1"/>
-              <a:t>Maybellene</a:t>
-            </a:r>
-            <a:r>
-              <a:rPr lang="en-US" b="1" dirty="0"/>
-              <a:t>, 1955</a:t>
-            </a:r>
-          </a:p>
-        </p:txBody>
-      </p:sp>
-      <p:pic>
-        <p:nvPicPr>
-          <p:cNvPr id="4" name="Content Placeholder 3"/>
-          <p:cNvPicPr>
-            <a:picLocks noGrp="1" noChangeAspect="1"/>
-          </p:cNvPicPr>
-          <p:nvPr>
-            <p:ph idx="1"/>
-          </p:nvPr>
-        </p:nvPicPr>
-        <p:blipFill>
-          <a:blip r:embed="rId2">
-            <a:extLst>
-              <a:ext uri="{28A0092B-C50C-407E-A947-70E740481C1C}">
-                <a14:useLocalDpi xmlns:a14="http://schemas.microsoft.com/office/drawing/2010/main" val="0"/>
-              </a:ext>
-            </a:extLst>
-          </a:blip>
-          <a:stretch>
-            <a:fillRect/>
-          </a:stretch>
-        </p:blipFill>
-        <p:spPr>
-          <a:xfrm>
-            <a:off x="3066197" y="681057"/>
-            <a:ext cx="6059606" cy="6083003"/>
-          </a:xfrm>
-        </p:spPr>
-      </p:pic>
-    </p:spTree>
-    <p:extLst>
-      <p:ext uri="{BB962C8B-B14F-4D97-AF65-F5344CB8AC3E}">
-        <p14:creationId xmlns:p14="http://schemas.microsoft.com/office/powerpoint/2010/main" val="2913697665"/>
       </p:ext>
     </p:extLst>
   </p:cSld>
@@ -5189,13 +5400,13 @@
         </p:nvSpPr>
         <p:spPr>
           <a:xfrm>
-            <a:off x="725864" y="1536569"/>
-            <a:ext cx="10627936" cy="4640394"/>
+            <a:off x="725864" y="1385740"/>
+            <a:ext cx="10991654" cy="5261254"/>
           </a:xfrm>
         </p:spPr>
         <p:txBody>
           <a:bodyPr>
-            <a:normAutofit fontScale="92500" lnSpcReduction="10000"/>
+            <a:normAutofit lnSpcReduction="10000"/>
           </a:bodyPr>
           <a:lstStyle/>
           <a:p>
@@ -5225,51 +5436,7 @@
           <a:p>
             <a:r>
               <a:rPr lang="en-US" dirty="0"/>
-              <a:t>1938: Sister Rosetta Tharpe recorded “Rock Me” for Decca Records.</a:t>
-            </a:r>
-          </a:p>
-          <a:p>
-            <a:r>
-              <a:rPr lang="en-US" dirty="0"/>
-              <a:t>Her music tried to cross-over from gospel to rhythm and blues.</a:t>
-            </a:r>
-          </a:p>
-          <a:p>
-            <a:r>
-              <a:rPr lang="en-US" dirty="0" err="1"/>
-              <a:t>Tharpe</a:t>
-            </a:r>
-            <a:r>
-              <a:rPr lang="en-US" dirty="0"/>
-              <a:t> had a huge influence on Little Richard, Chuck Berry, Johnny Cash, and Elvis Presley.</a:t>
-            </a:r>
-          </a:p>
-          <a:p>
-            <a:r>
-              <a:rPr lang="en-US" dirty="0"/>
-              <a:t>1942: Maurie </a:t>
-            </a:r>
-            <a:r>
-              <a:rPr lang="en-US" dirty="0" err="1"/>
-              <a:t>Orodeneker</a:t>
-            </a:r>
-            <a:r>
-              <a:rPr lang="en-US" dirty="0"/>
-              <a:t> began to call more upbeat recordings such as Tharpe's "Rock Me“ as rock and roll: "It's Sister Rosetta Tharpe for the rock-and-roll spiritual singing.”</a:t>
-            </a:r>
-          </a:p>
-          <a:p>
-            <a:r>
-              <a:rPr lang="en-US" dirty="0"/>
-              <a:t>1949: </a:t>
-            </a:r>
-            <a:r>
-              <a:rPr lang="en-US" dirty="0" err="1"/>
-              <a:t>Goree</a:t>
-            </a:r>
-            <a:r>
-              <a:rPr lang="en-US" dirty="0"/>
-              <a:t> Carter, “Rock Awhile” [</a:t>
+              <a:t>1938: Sister Rosetta Tharpe recorded “Rock Me” for Decca Records [</a:t>
             </a:r>
             <a:r>
               <a:rPr lang="en-US" dirty="0">
@@ -5279,7 +5446,79 @@
             </a:r>
             <a:r>
               <a:rPr lang="en-US" dirty="0"/>
+              <a:t>].</a:t>
+            </a:r>
+          </a:p>
+          <a:p>
+            <a:pPr lvl="1"/>
+            <a:r>
+              <a:rPr lang="en-US" dirty="0"/>
+              <a:t>Her music tried to cross-over from gospel to rhythm and blues.</a:t>
+            </a:r>
+          </a:p>
+          <a:p>
+            <a:pPr lvl="1"/>
+            <a:r>
+              <a:rPr lang="en-US" dirty="0" err="1"/>
+              <a:t>Tharpe</a:t>
+            </a:r>
+            <a:r>
+              <a:rPr lang="en-US" dirty="0"/>
+              <a:t> had a huge influence on Little Richard, Chuck Berry, Johnny Cash, and Elvis Presley.</a:t>
+            </a:r>
+          </a:p>
+          <a:p>
+            <a:r>
+              <a:rPr lang="en-US" dirty="0"/>
+              <a:t>1942: Maurie </a:t>
+            </a:r>
+            <a:r>
+              <a:rPr lang="en-US" dirty="0" err="1"/>
+              <a:t>Orodeneker</a:t>
+            </a:r>
+            <a:r>
+              <a:rPr lang="en-US" dirty="0"/>
+              <a:t> began to call more upbeat recordings such as Tharpe's "Rock Me“ as rock and roll: "It's Sister Rosetta Tharpe for the rock-and-roll spiritual singing.”</a:t>
+            </a:r>
+          </a:p>
+          <a:p>
+            <a:r>
+              <a:rPr lang="en-US" dirty="0"/>
+              <a:t>1949: </a:t>
+            </a:r>
+            <a:r>
+              <a:rPr lang="en-US" dirty="0" err="1"/>
+              <a:t>Goree</a:t>
+            </a:r>
+            <a:r>
+              <a:rPr lang="en-US" dirty="0"/>
+              <a:t> Carter, “Rock Awhile” [</a:t>
+            </a:r>
+            <a:r>
+              <a:rPr lang="en-US" dirty="0">
+                <a:hlinkClick r:id="rId5"/>
+              </a:rPr>
+              <a:t>link</a:t>
+            </a:r>
+            <a:r>
+              <a:rPr lang="en-US" dirty="0"/>
               <a:t>] (Robert Palmer, the first Rock and Roll song).</a:t>
+            </a:r>
+          </a:p>
+          <a:p>
+            <a:r>
+              <a:rPr lang="en-US" dirty="0"/>
+              <a:t>1950: Muddy Waters, “Rollin’ Stone” [</a:t>
+            </a:r>
+            <a:r>
+              <a:rPr lang="en-US" dirty="0">
+                <a:hlinkClick r:id="rId6"/>
+              </a:rPr>
+              <a:t>link</a:t>
+            </a:r>
+            <a:r>
+              <a:rPr lang="en-US" dirty="0"/>
+              <a:t>] (first recorded by Chess Records).</a:t>
             </a:r>
           </a:p>
           <a:p>
@@ -5323,6 +5562,103 @@
     <p:extLst>
       <p:ext uri="{BB962C8B-B14F-4D97-AF65-F5344CB8AC3E}">
         <p14:creationId xmlns:p14="http://schemas.microsoft.com/office/powerpoint/2010/main" val="2626437058"/>
+      </p:ext>
+    </p:extLst>
+  </p:cSld>
+  <p:clrMapOvr>
+    <a:masterClrMapping/>
+  </p:clrMapOvr>
+</p:sld>
+</file>
+
+<file path=ppt/slides/slide20.xml><?xml version="1.0" encoding="utf-8"?>
+<p:sld xmlns:a="http://schemas.openxmlformats.org/drawingml/2006/main" xmlns:r="http://schemas.openxmlformats.org/officeDocument/2006/relationships" xmlns:p="http://schemas.openxmlformats.org/presentationml/2006/main">
+  <p:cSld>
+    <p:spTree>
+      <p:nvGrpSpPr>
+        <p:cNvPr id="1" name=""/>
+        <p:cNvGrpSpPr/>
+        <p:nvPr/>
+      </p:nvGrpSpPr>
+      <p:grpSpPr>
+        <a:xfrm>
+          <a:off x="0" y="0"/>
+          <a:ext cx="0" cy="0"/>
+          <a:chOff x="0" y="0"/>
+          <a:chExt cx="0" cy="0"/>
+        </a:xfrm>
+      </p:grpSpPr>
+      <p:sp>
+        <p:nvSpPr>
+          <p:cNvPr id="2" name="Title 1"/>
+          <p:cNvSpPr>
+            <a:spLocks noGrp="1"/>
+          </p:cNvSpPr>
+          <p:nvPr>
+            <p:ph type="title"/>
+          </p:nvPr>
+        </p:nvSpPr>
+        <p:spPr>
+          <a:xfrm>
+            <a:off x="838200" y="1"/>
+            <a:ext cx="10515600" cy="627796"/>
+          </a:xfrm>
+        </p:spPr>
+        <p:txBody>
+          <a:bodyPr>
+            <a:normAutofit fontScale="90000"/>
+          </a:bodyPr>
+          <a:lstStyle/>
+          <a:p>
+            <a:pPr algn="ctr"/>
+            <a:r>
+              <a:rPr lang="en-US" b="1" dirty="0"/>
+              <a:t>Chuck Berry shared the royalties: </a:t>
+            </a:r>
+            <a:r>
+              <a:rPr lang="en-US" b="1" dirty="0" err="1"/>
+              <a:t>Maybellene</a:t>
+            </a:r>
+            <a:r>
+              <a:rPr lang="en-US" b="1" dirty="0"/>
+              <a:t>, 1955</a:t>
+            </a:r>
+          </a:p>
+        </p:txBody>
+      </p:sp>
+      <p:pic>
+        <p:nvPicPr>
+          <p:cNvPr id="4" name="Content Placeholder 3"/>
+          <p:cNvPicPr>
+            <a:picLocks noGrp="1" noChangeAspect="1"/>
+          </p:cNvPicPr>
+          <p:nvPr>
+            <p:ph idx="1"/>
+          </p:nvPr>
+        </p:nvPicPr>
+        <p:blipFill>
+          <a:blip r:embed="rId2">
+            <a:extLst>
+              <a:ext uri="{28A0092B-C50C-407E-A947-70E740481C1C}">
+                <a14:useLocalDpi xmlns:a14="http://schemas.microsoft.com/office/drawing/2010/main" val="0"/>
+              </a:ext>
+            </a:extLst>
+          </a:blip>
+          <a:stretch>
+            <a:fillRect/>
+          </a:stretch>
+        </p:blipFill>
+        <p:spPr>
+          <a:xfrm>
+            <a:off x="3066197" y="681057"/>
+            <a:ext cx="6059606" cy="6083003"/>
+          </a:xfrm>
+        </p:spPr>
+      </p:pic>
+    </p:spTree>
+    <p:extLst>
+      <p:ext uri="{BB962C8B-B14F-4D97-AF65-F5344CB8AC3E}">
+        <p14:creationId xmlns:p14="http://schemas.microsoft.com/office/powerpoint/2010/main" val="2913697665"/>
       </p:ext>
     </p:extLst>
   </p:cSld>
@@ -6095,6 +6431,242 @@
       </p:grpSpPr>
       <p:sp>
         <p:nvSpPr>
+          <p:cNvPr id="2" name="Title 1">
+            <a:extLst>
+              <a:ext uri="{FF2B5EF4-FFF2-40B4-BE49-F238E27FC236}">
+                <a16:creationId xmlns:a16="http://schemas.microsoft.com/office/drawing/2014/main" id="{6172C187-9475-4D2B-8706-2E816A48486C}"/>
+              </a:ext>
+            </a:extLst>
+          </p:cNvPr>
+          <p:cNvSpPr>
+            <a:spLocks noGrp="1"/>
+          </p:cNvSpPr>
+          <p:nvPr>
+            <p:ph type="title"/>
+          </p:nvPr>
+        </p:nvSpPr>
+        <p:spPr>
+          <a:xfrm>
+            <a:off x="322082" y="223723"/>
+            <a:ext cx="11547835" cy="1293993"/>
+          </a:xfrm>
+        </p:spPr>
+        <p:txBody>
+          <a:bodyPr>
+            <a:normAutofit fontScale="90000"/>
+          </a:bodyPr>
+          <a:lstStyle/>
+          <a:p>
+            <a:r>
+              <a:rPr lang="en-CA" b="1" dirty="0"/>
+              <a:t>Great Migration, African-Americans migrate to the north, 1916-1970</a:t>
+            </a:r>
+          </a:p>
+        </p:txBody>
+      </p:sp>
+      <p:sp>
+        <p:nvSpPr>
+          <p:cNvPr id="3" name="Content Placeholder 2">
+            <a:extLst>
+              <a:ext uri="{FF2B5EF4-FFF2-40B4-BE49-F238E27FC236}">
+                <a16:creationId xmlns:a16="http://schemas.microsoft.com/office/drawing/2014/main" id="{7EBE381C-FEBA-48FE-B2E4-DBDF1ED7FC0C}"/>
+              </a:ext>
+            </a:extLst>
+          </p:cNvPr>
+          <p:cNvSpPr>
+            <a:spLocks noGrp="1"/>
+          </p:cNvSpPr>
+          <p:nvPr>
+            <p:ph sz="half" idx="1"/>
+          </p:nvPr>
+        </p:nvSpPr>
+        <p:spPr/>
+        <p:txBody>
+          <a:bodyPr/>
+          <a:lstStyle/>
+          <a:p>
+            <a:r>
+              <a:rPr lang="en-CA" dirty="0"/>
+              <a:t>Six million migrated to northeast, Midwest, and California</a:t>
+            </a:r>
+          </a:p>
+          <a:p>
+            <a:r>
+              <a:rPr lang="en-CA" dirty="0"/>
+              <a:t>Started during WWI, but accelerated after the Great Mississippi Flood of 1927</a:t>
+            </a:r>
+          </a:p>
+          <a:p>
+            <a:r>
+              <a:rPr lang="en-CA" dirty="0"/>
+              <a:t>Memphis Minnie (and Kansas Joe), “When the Levee Breaks,” 1929 [link]</a:t>
+            </a:r>
+          </a:p>
+          <a:p>
+            <a:r>
+              <a:rPr lang="en-CA" dirty="0"/>
+              <a:t>Accelerated again after WWII</a:t>
+            </a:r>
+          </a:p>
+        </p:txBody>
+      </p:sp>
+      <p:sp>
+        <p:nvSpPr>
+          <p:cNvPr id="4" name="Content Placeholder 3">
+            <a:extLst>
+              <a:ext uri="{FF2B5EF4-FFF2-40B4-BE49-F238E27FC236}">
+                <a16:creationId xmlns:a16="http://schemas.microsoft.com/office/drawing/2014/main" id="{96257644-D499-422A-A0DC-1AF557CCCB7A}"/>
+              </a:ext>
+            </a:extLst>
+          </p:cNvPr>
+          <p:cNvSpPr>
+            <a:spLocks noGrp="1"/>
+          </p:cNvSpPr>
+          <p:nvPr>
+            <p:ph sz="half" idx="2"/>
+          </p:nvPr>
+        </p:nvSpPr>
+        <p:spPr/>
+        <p:txBody>
+          <a:bodyPr/>
+          <a:lstStyle/>
+          <a:p>
+            <a:r>
+              <a:rPr lang="en-CA" dirty="0"/>
+              <a:t>630,000 people affected by the flood in Mississippi, Louisiana, and Arkansas.</a:t>
+            </a:r>
+          </a:p>
+          <a:p>
+            <a:r>
+              <a:rPr lang="en-CA" dirty="0"/>
+              <a:t>200,000 African-Americans lost their homes, lived in relief camps.</a:t>
+            </a:r>
+          </a:p>
+          <a:p>
+            <a:r>
+              <a:rPr lang="en-CA" dirty="0"/>
+              <a:t>Nothing to go home to, so…</a:t>
+            </a:r>
+          </a:p>
+          <a:p>
+            <a:r>
+              <a:rPr lang="en-CA" dirty="0"/>
+              <a:t>Chicago, New York, Boston</a:t>
+            </a:r>
+          </a:p>
+          <a:p>
+            <a:r>
+              <a:rPr lang="en-CA" dirty="0"/>
+              <a:t>By 1970, </a:t>
+            </a:r>
+          </a:p>
+        </p:txBody>
+      </p:sp>
+    </p:spTree>
+    <p:extLst>
+      <p:ext uri="{BB962C8B-B14F-4D97-AF65-F5344CB8AC3E}">
+        <p14:creationId xmlns:p14="http://schemas.microsoft.com/office/powerpoint/2010/main" val="373885247"/>
+      </p:ext>
+    </p:extLst>
+  </p:cSld>
+  <p:clrMapOvr>
+    <a:masterClrMapping/>
+  </p:clrMapOvr>
+</p:sld>
+</file>
+
+<file path=ppt/slides/slide8.xml><?xml version="1.0" encoding="utf-8"?>
+<p:sld xmlns:a="http://schemas.openxmlformats.org/drawingml/2006/main" xmlns:r="http://schemas.openxmlformats.org/officeDocument/2006/relationships" xmlns:p="http://schemas.openxmlformats.org/presentationml/2006/main">
+  <p:cSld>
+    <p:bg>
+      <p:bgPr>
+        <a:solidFill>
+          <a:schemeClr val="bg1"/>
+        </a:solidFill>
+        <a:effectLst/>
+      </p:bgPr>
+    </p:bg>
+    <p:spTree>
+      <p:nvGrpSpPr>
+        <p:cNvPr id="1" name=""/>
+        <p:cNvGrpSpPr/>
+        <p:nvPr/>
+      </p:nvGrpSpPr>
+      <p:grpSpPr>
+        <a:xfrm>
+          <a:off x="0" y="0"/>
+          <a:ext cx="0" cy="0"/>
+          <a:chOff x="0" y="0"/>
+          <a:chExt cx="0" cy="0"/>
+        </a:xfrm>
+      </p:grpSpPr>
+      <p:pic>
+        <p:nvPicPr>
+          <p:cNvPr id="3" name="Picture 2">
+            <a:extLst>
+              <a:ext uri="{FF2B5EF4-FFF2-40B4-BE49-F238E27FC236}">
+                <a16:creationId xmlns:a16="http://schemas.microsoft.com/office/drawing/2014/main" id="{F298A2BA-0A23-4CEF-8725-5C6CD9937E45}"/>
+              </a:ext>
+            </a:extLst>
+          </p:cNvPr>
+          <p:cNvPicPr>
+            <a:picLocks noChangeAspect="1"/>
+          </p:cNvPicPr>
+          <p:nvPr/>
+        </p:nvPicPr>
+        <p:blipFill rotWithShape="1">
+          <a:blip r:embed="rId3">
+            <a:extLst>
+              <a:ext uri="{28A0092B-C50C-407E-A947-70E740481C1C}">
+                <a14:useLocalDpi xmlns:a14="http://schemas.microsoft.com/office/drawing/2010/main" val="0"/>
+              </a:ext>
+            </a:extLst>
+          </a:blip>
+          <a:srcRect t="2688" b="25427"/>
+          <a:stretch/>
+        </p:blipFill>
+        <p:spPr>
+          <a:xfrm>
+            <a:off x="20" y="10"/>
+            <a:ext cx="12191980" cy="6857990"/>
+          </a:xfrm>
+          <a:prstGeom prst="rect">
+            <a:avLst/>
+          </a:prstGeom>
+        </p:spPr>
+      </p:pic>
+    </p:spTree>
+    <p:extLst>
+      <p:ext uri="{BB962C8B-B14F-4D97-AF65-F5344CB8AC3E}">
+        <p14:creationId xmlns:p14="http://schemas.microsoft.com/office/powerpoint/2010/main" val="2984874458"/>
+      </p:ext>
+    </p:extLst>
+  </p:cSld>
+  <p:clrMapOvr>
+    <a:masterClrMapping/>
+  </p:clrMapOvr>
+</p:sld>
+</file>
+
+<file path=ppt/slides/slide9.xml><?xml version="1.0" encoding="utf-8"?>
+<p:sld xmlns:a="http://schemas.openxmlformats.org/drawingml/2006/main" xmlns:r="http://schemas.openxmlformats.org/officeDocument/2006/relationships" xmlns:p="http://schemas.openxmlformats.org/presentationml/2006/main">
+  <p:cSld>
+    <p:spTree>
+      <p:nvGrpSpPr>
+        <p:cNvPr id="1" name=""/>
+        <p:cNvGrpSpPr/>
+        <p:nvPr/>
+      </p:nvGrpSpPr>
+      <p:grpSpPr>
+        <a:xfrm>
+          <a:off x="0" y="0"/>
+          <a:ext cx="0" cy="0"/>
+          <a:chOff x="0" y="0"/>
+          <a:chExt cx="0" cy="0"/>
+        </a:xfrm>
+      </p:grpSpPr>
+      <p:sp>
+        <p:nvSpPr>
           <p:cNvPr id="2" name="Title 1"/>
           <p:cNvSpPr>
             <a:spLocks noGrp="1"/>
@@ -6207,220 +6779,6 @@
     <p:extLst>
       <p:ext uri="{BB962C8B-B14F-4D97-AF65-F5344CB8AC3E}">
         <p14:creationId xmlns:p14="http://schemas.microsoft.com/office/powerpoint/2010/main" val="3751597966"/>
-      </p:ext>
-    </p:extLst>
-  </p:cSld>
-  <p:clrMapOvr>
-    <a:masterClrMapping/>
-  </p:clrMapOvr>
-</p:sld>
-</file>
-
-<file path=ppt/slides/slide8.xml><?xml version="1.0" encoding="utf-8"?>
-<p:sld xmlns:a="http://schemas.openxmlformats.org/drawingml/2006/main" xmlns:r="http://schemas.openxmlformats.org/officeDocument/2006/relationships" xmlns:p="http://schemas.openxmlformats.org/presentationml/2006/main">
-  <p:cSld>
-    <p:spTree>
-      <p:nvGrpSpPr>
-        <p:cNvPr id="1" name=""/>
-        <p:cNvGrpSpPr/>
-        <p:nvPr/>
-      </p:nvGrpSpPr>
-      <p:grpSpPr>
-        <a:xfrm>
-          <a:off x="0" y="0"/>
-          <a:ext cx="0" cy="0"/>
-          <a:chOff x="0" y="0"/>
-          <a:chExt cx="0" cy="0"/>
-        </a:xfrm>
-      </p:grpSpPr>
-      <p:sp>
-        <p:nvSpPr>
-          <p:cNvPr id="2" name="Title 1"/>
-          <p:cNvSpPr>
-            <a:spLocks noGrp="1"/>
-          </p:cNvSpPr>
-          <p:nvPr>
-            <p:ph type="title"/>
-          </p:nvPr>
-        </p:nvSpPr>
-        <p:spPr>
-          <a:xfrm>
-            <a:off x="810904" y="1"/>
-            <a:ext cx="10515600" cy="928048"/>
-          </a:xfrm>
-        </p:spPr>
-        <p:txBody>
-          <a:bodyPr/>
-          <a:lstStyle/>
-          <a:p>
-            <a:pPr algn="ctr"/>
-            <a:r>
-              <a:rPr lang="en-US" b="1" dirty="0"/>
-              <a:t>Post World War II Baby Boom, the last</a:t>
-            </a:r>
-          </a:p>
-        </p:txBody>
-      </p:sp>
-      <p:pic>
-        <p:nvPicPr>
-          <p:cNvPr id="4" name="Content Placeholder 3"/>
-          <p:cNvPicPr>
-            <a:picLocks noGrp="1" noChangeAspect="1"/>
-          </p:cNvPicPr>
-          <p:nvPr>
-            <p:ph idx="1"/>
-          </p:nvPr>
-        </p:nvPicPr>
-        <p:blipFill>
-          <a:blip r:embed="rId3">
-            <a:extLst>
-              <a:ext uri="{28A0092B-C50C-407E-A947-70E740481C1C}">
-                <a14:useLocalDpi xmlns:a14="http://schemas.microsoft.com/office/drawing/2010/main" val="0"/>
-              </a:ext>
-            </a:extLst>
-          </a:blip>
-          <a:stretch>
-            <a:fillRect/>
-          </a:stretch>
-        </p:blipFill>
-        <p:spPr>
-          <a:xfrm>
-            <a:off x="889948" y="828811"/>
-            <a:ext cx="10412104" cy="6029189"/>
-          </a:xfrm>
-        </p:spPr>
-      </p:pic>
-    </p:spTree>
-    <p:extLst>
-      <p:ext uri="{BB962C8B-B14F-4D97-AF65-F5344CB8AC3E}">
-        <p14:creationId xmlns:p14="http://schemas.microsoft.com/office/powerpoint/2010/main" val="2228129065"/>
-      </p:ext>
-    </p:extLst>
-  </p:cSld>
-  <p:clrMapOvr>
-    <a:masterClrMapping/>
-  </p:clrMapOvr>
-</p:sld>
-</file>
-
-<file path=ppt/slides/slide9.xml><?xml version="1.0" encoding="utf-8"?>
-<p:sld xmlns:a="http://schemas.openxmlformats.org/drawingml/2006/main" xmlns:r="http://schemas.openxmlformats.org/officeDocument/2006/relationships" xmlns:p="http://schemas.openxmlformats.org/presentationml/2006/main">
-  <p:cSld>
-    <p:spTree>
-      <p:nvGrpSpPr>
-        <p:cNvPr id="1" name=""/>
-        <p:cNvGrpSpPr/>
-        <p:nvPr/>
-      </p:nvGrpSpPr>
-      <p:grpSpPr>
-        <a:xfrm>
-          <a:off x="0" y="0"/>
-          <a:ext cx="0" cy="0"/>
-          <a:chOff x="0" y="0"/>
-          <a:chExt cx="0" cy="0"/>
-        </a:xfrm>
-      </p:grpSpPr>
-      <p:sp>
-        <p:nvSpPr>
-          <p:cNvPr id="2" name="Content Placeholder 1"/>
-          <p:cNvSpPr>
-            <a:spLocks noGrp="1"/>
-          </p:cNvSpPr>
-          <p:nvPr>
-            <p:ph idx="1"/>
-          </p:nvPr>
-        </p:nvSpPr>
-        <p:spPr>
-          <a:xfrm>
-            <a:off x="1981200" y="1883390"/>
-            <a:ext cx="8305800" cy="4669809"/>
-          </a:xfrm>
-        </p:spPr>
-        <p:txBody>
-          <a:bodyPr>
-            <a:normAutofit/>
-          </a:bodyPr>
-          <a:lstStyle/>
-          <a:p>
-            <a:r>
-              <a:rPr lang="en-US" sz="3200" b="1" dirty="0">
-                <a:solidFill>
-                  <a:srgbClr val="FF0000"/>
-                </a:solidFill>
-              </a:rPr>
-              <a:t>Growing and prospering middle class, especially after WWII (1939-1945)</a:t>
-            </a:r>
-          </a:p>
-          <a:p>
-            <a:r>
-              <a:rPr lang="en-US" sz="3200" b="1" dirty="0">
-                <a:solidFill>
-                  <a:srgbClr val="FF0000"/>
-                </a:solidFill>
-              </a:rPr>
-              <a:t>More disposable income</a:t>
-            </a:r>
-          </a:p>
-          <a:p>
-            <a:r>
-              <a:rPr lang="en-US" sz="3200" b="1" dirty="0">
-                <a:solidFill>
-                  <a:srgbClr val="FF0000"/>
-                </a:solidFill>
-              </a:rPr>
-              <a:t>Spread of leisure, the near necessity to enjoy life</a:t>
-            </a:r>
-          </a:p>
-          <a:p>
-            <a:r>
-              <a:rPr lang="en-US" sz="3200" b="1" dirty="0">
-                <a:solidFill>
-                  <a:srgbClr val="FF0000"/>
-                </a:solidFill>
-              </a:rPr>
-              <a:t>Records became cheap and widely available.</a:t>
-            </a:r>
-          </a:p>
-          <a:p>
-            <a:r>
-              <a:rPr lang="en-US" sz="3200" b="1" dirty="0">
-                <a:solidFill>
-                  <a:srgbClr val="FF0000"/>
-                </a:solidFill>
-              </a:rPr>
-              <a:t>The city: noisy, light, busy, young</a:t>
-            </a:r>
-          </a:p>
-        </p:txBody>
-      </p:sp>
-      <p:sp>
-        <p:nvSpPr>
-          <p:cNvPr id="3" name="Title 2"/>
-          <p:cNvSpPr>
-            <a:spLocks noGrp="1"/>
-          </p:cNvSpPr>
-          <p:nvPr>
-            <p:ph type="title"/>
-          </p:nvPr>
-        </p:nvSpPr>
-        <p:spPr/>
-        <p:txBody>
-          <a:bodyPr>
-            <a:normAutofit/>
-          </a:bodyPr>
-          <a:lstStyle/>
-          <a:p>
-            <a:r>
-              <a:rPr lang="en-US" sz="7200" dirty="0"/>
-              <a:t>The audience</a:t>
-            </a:r>
-          </a:p>
-        </p:txBody>
-      </p:sp>
-    </p:spTree>
-    <p:extLst>
-      <p:ext uri="{BB962C8B-B14F-4D97-AF65-F5344CB8AC3E}">
-        <p14:creationId xmlns:p14="http://schemas.microsoft.com/office/powerpoint/2010/main" val="3027439901"/>
       </p:ext>
     </p:extLst>
   </p:cSld>

--- a/HSTR121/ppts/RockEmerges.pptx
+++ b/HSTR121/ppts/RockEmerges.pptx
@@ -21,8 +21,8 @@
     <p:sldId id="270" r:id="rId12"/>
     <p:sldId id="271" r:id="rId13"/>
     <p:sldId id="275" r:id="rId14"/>
-    <p:sldId id="261" r:id="rId15"/>
-    <p:sldId id="279" r:id="rId16"/>
+    <p:sldId id="279" r:id="rId15"/>
+    <p:sldId id="261" r:id="rId16"/>
     <p:sldId id="263" r:id="rId17"/>
     <p:sldId id="262" r:id="rId18"/>
     <p:sldId id="273" r:id="rId19"/>
@@ -220,7 +220,7 @@
           <a:p>
             <a:fld id="{C291D997-D7C6-495A-ADFE-01BE34D636D4}" type="datetimeFigureOut">
               <a:rPr lang="en-US" smtClean="0"/>
-              <a:t>1/16/2018</a:t>
+              <a:t>1/17/2018</a:t>
             </a:fld>
             <a:endParaRPr lang="en-US"/>
           </a:p>
@@ -834,6 +834,58 @@
               <a:t>By Saiarcot895 (Own work) [CC0], via Wikimedia Commons</a:t>
             </a:r>
           </a:p>
+          <a:p>
+            <a:r>
+              <a:rPr lang="en-US" sz="1200" b="0" i="0" kern="1200" dirty="0">
+                <a:solidFill>
+                  <a:schemeClr val="tx1"/>
+                </a:solidFill>
+                <a:effectLst/>
+                <a:latin typeface="+mn-lt"/>
+                <a:ea typeface="+mn-ea"/>
+                <a:cs typeface="+mn-cs"/>
+              </a:rPr>
+              <a:t> US Birth Rates from 1909-2008. The number of births per thousand people in the United States. The red segment is known as the </a:t>
+            </a:r>
+            <a:r>
+              <a:rPr lang="en-US" sz="1200" b="0" i="0" u="none" strike="noStrike" kern="1200" dirty="0">
+                <a:solidFill>
+                  <a:schemeClr val="tx1"/>
+                </a:solidFill>
+                <a:effectLst/>
+                <a:latin typeface="+mn-lt"/>
+                <a:ea typeface="+mn-ea"/>
+                <a:cs typeface="+mn-cs"/>
+                <a:hlinkClick r:id="rId3" tooltip="en:Baby boomer"/>
+              </a:rPr>
+              <a:t>Baby Boomer</a:t>
+            </a:r>
+            <a:r>
+              <a:rPr lang="en-US" sz="1200" b="0" i="0" kern="1200" dirty="0">
+                <a:solidFill>
+                  <a:schemeClr val="tx1"/>
+                </a:solidFill>
+                <a:effectLst/>
+                <a:latin typeface="+mn-lt"/>
+                <a:ea typeface="+mn-ea"/>
+                <a:cs typeface="+mn-cs"/>
+              </a:rPr>
+              <a:t> period. </a:t>
+            </a:r>
+            <a:r>
+              <a:rPr lang="en-US" sz="1200" b="0" i="0" kern="1200">
+                <a:solidFill>
+                  <a:schemeClr val="tx1"/>
+                </a:solidFill>
+                <a:effectLst/>
+                <a:latin typeface="+mn-lt"/>
+                <a:ea typeface="+mn-ea"/>
+                <a:cs typeface="+mn-cs"/>
+              </a:rPr>
+              <a:t>The drop in 1970 is due to excluding births to non-residents.</a:t>
+            </a:r>
+            <a:endParaRPr lang="en-US" dirty="0"/>
+          </a:p>
         </p:txBody>
       </p:sp>
       <p:sp>
@@ -1001,7 +1053,7 @@
           <a:p>
             <a:fld id="{FBF630C0-B0E4-4EC2-AB0C-BE44B3506280}" type="datetimeFigureOut">
               <a:rPr lang="en-US" smtClean="0"/>
-              <a:t>1/16/2018</a:t>
+              <a:t>1/17/2018</a:t>
             </a:fld>
             <a:endParaRPr lang="en-US"/>
           </a:p>
@@ -1169,7 +1221,7 @@
           <a:p>
             <a:fld id="{FBF630C0-B0E4-4EC2-AB0C-BE44B3506280}" type="datetimeFigureOut">
               <a:rPr lang="en-US" smtClean="0"/>
-              <a:t>1/16/2018</a:t>
+              <a:t>1/17/2018</a:t>
             </a:fld>
             <a:endParaRPr lang="en-US"/>
           </a:p>
@@ -1347,7 +1399,7 @@
           <a:p>
             <a:fld id="{FBF630C0-B0E4-4EC2-AB0C-BE44B3506280}" type="datetimeFigureOut">
               <a:rPr lang="en-US" smtClean="0"/>
-              <a:t>1/16/2018</a:t>
+              <a:t>1/17/2018</a:t>
             </a:fld>
             <a:endParaRPr lang="en-US"/>
           </a:p>
@@ -1515,7 +1567,7 @@
           <a:p>
             <a:fld id="{FBF630C0-B0E4-4EC2-AB0C-BE44B3506280}" type="datetimeFigureOut">
               <a:rPr lang="en-US" smtClean="0"/>
-              <a:t>1/16/2018</a:t>
+              <a:t>1/17/2018</a:t>
             </a:fld>
             <a:endParaRPr lang="en-US"/>
           </a:p>
@@ -1760,7 +1812,7 @@
           <a:p>
             <a:fld id="{FBF630C0-B0E4-4EC2-AB0C-BE44B3506280}" type="datetimeFigureOut">
               <a:rPr lang="en-US" smtClean="0"/>
-              <a:t>1/16/2018</a:t>
+              <a:t>1/17/2018</a:t>
             </a:fld>
             <a:endParaRPr lang="en-US"/>
           </a:p>
@@ -1989,7 +2041,7 @@
           <a:p>
             <a:fld id="{FBF630C0-B0E4-4EC2-AB0C-BE44B3506280}" type="datetimeFigureOut">
               <a:rPr lang="en-US" smtClean="0"/>
-              <a:t>1/16/2018</a:t>
+              <a:t>1/17/2018</a:t>
             </a:fld>
             <a:endParaRPr lang="en-US"/>
           </a:p>
@@ -2353,7 +2405,7 @@
           <a:p>
             <a:fld id="{FBF630C0-B0E4-4EC2-AB0C-BE44B3506280}" type="datetimeFigureOut">
               <a:rPr lang="en-US" smtClean="0"/>
-              <a:t>1/16/2018</a:t>
+              <a:t>1/17/2018</a:t>
             </a:fld>
             <a:endParaRPr lang="en-US"/>
           </a:p>
@@ -2470,7 +2522,7 @@
           <a:p>
             <a:fld id="{FBF630C0-B0E4-4EC2-AB0C-BE44B3506280}" type="datetimeFigureOut">
               <a:rPr lang="en-US" smtClean="0"/>
-              <a:t>1/16/2018</a:t>
+              <a:t>1/17/2018</a:t>
             </a:fld>
             <a:endParaRPr lang="en-US"/>
           </a:p>
@@ -2565,7 +2617,7 @@
           <a:p>
             <a:fld id="{FBF630C0-B0E4-4EC2-AB0C-BE44B3506280}" type="datetimeFigureOut">
               <a:rPr lang="en-US" smtClean="0"/>
-              <a:t>1/16/2018</a:t>
+              <a:t>1/17/2018</a:t>
             </a:fld>
             <a:endParaRPr lang="en-US"/>
           </a:p>
@@ -2840,7 +2892,7 @@
           <a:p>
             <a:fld id="{FBF630C0-B0E4-4EC2-AB0C-BE44B3506280}" type="datetimeFigureOut">
               <a:rPr lang="en-US" smtClean="0"/>
-              <a:t>1/16/2018</a:t>
+              <a:t>1/17/2018</a:t>
             </a:fld>
             <a:endParaRPr lang="en-US"/>
           </a:p>
@@ -3092,7 +3144,7 @@
           <a:p>
             <a:fld id="{FBF630C0-B0E4-4EC2-AB0C-BE44B3506280}" type="datetimeFigureOut">
               <a:rPr lang="en-US" smtClean="0"/>
-              <a:t>1/16/2018</a:t>
+              <a:t>1/17/2018</a:t>
             </a:fld>
             <a:endParaRPr lang="en-US"/>
           </a:p>
@@ -3313,7 +3365,7 @@
           <a:p>
             <a:fld id="{FBF630C0-B0E4-4EC2-AB0C-BE44B3506280}" type="datetimeFigureOut">
               <a:rPr lang="en-US" smtClean="0"/>
-              <a:t>1/16/2018</a:t>
+              <a:t>1/17/2018</a:t>
             </a:fld>
             <a:endParaRPr lang="en-US"/>
           </a:p>
@@ -4415,169 +4467,6 @@
             <p:ph type="title"/>
           </p:nvPr>
         </p:nvSpPr>
-        <p:spPr>
-          <a:xfrm>
-            <a:off x="838200" y="365126"/>
-            <a:ext cx="10515600" cy="699400"/>
-          </a:xfrm>
-        </p:spPr>
-        <p:txBody>
-          <a:bodyPr>
-            <a:noAutofit/>
-          </a:bodyPr>
-          <a:lstStyle/>
-          <a:p>
-            <a:pPr algn="ctr"/>
-            <a:r>
-              <a:rPr lang="en-US" sz="6600" b="1" dirty="0"/>
-              <a:t>Muddy Waters</a:t>
-            </a:r>
-          </a:p>
-        </p:txBody>
-      </p:sp>
-      <p:sp>
-        <p:nvSpPr>
-          <p:cNvPr id="3" name="Content Placeholder 2"/>
-          <p:cNvSpPr>
-            <a:spLocks noGrp="1"/>
-          </p:cNvSpPr>
-          <p:nvPr>
-            <p:ph idx="1"/>
-          </p:nvPr>
-        </p:nvSpPr>
-        <p:spPr>
-          <a:xfrm>
-            <a:off x="696036" y="1378424"/>
-            <a:ext cx="10657764" cy="4798539"/>
-          </a:xfrm>
-        </p:spPr>
-        <p:txBody>
-          <a:bodyPr/>
-          <a:lstStyle/>
-          <a:p>
-            <a:r>
-              <a:rPr lang="en-US" b="1" dirty="0"/>
-              <a:t>McKinley Morganfield</a:t>
-            </a:r>
-            <a:r>
-              <a:rPr lang="en-US" dirty="0"/>
-              <a:t> (1913-1983)</a:t>
-            </a:r>
-          </a:p>
-          <a:p>
-            <a:r>
-              <a:rPr lang="en-US" dirty="0"/>
-              <a:t>Father of Chicago Electric Blues</a:t>
-            </a:r>
-          </a:p>
-          <a:p>
-            <a:r>
-              <a:rPr lang="en-US" dirty="0"/>
-              <a:t>1941: Alan Lomax recorded him for Library of Congress: </a:t>
-            </a:r>
-            <a:r>
-              <a:rPr lang="en-US" dirty="0">
-                <a:hlinkClick r:id="rId2"/>
-              </a:rPr>
-              <a:t>link</a:t>
-            </a:r>
-            <a:endParaRPr lang="en-US" dirty="0"/>
-          </a:p>
-          <a:p>
-            <a:r>
-              <a:rPr lang="en-US" dirty="0"/>
-              <a:t>1943: moved to Chicago to become a professional musician.</a:t>
-            </a:r>
-          </a:p>
-          <a:p>
-            <a:r>
-              <a:rPr lang="en-US" dirty="0"/>
-              <a:t>1945: first electric guitar, to be heard over the city’s noise.</a:t>
-            </a:r>
-          </a:p>
-          <a:p>
-            <a:r>
-              <a:rPr lang="en-US" dirty="0"/>
-              <a:t>1946: started recording with Aristocrat Records (Chess brothers).</a:t>
-            </a:r>
-          </a:p>
-          <a:p>
-            <a:r>
-              <a:rPr lang="en-US" dirty="0"/>
-              <a:t>1954: </a:t>
-            </a:r>
-            <a:r>
-              <a:rPr lang="en-US" dirty="0" err="1"/>
-              <a:t>Hoochie</a:t>
-            </a:r>
-            <a:r>
-              <a:rPr lang="en-US" dirty="0"/>
-              <a:t> </a:t>
-            </a:r>
-            <a:r>
-              <a:rPr lang="en-US" dirty="0" err="1"/>
-              <a:t>Coochie</a:t>
-            </a:r>
-            <a:r>
-              <a:rPr lang="en-US" dirty="0"/>
-              <a:t> Man (written by Willie Dixon): </a:t>
-            </a:r>
-            <a:r>
-              <a:rPr lang="en-US" dirty="0">
-                <a:hlinkClick r:id="rId3"/>
-              </a:rPr>
-              <a:t>link</a:t>
-            </a:r>
-            <a:endParaRPr lang="en-US" dirty="0"/>
-          </a:p>
-          <a:p>
-            <a:r>
-              <a:rPr lang="en-US" dirty="0"/>
-              <a:t>Waters essentially brought the Delta Blues to Chicago and electrified it.</a:t>
-            </a:r>
-          </a:p>
-        </p:txBody>
-      </p:sp>
-    </p:spTree>
-    <p:extLst>
-      <p:ext uri="{BB962C8B-B14F-4D97-AF65-F5344CB8AC3E}">
-        <p14:creationId xmlns:p14="http://schemas.microsoft.com/office/powerpoint/2010/main" val="2992671297"/>
-      </p:ext>
-    </p:extLst>
-  </p:cSld>
-  <p:clrMapOvr>
-    <a:masterClrMapping/>
-  </p:clrMapOvr>
-</p:sld>
-</file>
-
-<file path=ppt/slides/slide15.xml><?xml version="1.0" encoding="utf-8"?>
-<p:sld xmlns:a="http://schemas.openxmlformats.org/drawingml/2006/main" xmlns:r="http://schemas.openxmlformats.org/officeDocument/2006/relationships" xmlns:p="http://schemas.openxmlformats.org/presentationml/2006/main">
-  <p:cSld>
-    <p:spTree>
-      <p:nvGrpSpPr>
-        <p:cNvPr id="1" name=""/>
-        <p:cNvGrpSpPr/>
-        <p:nvPr/>
-      </p:nvGrpSpPr>
-      <p:grpSpPr>
-        <a:xfrm>
-          <a:off x="0" y="0"/>
-          <a:ext cx="0" cy="0"/>
-          <a:chOff x="0" y="0"/>
-          <a:chExt cx="0" cy="0"/>
-        </a:xfrm>
-      </p:grpSpPr>
-      <p:sp>
-        <p:nvSpPr>
-          <p:cNvPr id="2" name="Title 1"/>
-          <p:cNvSpPr>
-            <a:spLocks noGrp="1"/>
-          </p:cNvSpPr>
-          <p:nvPr>
-            <p:ph type="title"/>
-          </p:nvPr>
-        </p:nvSpPr>
         <p:spPr/>
         <p:txBody>
           <a:bodyPr>
@@ -4708,6 +4597,169 @@
     <p:extLst>
       <p:ext uri="{BB962C8B-B14F-4D97-AF65-F5344CB8AC3E}">
         <p14:creationId xmlns:p14="http://schemas.microsoft.com/office/powerpoint/2010/main" val="3814853346"/>
+      </p:ext>
+    </p:extLst>
+  </p:cSld>
+  <p:clrMapOvr>
+    <a:masterClrMapping/>
+  </p:clrMapOvr>
+</p:sld>
+</file>
+
+<file path=ppt/slides/slide15.xml><?xml version="1.0" encoding="utf-8"?>
+<p:sld xmlns:a="http://schemas.openxmlformats.org/drawingml/2006/main" xmlns:r="http://schemas.openxmlformats.org/officeDocument/2006/relationships" xmlns:p="http://schemas.openxmlformats.org/presentationml/2006/main">
+  <p:cSld>
+    <p:spTree>
+      <p:nvGrpSpPr>
+        <p:cNvPr id="1" name=""/>
+        <p:cNvGrpSpPr/>
+        <p:nvPr/>
+      </p:nvGrpSpPr>
+      <p:grpSpPr>
+        <a:xfrm>
+          <a:off x="0" y="0"/>
+          <a:ext cx="0" cy="0"/>
+          <a:chOff x="0" y="0"/>
+          <a:chExt cx="0" cy="0"/>
+        </a:xfrm>
+      </p:grpSpPr>
+      <p:sp>
+        <p:nvSpPr>
+          <p:cNvPr id="2" name="Title 1"/>
+          <p:cNvSpPr>
+            <a:spLocks noGrp="1"/>
+          </p:cNvSpPr>
+          <p:nvPr>
+            <p:ph type="title"/>
+          </p:nvPr>
+        </p:nvSpPr>
+        <p:spPr>
+          <a:xfrm>
+            <a:off x="838200" y="365126"/>
+            <a:ext cx="10515600" cy="699400"/>
+          </a:xfrm>
+        </p:spPr>
+        <p:txBody>
+          <a:bodyPr>
+            <a:noAutofit/>
+          </a:bodyPr>
+          <a:lstStyle/>
+          <a:p>
+            <a:pPr algn="ctr"/>
+            <a:r>
+              <a:rPr lang="en-US" sz="6600" b="1" dirty="0"/>
+              <a:t>Muddy Waters</a:t>
+            </a:r>
+          </a:p>
+        </p:txBody>
+      </p:sp>
+      <p:sp>
+        <p:nvSpPr>
+          <p:cNvPr id="3" name="Content Placeholder 2"/>
+          <p:cNvSpPr>
+            <a:spLocks noGrp="1"/>
+          </p:cNvSpPr>
+          <p:nvPr>
+            <p:ph idx="1"/>
+          </p:nvPr>
+        </p:nvSpPr>
+        <p:spPr>
+          <a:xfrm>
+            <a:off x="696036" y="1378424"/>
+            <a:ext cx="10657764" cy="4798539"/>
+          </a:xfrm>
+        </p:spPr>
+        <p:txBody>
+          <a:bodyPr/>
+          <a:lstStyle/>
+          <a:p>
+            <a:r>
+              <a:rPr lang="en-US" b="1" dirty="0"/>
+              <a:t>McKinley Morganfield</a:t>
+            </a:r>
+            <a:r>
+              <a:rPr lang="en-US" dirty="0"/>
+              <a:t> (1913-1983)</a:t>
+            </a:r>
+          </a:p>
+          <a:p>
+            <a:r>
+              <a:rPr lang="en-US" dirty="0"/>
+              <a:t>Father of Chicago Electric Blues</a:t>
+            </a:r>
+          </a:p>
+          <a:p>
+            <a:r>
+              <a:rPr lang="en-US" dirty="0"/>
+              <a:t>1941: Alan Lomax recorded him for Library of Congress: </a:t>
+            </a:r>
+            <a:r>
+              <a:rPr lang="en-US" dirty="0">
+                <a:hlinkClick r:id="rId2"/>
+              </a:rPr>
+              <a:t>link</a:t>
+            </a:r>
+            <a:endParaRPr lang="en-US" dirty="0"/>
+          </a:p>
+          <a:p>
+            <a:r>
+              <a:rPr lang="en-US" dirty="0"/>
+              <a:t>1943: moved to Chicago to become a professional musician.</a:t>
+            </a:r>
+          </a:p>
+          <a:p>
+            <a:r>
+              <a:rPr lang="en-US" dirty="0"/>
+              <a:t>1945: first electric guitar, to be heard over the city’s noise.</a:t>
+            </a:r>
+          </a:p>
+          <a:p>
+            <a:r>
+              <a:rPr lang="en-US" dirty="0"/>
+              <a:t>1946: started recording with Aristocrat Records (Chess brothers).</a:t>
+            </a:r>
+          </a:p>
+          <a:p>
+            <a:r>
+              <a:rPr lang="en-US" dirty="0"/>
+              <a:t>1954: </a:t>
+            </a:r>
+            <a:r>
+              <a:rPr lang="en-US" dirty="0" err="1"/>
+              <a:t>Hoochie</a:t>
+            </a:r>
+            <a:r>
+              <a:rPr lang="en-US" dirty="0"/>
+              <a:t> </a:t>
+            </a:r>
+            <a:r>
+              <a:rPr lang="en-US" dirty="0" err="1"/>
+              <a:t>Coochie</a:t>
+            </a:r>
+            <a:r>
+              <a:rPr lang="en-US" dirty="0"/>
+              <a:t> Man (written by Willie Dixon): </a:t>
+            </a:r>
+            <a:r>
+              <a:rPr lang="en-US" dirty="0">
+                <a:hlinkClick r:id="rId3"/>
+              </a:rPr>
+              <a:t>link</a:t>
+            </a:r>
+            <a:endParaRPr lang="en-US" dirty="0"/>
+          </a:p>
+          <a:p>
+            <a:r>
+              <a:rPr lang="en-US" dirty="0"/>
+              <a:t>Waters essentially brought the Delta Blues to Chicago and electrified it.</a:t>
+            </a:r>
+          </a:p>
+        </p:txBody>
+      </p:sp>
+    </p:spTree>
+    <p:extLst>
+      <p:ext uri="{BB962C8B-B14F-4D97-AF65-F5344CB8AC3E}">
+        <p14:creationId xmlns:p14="http://schemas.microsoft.com/office/powerpoint/2010/main" val="2992671297"/>
       </p:ext>
     </p:extLst>
   </p:cSld>
@@ -6482,7 +6534,9 @@
         </p:nvSpPr>
         <p:spPr/>
         <p:txBody>
-          <a:bodyPr/>
+          <a:bodyPr>
+            <a:normAutofit fontScale="92500" lnSpcReduction="10000"/>
+          </a:bodyPr>
           <a:lstStyle/>
           <a:p>
             <a:r>
@@ -6505,7 +6559,7 @@
           <a:p>
             <a:r>
               <a:rPr lang="en-CA" dirty="0"/>
-              <a:t>Accelerated again after WWII</a:t>
+              <a:t>630,000 people affected by the flood in Mississippi, Louisiana, and Arkansas.</a:t>
             </a:r>
           </a:p>
         </p:txBody>
@@ -6528,14 +6582,10 @@
         </p:nvSpPr>
         <p:spPr/>
         <p:txBody>
-          <a:bodyPr/>
-          <a:lstStyle/>
-          <a:p>
-            <a:r>
-              <a:rPr lang="en-CA" dirty="0"/>
-              <a:t>630,000 people affected by the flood in Mississippi, Louisiana, and Arkansas.</a:t>
-            </a:r>
-          </a:p>
+          <a:bodyPr>
+            <a:normAutofit fontScale="92500" lnSpcReduction="10000"/>
+          </a:bodyPr>
+          <a:lstStyle/>
           <a:p>
             <a:r>
               <a:rPr lang="en-CA" dirty="0"/>
@@ -6557,7 +6607,13 @@
           <a:p>
             <a:r>
               <a:rPr lang="en-CA" dirty="0"/>
-              <a:t>By 1970, </a:t>
+              <a:t>Accelerated again after WWII</a:t>
+            </a:r>
+          </a:p>
+          <a:p>
+            <a:r>
+              <a:rPr lang="en-CA" dirty="0"/>
+              <a:t>By 1970, 47% of AA lived in north, whereas only 10% in 1910.</a:t>
             </a:r>
           </a:p>
         </p:txBody>
@@ -6600,12 +6656,135 @@
           <a:chExt cx="0" cy="0"/>
         </a:xfrm>
       </p:grpSpPr>
+      <p:sp>
+        <p:nvSpPr>
+          <p:cNvPr id="9" name="Rectangle 8">
+            <a:extLst>
+              <a:ext uri="{FF2B5EF4-FFF2-40B4-BE49-F238E27FC236}">
+                <a16:creationId xmlns:a16="http://schemas.microsoft.com/office/drawing/2014/main" id="{32BC26D8-82FB-445E-AA49-62A77D7C1EE0}"/>
+              </a:ext>
+            </a:extLst>
+          </p:cNvPr>
+          <p:cNvSpPr>
+            <a:spLocks noGrp="1" noRot="1" noChangeAspect="1" noMove="1" noResize="1" noEditPoints="1" noAdjustHandles="1" noChangeArrowheads="1" noChangeShapeType="1" noTextEdit="1"/>
+          </p:cNvSpPr>
+          <p:nvPr>
+            <p:extLst>
+              <p:ext uri="{386F3935-93C4-4BCD-93E2-E3B085C9AB24}">
+                <p16:designElem xmlns:p16="http://schemas.microsoft.com/office/powerpoint/2015/main" val="1"/>
+              </p:ext>
+            </p:extLst>
+          </p:nvPr>
+        </p:nvSpPr>
+        <p:spPr>
+          <a:xfrm>
+            <a:off x="0" y="0"/>
+            <a:ext cx="12192000" cy="6858000"/>
+          </a:xfrm>
+          <a:prstGeom prst="rect">
+            <a:avLst/>
+          </a:prstGeom>
+          <a:solidFill>
+            <a:schemeClr val="tx1">
+              <a:lumMod val="65000"/>
+              <a:lumOff val="35000"/>
+            </a:schemeClr>
+          </a:solidFill>
+          <a:ln>
+            <a:noFill/>
+          </a:ln>
+        </p:spPr>
+        <p:style>
+          <a:lnRef idx="2">
+            <a:schemeClr val="accent1">
+              <a:shade val="50000"/>
+            </a:schemeClr>
+          </a:lnRef>
+          <a:fillRef idx="1">
+            <a:schemeClr val="accent1"/>
+          </a:fillRef>
+          <a:effectRef idx="0">
+            <a:schemeClr val="accent1"/>
+          </a:effectRef>
+          <a:fontRef idx="minor">
+            <a:schemeClr val="lt1"/>
+          </a:fontRef>
+        </p:style>
+        <p:txBody>
+          <a:bodyPr rtlCol="0" anchor="ctr"/>
+          <a:lstStyle/>
+          <a:p>
+            <a:pPr algn="ctr"/>
+            <a:endParaRPr lang="en-US"/>
+          </a:p>
+        </p:txBody>
+      </p:sp>
+      <p:sp>
+        <p:nvSpPr>
+          <p:cNvPr id="11" name="Rectangle 10">
+            <a:extLst>
+              <a:ext uri="{FF2B5EF4-FFF2-40B4-BE49-F238E27FC236}">
+                <a16:creationId xmlns:a16="http://schemas.microsoft.com/office/drawing/2014/main" id="{CB44330D-EA18-4254-AA95-EB49948539B8}"/>
+              </a:ext>
+            </a:extLst>
+          </p:cNvPr>
+          <p:cNvSpPr>
+            <a:spLocks noGrp="1" noRot="1" noChangeAspect="1" noMove="1" noResize="1" noEditPoints="1" noAdjustHandles="1" noChangeArrowheads="1" noChangeShapeType="1" noTextEdit="1"/>
+          </p:cNvSpPr>
+          <p:nvPr>
+            <p:extLst>
+              <p:ext uri="{386F3935-93C4-4BCD-93E2-E3B085C9AB24}">
+                <p16:designElem xmlns:p16="http://schemas.microsoft.com/office/powerpoint/2015/main" val="1"/>
+              </p:ext>
+            </p:extLst>
+          </p:nvPr>
+        </p:nvSpPr>
+        <p:spPr>
+          <a:xfrm>
+            <a:off x="477012" y="480060"/>
+            <a:ext cx="11237976" cy="5897880"/>
+          </a:xfrm>
+          <a:prstGeom prst="rect">
+            <a:avLst/>
+          </a:prstGeom>
+          <a:solidFill>
+            <a:srgbClr val="FFFFFF"/>
+          </a:solidFill>
+          <a:ln>
+            <a:noFill/>
+          </a:ln>
+        </p:spPr>
+        <p:style>
+          <a:lnRef idx="2">
+            <a:schemeClr val="accent1">
+              <a:shade val="50000"/>
+            </a:schemeClr>
+          </a:lnRef>
+          <a:fillRef idx="1">
+            <a:schemeClr val="accent1"/>
+          </a:fillRef>
+          <a:effectRef idx="0">
+            <a:schemeClr val="accent1"/>
+          </a:effectRef>
+          <a:fontRef idx="minor">
+            <a:schemeClr val="lt1"/>
+          </a:fontRef>
+        </p:style>
+        <p:txBody>
+          <a:bodyPr rtlCol="0" anchor="ctr"/>
+          <a:lstStyle/>
+          <a:p>
+            <a:pPr algn="ctr"/>
+            <a:endParaRPr lang="en-US"/>
+          </a:p>
+        </p:txBody>
+      </p:sp>
       <p:pic>
         <p:nvPicPr>
-          <p:cNvPr id="3" name="Picture 2">
+          <p:cNvPr id="4" name="Picture 3" descr="A close up of text on a white background&#10;&#10;Description generated with very high confidence">
             <a:extLst>
               <a:ext uri="{FF2B5EF4-FFF2-40B4-BE49-F238E27FC236}">
-                <a16:creationId xmlns:a16="http://schemas.microsoft.com/office/drawing/2014/main" id="{F298A2BA-0A23-4CEF-8725-5C6CD9937E45}"/>
+                <a16:creationId xmlns:a16="http://schemas.microsoft.com/office/drawing/2014/main" id="{94DA7B12-10B2-4209-BD93-9965D5BB6FD9}"/>
               </a:ext>
             </a:extLst>
           </p:cNvPr>
@@ -6614,7 +6793,7 @@
           </p:cNvPicPr>
           <p:nvPr/>
         </p:nvPicPr>
-        <p:blipFill rotWithShape="1">
+        <p:blipFill>
           <a:blip r:embed="rId3">
             <a:extLst>
               <a:ext uri="{28A0092B-C50C-407E-A947-70E740481C1C}">
@@ -6622,13 +6801,14 @@
               </a:ext>
             </a:extLst>
           </a:blip>
-          <a:srcRect t="2688" b="25427"/>
-          <a:stretch/>
+          <a:stretch>
+            <a:fillRect/>
+          </a:stretch>
         </p:blipFill>
         <p:spPr>
           <a:xfrm>
-            <a:off x="20" y="10"/>
-            <a:ext cx="12191980" cy="6857990"/>
+            <a:off x="2536213" y="643467"/>
+            <a:ext cx="7119573" cy="5571066"/>
           </a:xfrm>
           <a:prstGeom prst="rect">
             <a:avLst/>

--- a/HSTR121/ppts/RockEmerges.pptx
+++ b/HSTR121/ppts/RockEmerges.pptx
@@ -220,7 +220,7 @@
           <a:p>
             <a:fld id="{C291D997-D7C6-495A-ADFE-01BE34D636D4}" type="datetimeFigureOut">
               <a:rPr lang="en-US" smtClean="0"/>
-              <a:t>1/17/2018</a:t>
+              <a:t>1/19/2018</a:t>
             </a:fld>
             <a:endParaRPr lang="en-US"/>
           </a:p>
@@ -870,19 +870,7 @@
                 <a:ea typeface="+mn-ea"/>
                 <a:cs typeface="+mn-cs"/>
               </a:rPr>
-              <a:t> period. </a:t>
-            </a:r>
-            <a:r>
-              <a:rPr lang="en-US" sz="1200" b="0" i="0" kern="1200">
-                <a:solidFill>
-                  <a:schemeClr val="tx1"/>
-                </a:solidFill>
-                <a:effectLst/>
-                <a:latin typeface="+mn-lt"/>
-                <a:ea typeface="+mn-ea"/>
-                <a:cs typeface="+mn-cs"/>
-              </a:rPr>
-              <a:t>The drop in 1970 is due to excluding births to non-residents.</a:t>
+              <a:t> period. The drop in 1970 is due to excluding births to non-residents.</a:t>
             </a:r>
             <a:endParaRPr lang="en-US" dirty="0"/>
           </a:p>
@@ -1053,7 +1041,7 @@
           <a:p>
             <a:fld id="{FBF630C0-B0E4-4EC2-AB0C-BE44B3506280}" type="datetimeFigureOut">
               <a:rPr lang="en-US" smtClean="0"/>
-              <a:t>1/17/2018</a:t>
+              <a:t>1/19/2018</a:t>
             </a:fld>
             <a:endParaRPr lang="en-US"/>
           </a:p>
@@ -1221,7 +1209,7 @@
           <a:p>
             <a:fld id="{FBF630C0-B0E4-4EC2-AB0C-BE44B3506280}" type="datetimeFigureOut">
               <a:rPr lang="en-US" smtClean="0"/>
-              <a:t>1/17/2018</a:t>
+              <a:t>1/19/2018</a:t>
             </a:fld>
             <a:endParaRPr lang="en-US"/>
           </a:p>
@@ -1399,7 +1387,7 @@
           <a:p>
             <a:fld id="{FBF630C0-B0E4-4EC2-AB0C-BE44B3506280}" type="datetimeFigureOut">
               <a:rPr lang="en-US" smtClean="0"/>
-              <a:t>1/17/2018</a:t>
+              <a:t>1/19/2018</a:t>
             </a:fld>
             <a:endParaRPr lang="en-US"/>
           </a:p>
@@ -1567,7 +1555,7 @@
           <a:p>
             <a:fld id="{FBF630C0-B0E4-4EC2-AB0C-BE44B3506280}" type="datetimeFigureOut">
               <a:rPr lang="en-US" smtClean="0"/>
-              <a:t>1/17/2018</a:t>
+              <a:t>1/19/2018</a:t>
             </a:fld>
             <a:endParaRPr lang="en-US"/>
           </a:p>
@@ -1812,7 +1800,7 @@
           <a:p>
             <a:fld id="{FBF630C0-B0E4-4EC2-AB0C-BE44B3506280}" type="datetimeFigureOut">
               <a:rPr lang="en-US" smtClean="0"/>
-              <a:t>1/17/2018</a:t>
+              <a:t>1/19/2018</a:t>
             </a:fld>
             <a:endParaRPr lang="en-US"/>
           </a:p>
@@ -2041,7 +2029,7 @@
           <a:p>
             <a:fld id="{FBF630C0-B0E4-4EC2-AB0C-BE44B3506280}" type="datetimeFigureOut">
               <a:rPr lang="en-US" smtClean="0"/>
-              <a:t>1/17/2018</a:t>
+              <a:t>1/19/2018</a:t>
             </a:fld>
             <a:endParaRPr lang="en-US"/>
           </a:p>
@@ -2405,7 +2393,7 @@
           <a:p>
             <a:fld id="{FBF630C0-B0E4-4EC2-AB0C-BE44B3506280}" type="datetimeFigureOut">
               <a:rPr lang="en-US" smtClean="0"/>
-              <a:t>1/17/2018</a:t>
+              <a:t>1/19/2018</a:t>
             </a:fld>
             <a:endParaRPr lang="en-US"/>
           </a:p>
@@ -2522,7 +2510,7 @@
           <a:p>
             <a:fld id="{FBF630C0-B0E4-4EC2-AB0C-BE44B3506280}" type="datetimeFigureOut">
               <a:rPr lang="en-US" smtClean="0"/>
-              <a:t>1/17/2018</a:t>
+              <a:t>1/19/2018</a:t>
             </a:fld>
             <a:endParaRPr lang="en-US"/>
           </a:p>
@@ -2617,7 +2605,7 @@
           <a:p>
             <a:fld id="{FBF630C0-B0E4-4EC2-AB0C-BE44B3506280}" type="datetimeFigureOut">
               <a:rPr lang="en-US" smtClean="0"/>
-              <a:t>1/17/2018</a:t>
+              <a:t>1/19/2018</a:t>
             </a:fld>
             <a:endParaRPr lang="en-US"/>
           </a:p>
@@ -2892,7 +2880,7 @@
           <a:p>
             <a:fld id="{FBF630C0-B0E4-4EC2-AB0C-BE44B3506280}" type="datetimeFigureOut">
               <a:rPr lang="en-US" smtClean="0"/>
-              <a:t>1/17/2018</a:t>
+              <a:t>1/19/2018</a:t>
             </a:fld>
             <a:endParaRPr lang="en-US"/>
           </a:p>
@@ -3144,7 +3132,7 @@
           <a:p>
             <a:fld id="{FBF630C0-B0E4-4EC2-AB0C-BE44B3506280}" type="datetimeFigureOut">
               <a:rPr lang="en-US" smtClean="0"/>
-              <a:t>1/17/2018</a:t>
+              <a:t>1/19/2018</a:t>
             </a:fld>
             <a:endParaRPr lang="en-US"/>
           </a:p>
@@ -3365,7 +3353,7 @@
           <a:p>
             <a:fld id="{FBF630C0-B0E4-4EC2-AB0C-BE44B3506280}" type="datetimeFigureOut">
               <a:rPr lang="en-US" smtClean="0"/>
-              <a:t>1/17/2018</a:t>
+              <a:t>1/19/2018</a:t>
             </a:fld>
             <a:endParaRPr lang="en-US"/>
           </a:p>
@@ -4856,7 +4844,19 @@
           <a:p>
             <a:r>
               <a:rPr lang="en-US" dirty="0"/>
-              <a:t>Wild kid, prison, 1944-1947</a:t>
+              <a:t>Wild kid, Armed robbery in high school, prison, 1944-1947</a:t>
+            </a:r>
+          </a:p>
+          <a:p>
+            <a:r>
+              <a:rPr lang="en-US" dirty="0"/>
+              <a:t>After, worked in an automobile plant, married.</a:t>
+            </a:r>
+          </a:p>
+          <a:p>
+            <a:r>
+              <a:rPr lang="en-US" dirty="0"/>
+              <a:t>Early 1953, influenced by T-Bone Walker’s guitar playing, joined the Johnnie Johnson Trio.</a:t>
             </a:r>
           </a:p>
           <a:p>
@@ -4874,7 +4874,15 @@
           <a:p>
             <a:r>
               <a:rPr lang="en-US" dirty="0"/>
-              <a:t>1955: “Ida Red,” became “</a:t>
+              <a:t>1955: Bob </a:t>
+            </a:r>
+            <a:r>
+              <a:rPr lang="en-US" dirty="0" err="1"/>
+              <a:t>Wills’s</a:t>
+            </a:r>
+            <a:r>
+              <a:rPr lang="en-US" dirty="0"/>
+              <a:t> “Ida Red,” became “</a:t>
             </a:r>
             <a:r>
               <a:rPr lang="en-US" dirty="0" err="1"/>
@@ -4882,7 +4890,17 @@
             </a:r>
             <a:r>
               <a:rPr lang="en-US" dirty="0"/>
-              <a:t>” [link]</a:t>
+              <a:t>” [</a:t>
+            </a:r>
+            <a:r>
+              <a:rPr lang="en-US" dirty="0">
+                <a:hlinkClick r:id="rId2"/>
+              </a:rPr>
+              <a:t>link</a:t>
+            </a:r>
+            <a:r>
+              <a:rPr lang="en-US" dirty="0"/>
+              <a:t>].</a:t>
             </a:r>
           </a:p>
         </p:txBody>

--- a/HSTR121/ppts/RockEmerges.pptx
+++ b/HSTR121/ppts/RockEmerges.pptx
@@ -5,7 +5,7 @@
     <p:sldMasterId id="2147483648" r:id="rId1"/>
   </p:sldMasterIdLst>
   <p:notesMasterIdLst>
-    <p:notesMasterId r:id="rId22"/>
+    <p:notesMasterId r:id="rId23"/>
   </p:notesMasterIdLst>
   <p:sldIdLst>
     <p:sldId id="256" r:id="rId2"/>
@@ -26,8 +26,9 @@
     <p:sldId id="263" r:id="rId17"/>
     <p:sldId id="262" r:id="rId18"/>
     <p:sldId id="273" r:id="rId19"/>
-    <p:sldId id="274" r:id="rId20"/>
-    <p:sldId id="278" r:id="rId21"/>
+    <p:sldId id="282" r:id="rId20"/>
+    <p:sldId id="274" r:id="rId21"/>
+    <p:sldId id="278" r:id="rId22"/>
   </p:sldIdLst>
   <p:sldSz cx="12192000" cy="6858000"/>
   <p:notesSz cx="6858000" cy="9144000"/>
@@ -220,7 +221,7 @@
           <a:p>
             <a:fld id="{C291D997-D7C6-495A-ADFE-01BE34D636D4}" type="datetimeFigureOut">
               <a:rPr lang="en-US" smtClean="0"/>
-              <a:t>1/19/2018</a:t>
+              <a:t>1/23/2018</a:t>
             </a:fld>
             <a:endParaRPr lang="en-US"/>
           </a:p>
@@ -1041,7 +1042,7 @@
           <a:p>
             <a:fld id="{FBF630C0-B0E4-4EC2-AB0C-BE44B3506280}" type="datetimeFigureOut">
               <a:rPr lang="en-US" smtClean="0"/>
-              <a:t>1/19/2018</a:t>
+              <a:t>1/23/2018</a:t>
             </a:fld>
             <a:endParaRPr lang="en-US"/>
           </a:p>
@@ -1209,7 +1210,7 @@
           <a:p>
             <a:fld id="{FBF630C0-B0E4-4EC2-AB0C-BE44B3506280}" type="datetimeFigureOut">
               <a:rPr lang="en-US" smtClean="0"/>
-              <a:t>1/19/2018</a:t>
+              <a:t>1/23/2018</a:t>
             </a:fld>
             <a:endParaRPr lang="en-US"/>
           </a:p>
@@ -1387,7 +1388,7 @@
           <a:p>
             <a:fld id="{FBF630C0-B0E4-4EC2-AB0C-BE44B3506280}" type="datetimeFigureOut">
               <a:rPr lang="en-US" smtClean="0"/>
-              <a:t>1/19/2018</a:t>
+              <a:t>1/23/2018</a:t>
             </a:fld>
             <a:endParaRPr lang="en-US"/>
           </a:p>
@@ -1555,7 +1556,7 @@
           <a:p>
             <a:fld id="{FBF630C0-B0E4-4EC2-AB0C-BE44B3506280}" type="datetimeFigureOut">
               <a:rPr lang="en-US" smtClean="0"/>
-              <a:t>1/19/2018</a:t>
+              <a:t>1/23/2018</a:t>
             </a:fld>
             <a:endParaRPr lang="en-US"/>
           </a:p>
@@ -1800,7 +1801,7 @@
           <a:p>
             <a:fld id="{FBF630C0-B0E4-4EC2-AB0C-BE44B3506280}" type="datetimeFigureOut">
               <a:rPr lang="en-US" smtClean="0"/>
-              <a:t>1/19/2018</a:t>
+              <a:t>1/23/2018</a:t>
             </a:fld>
             <a:endParaRPr lang="en-US"/>
           </a:p>
@@ -2029,7 +2030,7 @@
           <a:p>
             <a:fld id="{FBF630C0-B0E4-4EC2-AB0C-BE44B3506280}" type="datetimeFigureOut">
               <a:rPr lang="en-US" smtClean="0"/>
-              <a:t>1/19/2018</a:t>
+              <a:t>1/23/2018</a:t>
             </a:fld>
             <a:endParaRPr lang="en-US"/>
           </a:p>
@@ -2393,7 +2394,7 @@
           <a:p>
             <a:fld id="{FBF630C0-B0E4-4EC2-AB0C-BE44B3506280}" type="datetimeFigureOut">
               <a:rPr lang="en-US" smtClean="0"/>
-              <a:t>1/19/2018</a:t>
+              <a:t>1/23/2018</a:t>
             </a:fld>
             <a:endParaRPr lang="en-US"/>
           </a:p>
@@ -2510,7 +2511,7 @@
           <a:p>
             <a:fld id="{FBF630C0-B0E4-4EC2-AB0C-BE44B3506280}" type="datetimeFigureOut">
               <a:rPr lang="en-US" smtClean="0"/>
-              <a:t>1/19/2018</a:t>
+              <a:t>1/23/2018</a:t>
             </a:fld>
             <a:endParaRPr lang="en-US"/>
           </a:p>
@@ -2605,7 +2606,7 @@
           <a:p>
             <a:fld id="{FBF630C0-B0E4-4EC2-AB0C-BE44B3506280}" type="datetimeFigureOut">
               <a:rPr lang="en-US" smtClean="0"/>
-              <a:t>1/19/2018</a:t>
+              <a:t>1/23/2018</a:t>
             </a:fld>
             <a:endParaRPr lang="en-US"/>
           </a:p>
@@ -2880,7 +2881,7 @@
           <a:p>
             <a:fld id="{FBF630C0-B0E4-4EC2-AB0C-BE44B3506280}" type="datetimeFigureOut">
               <a:rPr lang="en-US" smtClean="0"/>
-              <a:t>1/19/2018</a:t>
+              <a:t>1/23/2018</a:t>
             </a:fld>
             <a:endParaRPr lang="en-US"/>
           </a:p>
@@ -3132,7 +3133,7 @@
           <a:p>
             <a:fld id="{FBF630C0-B0E4-4EC2-AB0C-BE44B3506280}" type="datetimeFigureOut">
               <a:rPr lang="en-US" smtClean="0"/>
-              <a:t>1/19/2018</a:t>
+              <a:t>1/23/2018</a:t>
             </a:fld>
             <a:endParaRPr lang="en-US"/>
           </a:p>
@@ -3353,7 +3354,7 @@
           <a:p>
             <a:fld id="{FBF630C0-B0E4-4EC2-AB0C-BE44B3506280}" type="datetimeFigureOut">
               <a:rPr lang="en-US" smtClean="0"/>
-              <a:t>1/19/2018</a:t>
+              <a:t>1/23/2018</a:t>
             </a:fld>
             <a:endParaRPr lang="en-US"/>
           </a:p>
@@ -4984,15 +4985,19 @@
           <a:p>
             <a:r>
               <a:rPr lang="en-US" b="1" dirty="0"/>
-              <a:t>Richard Wayne </a:t>
-            </a:r>
-            <a:r>
-              <a:rPr lang="en-US" b="1" dirty="0" err="1"/>
-              <a:t>Penniman</a:t>
-            </a:r>
-            <a:r>
-              <a:rPr lang="en-US" dirty="0"/>
-              <a:t> (born 1932, Macon, Georgia)</a:t>
+              <a:t>Richard Wayne Penniman</a:t>
+            </a:r>
+            <a:r>
+              <a:rPr lang="en-US" dirty="0"/>
+              <a:t> (born 1932, Macon, Georgia</a:t>
+            </a:r>
+            <a:r>
+              <a:rPr lang="en-US"/>
+              <a:t>), third </a:t>
+            </a:r>
+            <a:r>
+              <a:rPr lang="en-US" dirty="0"/>
+              <a:t>of 12 kids.</a:t>
             </a:r>
           </a:p>
           <a:p>
@@ -5144,19 +5149,26 @@
         </p:spPr>
         <p:txBody>
           <a:bodyPr>
-            <a:normAutofit fontScale="92500" lnSpcReduction="10000"/>
+            <a:normAutofit fontScale="85000" lnSpcReduction="10000"/>
           </a:bodyPr>
           <a:lstStyle/>
           <a:p>
             <a:r>
               <a:rPr lang="en-US" dirty="0"/>
-              <a:t>First important Rock “Disc Jockey</a:t>
-            </a:r>
-            <a:r>
-              <a:rPr lang="en-US"/>
-              <a:t>” (DJ)</a:t>
-            </a:r>
-            <a:endParaRPr lang="en-US" dirty="0"/>
+              <a:t>First important Rock “Disc Jockey” (DJ)</a:t>
+            </a:r>
+          </a:p>
+          <a:p>
+            <a:r>
+              <a:rPr lang="en-US" dirty="0"/>
+              <a:t>High School band: Sultans of Swing</a:t>
+            </a:r>
+          </a:p>
+          <a:p>
+            <a:r>
+              <a:rPr lang="en-US" dirty="0"/>
+              <a:t>DJ on Armed Forces Radio (WWII)</a:t>
+            </a:r>
           </a:p>
           <a:p>
             <a:r>
@@ -5345,93 +5357,56 @@
           <a:chExt cx="0" cy="0"/>
         </a:xfrm>
       </p:grpSpPr>
-      <p:sp>
-        <p:nvSpPr>
-          <p:cNvPr id="2" name="Content Placeholder 1"/>
-          <p:cNvSpPr>
-            <a:spLocks noGrp="1"/>
-          </p:cNvSpPr>
-          <p:nvPr>
-            <p:ph idx="1"/>
-          </p:nvPr>
-        </p:nvSpPr>
-        <p:spPr/>
-        <p:txBody>
-          <a:bodyPr/>
-          <a:lstStyle/>
-          <a:p>
-            <a:r>
-              <a:rPr lang="en-US" dirty="0"/>
-              <a:t>1959: Freed began hosting “The Big Beat” on ABC; popular, but lasted only four episodes.</a:t>
-            </a:r>
-          </a:p>
-          <a:p>
-            <a:r>
-              <a:rPr lang="en-US" dirty="0"/>
-              <a:t>Here is </a:t>
-            </a:r>
-            <a:r>
-              <a:rPr lang="en-US" dirty="0">
-                <a:hlinkClick r:id="rId2"/>
-              </a:rPr>
-              <a:t>why</a:t>
-            </a:r>
-            <a:r>
-              <a:rPr lang="en-US" dirty="0"/>
-              <a:t>: fourth episode featured “Frankie Lyman and the Teenagers”</a:t>
-            </a:r>
-          </a:p>
-          <a:p>
-            <a:r>
-              <a:rPr lang="en-US" dirty="0"/>
-              <a:t>Freed then faced conflict of interest charges for promoting songs in which he  had a financial interest Chuck Berry’s “</a:t>
-            </a:r>
-            <a:r>
-              <a:rPr lang="en-US" dirty="0" err="1"/>
-              <a:t>Maybellene</a:t>
-            </a:r>
-            <a:r>
-              <a:rPr lang="en-US" dirty="0"/>
-              <a:t>”.</a:t>
-            </a:r>
-          </a:p>
-          <a:p>
-            <a:r>
-              <a:rPr lang="en-US" dirty="0"/>
-              <a:t>Common practice, unevenly enforced.</a:t>
-            </a:r>
-          </a:p>
-        </p:txBody>
-      </p:sp>
-      <p:sp>
-        <p:nvSpPr>
-          <p:cNvPr id="3" name="Title 2"/>
-          <p:cNvSpPr>
-            <a:spLocks noGrp="1"/>
-          </p:cNvSpPr>
-          <p:nvPr>
-            <p:ph type="title"/>
-          </p:nvPr>
-        </p:nvSpPr>
-        <p:spPr/>
-        <p:txBody>
-          <a:bodyPr/>
-          <a:lstStyle/>
-          <a:p>
-            <a:r>
-              <a:rPr lang="en-US" b="1" dirty="0">
-                <a:latin typeface="Aharoni" panose="02010803020104030203" pitchFamily="2" charset="-79"/>
-                <a:cs typeface="Aharoni" panose="02010803020104030203" pitchFamily="2" charset="-79"/>
-              </a:rPr>
-              <a:t>Race and Payola</a:t>
-            </a:r>
-          </a:p>
-        </p:txBody>
-      </p:sp>
+      <p:pic>
+        <p:nvPicPr>
+          <p:cNvPr id="3" name="Picture 2" descr="A close up of a newspaper&#10;&#10;Description generated with very high confidence">
+            <a:extLst>
+              <a:ext uri="{FF2B5EF4-FFF2-40B4-BE49-F238E27FC236}">
+                <a16:creationId xmlns:a16="http://schemas.microsoft.com/office/drawing/2014/main" id="{C6A3F1BF-66CC-4B9D-A4CD-2538CAF6FB19}"/>
+              </a:ext>
+            </a:extLst>
+          </p:cNvPr>
+          <p:cNvPicPr>
+            <a:picLocks noChangeAspect="1"/>
+          </p:cNvPicPr>
+          <p:nvPr/>
+        </p:nvPicPr>
+        <p:blipFill>
+          <a:blip r:embed="rId2">
+            <a:extLst>
+              <a:ext uri="{28A0092B-C50C-407E-A947-70E740481C1C}">
+                <a14:useLocalDpi xmlns:a14="http://schemas.microsoft.com/office/drawing/2010/main" val="0"/>
+              </a:ext>
+            </a:extLst>
+          </a:blip>
+          <a:stretch>
+            <a:fillRect/>
+          </a:stretch>
+        </p:blipFill>
+        <p:spPr>
+          <a:xfrm>
+            <a:off x="3443476" y="0"/>
+            <a:ext cx="5719574" cy="6858000"/>
+          </a:xfrm>
+          <a:prstGeom prst="rect">
+            <a:avLst/>
+          </a:prstGeom>
+          <a:ln>
+            <a:noFill/>
+          </a:ln>
+          <a:effectLst>
+            <a:outerShdw blurRad="292100" dist="139700" dir="2700000" algn="tl" rotWithShape="0">
+              <a:srgbClr val="333333">
+                <a:alpha val="65000"/>
+              </a:srgbClr>
+            </a:outerShdw>
+          </a:effectLst>
+        </p:spPr>
+      </p:pic>
     </p:spTree>
     <p:extLst>
       <p:ext uri="{BB962C8B-B14F-4D97-AF65-F5344CB8AC3E}">
-        <p14:creationId xmlns:p14="http://schemas.microsoft.com/office/powerpoint/2010/main" val="1739031549"/>
+        <p14:creationId xmlns:p14="http://schemas.microsoft.com/office/powerpoint/2010/main" val="980561599"/>
       </p:ext>
     </p:extLst>
   </p:cSld>
@@ -5642,6 +5617,119 @@
 </file>
 
 <file path=ppt/slides/slide20.xml><?xml version="1.0" encoding="utf-8"?>
+<p:sld xmlns:a="http://schemas.openxmlformats.org/drawingml/2006/main" xmlns:r="http://schemas.openxmlformats.org/officeDocument/2006/relationships" xmlns:p="http://schemas.openxmlformats.org/presentationml/2006/main">
+  <p:cSld>
+    <p:spTree>
+      <p:nvGrpSpPr>
+        <p:cNvPr id="1" name=""/>
+        <p:cNvGrpSpPr/>
+        <p:nvPr/>
+      </p:nvGrpSpPr>
+      <p:grpSpPr>
+        <a:xfrm>
+          <a:off x="0" y="0"/>
+          <a:ext cx="0" cy="0"/>
+          <a:chOff x="0" y="0"/>
+          <a:chExt cx="0" cy="0"/>
+        </a:xfrm>
+      </p:grpSpPr>
+      <p:sp>
+        <p:nvSpPr>
+          <p:cNvPr id="2" name="Content Placeholder 1"/>
+          <p:cNvSpPr>
+            <a:spLocks noGrp="1"/>
+          </p:cNvSpPr>
+          <p:nvPr>
+            <p:ph idx="1"/>
+          </p:nvPr>
+        </p:nvSpPr>
+        <p:spPr/>
+        <p:txBody>
+          <a:bodyPr/>
+          <a:lstStyle/>
+          <a:p>
+            <a:r>
+              <a:rPr lang="en-US" dirty="0"/>
+              <a:t>1959: Freed began hosting “The Big Beat” on ABC; popular, but lasted only four episodes.</a:t>
+            </a:r>
+          </a:p>
+          <a:p>
+            <a:r>
+              <a:rPr lang="en-US" dirty="0"/>
+              <a:t>Here is </a:t>
+            </a:r>
+            <a:r>
+              <a:rPr lang="en-US" dirty="0">
+                <a:hlinkClick r:id="rId2"/>
+              </a:rPr>
+              <a:t>why</a:t>
+            </a:r>
+            <a:r>
+              <a:rPr lang="en-US" dirty="0"/>
+              <a:t>: fourth episode featured “Frankie Lyman and the Teenagers”</a:t>
+            </a:r>
+          </a:p>
+          <a:p>
+            <a:r>
+              <a:rPr lang="en-US" dirty="0"/>
+              <a:t>Freed then faced conflict of interest charges for promoting songs in which he  had a financial interest Chuck Berry’s “</a:t>
+            </a:r>
+            <a:r>
+              <a:rPr lang="en-US" dirty="0" err="1"/>
+              <a:t>Maybellene</a:t>
+            </a:r>
+            <a:r>
+              <a:rPr lang="en-US" dirty="0"/>
+              <a:t>”.</a:t>
+            </a:r>
+          </a:p>
+          <a:p>
+            <a:r>
+              <a:rPr lang="en-US" dirty="0"/>
+              <a:t>Common practice, unevenly enforced.</a:t>
+            </a:r>
+          </a:p>
+        </p:txBody>
+      </p:sp>
+      <p:sp>
+        <p:nvSpPr>
+          <p:cNvPr id="3" name="Title 2"/>
+          <p:cNvSpPr>
+            <a:spLocks noGrp="1"/>
+          </p:cNvSpPr>
+          <p:nvPr>
+            <p:ph type="title"/>
+          </p:nvPr>
+        </p:nvSpPr>
+        <p:spPr/>
+        <p:txBody>
+          <a:bodyPr/>
+          <a:lstStyle/>
+          <a:p>
+            <a:r>
+              <a:rPr lang="en-US" b="1" dirty="0">
+                <a:latin typeface="Aharoni" panose="02010803020104030203" pitchFamily="2" charset="-79"/>
+                <a:cs typeface="Aharoni" panose="02010803020104030203" pitchFamily="2" charset="-79"/>
+              </a:rPr>
+              <a:t>Race and Payola</a:t>
+            </a:r>
+          </a:p>
+        </p:txBody>
+      </p:sp>
+    </p:spTree>
+    <p:extLst>
+      <p:ext uri="{BB962C8B-B14F-4D97-AF65-F5344CB8AC3E}">
+        <p14:creationId xmlns:p14="http://schemas.microsoft.com/office/powerpoint/2010/main" val="1739031549"/>
+      </p:ext>
+    </p:extLst>
+  </p:cSld>
+  <p:clrMapOvr>
+    <a:masterClrMapping/>
+  </p:clrMapOvr>
+</p:sld>
+</file>
+
+<file path=ppt/slides/slide21.xml><?xml version="1.0" encoding="utf-8"?>
 <p:sld xmlns:a="http://schemas.openxmlformats.org/drawingml/2006/main" xmlns:r="http://schemas.openxmlformats.org/officeDocument/2006/relationships" xmlns:p="http://schemas.openxmlformats.org/presentationml/2006/main">
   <p:cSld>
     <p:spTree>

--- a/HSTR121/ppts/RockEmerges.pptx
+++ b/HSTR121/ppts/RockEmerges.pptx
@@ -17,8 +17,8 @@
     <p:sldId id="280" r:id="rId8"/>
     <p:sldId id="281" r:id="rId9"/>
     <p:sldId id="264" r:id="rId10"/>
-    <p:sldId id="265" r:id="rId11"/>
-    <p:sldId id="270" r:id="rId12"/>
+    <p:sldId id="270" r:id="rId11"/>
+    <p:sldId id="265" r:id="rId12"/>
     <p:sldId id="271" r:id="rId13"/>
     <p:sldId id="275" r:id="rId14"/>
     <p:sldId id="279" r:id="rId15"/>
@@ -136,7 +136,152 @@
 </file>
 
 <file path=ppt/revisionInfo.xml><?xml version="1.0" encoding="utf-8"?>
-<p1510:revInfo xmlns:a="http://schemas.openxmlformats.org/drawingml/2006/main" xmlns:r="http://schemas.openxmlformats.org/officeDocument/2006/relationships" xmlns:p1510="http://schemas.microsoft.com/office/powerpoint/2015/10/main"/>
+<p1510:revInfo xmlns:a="http://schemas.openxmlformats.org/drawingml/2006/main" xmlns:r="http://schemas.openxmlformats.org/officeDocument/2006/relationships" xmlns:p1510="http://schemas.microsoft.com/office/powerpoint/2015/10/main">
+  <p1510:revLst>
+    <p1510:client id="{ADCBB941-1958-4667-8FB0-E2FA3BEE29D8}" v="2" dt="2019-09-11T22:58:52.012"/>
+  </p1510:revLst>
+</p1510:revInfo>
+</file>
+
+<file path=ppt/changesInfos/changesInfo1.xml><?xml version="1.0" encoding="utf-8"?>
+<pc:chgInfo xmlns:a="http://schemas.openxmlformats.org/drawingml/2006/main" xmlns:r="http://schemas.openxmlformats.org/officeDocument/2006/relationships" xmlns:ac="http://schemas.microsoft.com/office/drawing/2013/main/command" xmlns:pc="http://schemas.microsoft.com/office/powerpoint/2013/main/command">
+  <pc:docChgLst>
+    <pc:chgData name="Mark Baker" userId="7debe814d9197520" providerId="LiveId" clId="{ADCBB941-1958-4667-8FB0-E2FA3BEE29D8}"/>
+    <pc:docChg chg="custSel modSld sldOrd">
+      <pc:chgData name="Mark Baker" userId="7debe814d9197520" providerId="LiveId" clId="{ADCBB941-1958-4667-8FB0-E2FA3BEE29D8}" dt="2019-09-11T23:00:09.313" v="225" actId="20577"/>
+      <pc:docMkLst>
+        <pc:docMk/>
+      </pc:docMkLst>
+      <pc:sldChg chg="modSp">
+        <pc:chgData name="Mark Baker" userId="7debe814d9197520" providerId="LiveId" clId="{ADCBB941-1958-4667-8FB0-E2FA3BEE29D8}" dt="2019-09-11T22:50:05.375" v="211" actId="20577"/>
+        <pc:sldMkLst>
+          <pc:docMk/>
+          <pc:sldMk cId="2626437058" sldId="257"/>
+        </pc:sldMkLst>
+        <pc:spChg chg="mod">
+          <ac:chgData name="Mark Baker" userId="7debe814d9197520" providerId="LiveId" clId="{ADCBB941-1958-4667-8FB0-E2FA3BEE29D8}" dt="2019-09-11T22:50:05.375" v="211" actId="20577"/>
+          <ac:spMkLst>
+            <pc:docMk/>
+            <pc:sldMk cId="2626437058" sldId="257"/>
+            <ac:spMk id="2" creationId="{00000000-0000-0000-0000-000000000000}"/>
+          </ac:spMkLst>
+        </pc:spChg>
+      </pc:sldChg>
+      <pc:sldChg chg="modSp">
+        <pc:chgData name="Mark Baker" userId="7debe814d9197520" providerId="LiveId" clId="{ADCBB941-1958-4667-8FB0-E2FA3BEE29D8}" dt="2019-09-11T22:26:14.145" v="163" actId="20577"/>
+        <pc:sldMkLst>
+          <pc:docMk/>
+          <pc:sldMk cId="1239824292" sldId="262"/>
+        </pc:sldMkLst>
+        <pc:spChg chg="mod">
+          <ac:chgData name="Mark Baker" userId="7debe814d9197520" providerId="LiveId" clId="{ADCBB941-1958-4667-8FB0-E2FA3BEE29D8}" dt="2019-09-11T22:26:14.145" v="163" actId="20577"/>
+          <ac:spMkLst>
+            <pc:docMk/>
+            <pc:sldMk cId="1239824292" sldId="262"/>
+            <ac:spMk id="3" creationId="{00000000-0000-0000-0000-000000000000}"/>
+          </ac:spMkLst>
+        </pc:spChg>
+      </pc:sldChg>
+      <pc:sldChg chg="modSp">
+        <pc:chgData name="Mark Baker" userId="7debe814d9197520" providerId="LiveId" clId="{ADCBB941-1958-4667-8FB0-E2FA3BEE29D8}" dt="2019-09-11T23:00:09.313" v="225" actId="20577"/>
+        <pc:sldMkLst>
+          <pc:docMk/>
+          <pc:sldMk cId="27093596" sldId="263"/>
+        </pc:sldMkLst>
+        <pc:spChg chg="mod">
+          <ac:chgData name="Mark Baker" userId="7debe814d9197520" providerId="LiveId" clId="{ADCBB941-1958-4667-8FB0-E2FA3BEE29D8}" dt="2019-09-11T23:00:09.313" v="225" actId="20577"/>
+          <ac:spMkLst>
+            <pc:docMk/>
+            <pc:sldMk cId="27093596" sldId="263"/>
+            <ac:spMk id="3" creationId="{00000000-0000-0000-0000-000000000000}"/>
+          </ac:spMkLst>
+        </pc:spChg>
+      </pc:sldChg>
+      <pc:sldChg chg="modSp">
+        <pc:chgData name="Mark Baker" userId="7debe814d9197520" providerId="LiveId" clId="{ADCBB941-1958-4667-8FB0-E2FA3BEE29D8}" dt="2019-09-11T22:21:15.379" v="49" actId="20577"/>
+        <pc:sldMkLst>
+          <pc:docMk/>
+          <pc:sldMk cId="3751597966" sldId="264"/>
+        </pc:sldMkLst>
+        <pc:spChg chg="mod">
+          <ac:chgData name="Mark Baker" userId="7debe814d9197520" providerId="LiveId" clId="{ADCBB941-1958-4667-8FB0-E2FA3BEE29D8}" dt="2019-09-11T22:21:15.379" v="49" actId="20577"/>
+          <ac:spMkLst>
+            <pc:docMk/>
+            <pc:sldMk cId="3751597966" sldId="264"/>
+            <ac:spMk id="3" creationId="{00000000-0000-0000-0000-000000000000}"/>
+          </ac:spMkLst>
+        </pc:spChg>
+      </pc:sldChg>
+      <pc:sldChg chg="ord">
+        <pc:chgData name="Mark Baker" userId="7debe814d9197520" providerId="LiveId" clId="{ADCBB941-1958-4667-8FB0-E2FA3BEE29D8}" dt="2019-09-11T22:57:10.086" v="212"/>
+        <pc:sldMkLst>
+          <pc:docMk/>
+          <pc:sldMk cId="2228129065" sldId="265"/>
+        </pc:sldMkLst>
+      </pc:sldChg>
+      <pc:sldChg chg="modSp">
+        <pc:chgData name="Mark Baker" userId="7debe814d9197520" providerId="LiveId" clId="{ADCBB941-1958-4667-8FB0-E2FA3BEE29D8}" dt="2019-09-11T22:20:22.472" v="46" actId="20577"/>
+        <pc:sldMkLst>
+          <pc:docMk/>
+          <pc:sldMk cId="2084315320" sldId="268"/>
+        </pc:sldMkLst>
+        <pc:spChg chg="mod">
+          <ac:chgData name="Mark Baker" userId="7debe814d9197520" providerId="LiveId" clId="{ADCBB941-1958-4667-8FB0-E2FA3BEE29D8}" dt="2019-09-11T22:20:22.472" v="46" actId="20577"/>
+          <ac:spMkLst>
+            <pc:docMk/>
+            <pc:sldMk cId="2084315320" sldId="268"/>
+            <ac:spMk id="2" creationId="{00000000-0000-0000-0000-000000000000}"/>
+          </ac:spMkLst>
+        </pc:spChg>
+      </pc:sldChg>
+      <pc:sldChg chg="modSp">
+        <pc:chgData name="Mark Baker" userId="7debe814d9197520" providerId="LiveId" clId="{ADCBB941-1958-4667-8FB0-E2FA3BEE29D8}" dt="2019-09-11T22:23:35.224" v="139" actId="20577"/>
+        <pc:sldMkLst>
+          <pc:docMk/>
+          <pc:sldMk cId="3356507563" sldId="271"/>
+        </pc:sldMkLst>
+        <pc:spChg chg="mod">
+          <ac:chgData name="Mark Baker" userId="7debe814d9197520" providerId="LiveId" clId="{ADCBB941-1958-4667-8FB0-E2FA3BEE29D8}" dt="2019-09-11T22:23:35.224" v="139" actId="20577"/>
+          <ac:spMkLst>
+            <pc:docMk/>
+            <pc:sldMk cId="3356507563" sldId="271"/>
+            <ac:spMk id="2" creationId="{00000000-0000-0000-0000-000000000000}"/>
+          </ac:spMkLst>
+        </pc:spChg>
+      </pc:sldChg>
+      <pc:sldChg chg="modSp">
+        <pc:chgData name="Mark Baker" userId="7debe814d9197520" providerId="LiveId" clId="{ADCBB941-1958-4667-8FB0-E2FA3BEE29D8}" dt="2019-09-11T22:24:42.740" v="144" actId="20577"/>
+        <pc:sldMkLst>
+          <pc:docMk/>
+          <pc:sldMk cId="1739031549" sldId="274"/>
+        </pc:sldMkLst>
+        <pc:spChg chg="mod">
+          <ac:chgData name="Mark Baker" userId="7debe814d9197520" providerId="LiveId" clId="{ADCBB941-1958-4667-8FB0-E2FA3BEE29D8}" dt="2019-09-11T22:24:42.740" v="144" actId="20577"/>
+          <ac:spMkLst>
+            <pc:docMk/>
+            <pc:sldMk cId="1739031549" sldId="274"/>
+            <ac:spMk id="2" creationId="{00000000-0000-0000-0000-000000000000}"/>
+          </ac:spMkLst>
+        </pc:spChg>
+      </pc:sldChg>
+      <pc:sldChg chg="modSp">
+        <pc:chgData name="Mark Baker" userId="7debe814d9197520" providerId="LiveId" clId="{ADCBB941-1958-4667-8FB0-E2FA3BEE29D8}" dt="2019-09-11T22:57:10.146" v="213" actId="27636"/>
+        <pc:sldMkLst>
+          <pc:docMk/>
+          <pc:sldMk cId="3890948878" sldId="275"/>
+        </pc:sldMkLst>
+        <pc:spChg chg="mod">
+          <ac:chgData name="Mark Baker" userId="7debe814d9197520" providerId="LiveId" clId="{ADCBB941-1958-4667-8FB0-E2FA3BEE29D8}" dt="2019-09-11T22:57:10.146" v="213" actId="27636"/>
+          <ac:spMkLst>
+            <pc:docMk/>
+            <pc:sldMk cId="3890948878" sldId="275"/>
+            <ac:spMk id="2" creationId="{00000000-0000-0000-0000-000000000000}"/>
+          </ac:spMkLst>
+        </pc:spChg>
+      </pc:sldChg>
+    </pc:docChg>
+  </pc:docChgLst>
+</pc:chgInfo>
 </file>
 
 <file path=ppt/notesMasters/notesMaster1.xml><?xml version="1.0" encoding="utf-8"?>
@@ -221,7 +366,7 @@
           <a:p>
             <a:fld id="{C291D997-D7C6-495A-ADFE-01BE34D636D4}" type="datetimeFigureOut">
               <a:rPr lang="en-US" smtClean="0"/>
-              <a:t>1/23/2018</a:t>
+              <a:t>9/11/2019</a:t>
             </a:fld>
             <a:endParaRPr lang="en-US"/>
           </a:p>
@@ -637,7 +782,7 @@
           <a:lstStyle/>
           <a:p>
             <a:r>
-              <a:rPr lang="en-CA"/>
+              <a:rPr lang="en-CA" dirty="0"/>
               <a:t>Source: https://upload.wikimedia.org/wikipedia/commons/8/8b/Percentage_of_African_American_population_living_in_the_American_South.png</a:t>
             </a:r>
           </a:p>
@@ -894,7 +1039,7 @@
           <a:p>
             <a:fld id="{E607D032-B2FA-4B67-8888-9E3607AEC55C}" type="slidenum">
               <a:rPr lang="en-US" smtClean="0"/>
-              <a:t>10</a:t>
+              <a:t>11</a:t>
             </a:fld>
             <a:endParaRPr lang="en-US"/>
           </a:p>
@@ -1042,7 +1187,7 @@
           <a:p>
             <a:fld id="{FBF630C0-B0E4-4EC2-AB0C-BE44B3506280}" type="datetimeFigureOut">
               <a:rPr lang="en-US" smtClean="0"/>
-              <a:t>1/23/2018</a:t>
+              <a:t>9/11/2019</a:t>
             </a:fld>
             <a:endParaRPr lang="en-US"/>
           </a:p>
@@ -1210,7 +1355,7 @@
           <a:p>
             <a:fld id="{FBF630C0-B0E4-4EC2-AB0C-BE44B3506280}" type="datetimeFigureOut">
               <a:rPr lang="en-US" smtClean="0"/>
-              <a:t>1/23/2018</a:t>
+              <a:t>9/11/2019</a:t>
             </a:fld>
             <a:endParaRPr lang="en-US"/>
           </a:p>
@@ -1388,7 +1533,7 @@
           <a:p>
             <a:fld id="{FBF630C0-B0E4-4EC2-AB0C-BE44B3506280}" type="datetimeFigureOut">
               <a:rPr lang="en-US" smtClean="0"/>
-              <a:t>1/23/2018</a:t>
+              <a:t>9/11/2019</a:t>
             </a:fld>
             <a:endParaRPr lang="en-US"/>
           </a:p>
@@ -1556,7 +1701,7 @@
           <a:p>
             <a:fld id="{FBF630C0-B0E4-4EC2-AB0C-BE44B3506280}" type="datetimeFigureOut">
               <a:rPr lang="en-US" smtClean="0"/>
-              <a:t>1/23/2018</a:t>
+              <a:t>9/11/2019</a:t>
             </a:fld>
             <a:endParaRPr lang="en-US"/>
           </a:p>
@@ -1801,7 +1946,7 @@
           <a:p>
             <a:fld id="{FBF630C0-B0E4-4EC2-AB0C-BE44B3506280}" type="datetimeFigureOut">
               <a:rPr lang="en-US" smtClean="0"/>
-              <a:t>1/23/2018</a:t>
+              <a:t>9/11/2019</a:t>
             </a:fld>
             <a:endParaRPr lang="en-US"/>
           </a:p>
@@ -2030,7 +2175,7 @@
           <a:p>
             <a:fld id="{FBF630C0-B0E4-4EC2-AB0C-BE44B3506280}" type="datetimeFigureOut">
               <a:rPr lang="en-US" smtClean="0"/>
-              <a:t>1/23/2018</a:t>
+              <a:t>9/11/2019</a:t>
             </a:fld>
             <a:endParaRPr lang="en-US"/>
           </a:p>
@@ -2394,7 +2539,7 @@
           <a:p>
             <a:fld id="{FBF630C0-B0E4-4EC2-AB0C-BE44B3506280}" type="datetimeFigureOut">
               <a:rPr lang="en-US" smtClean="0"/>
-              <a:t>1/23/2018</a:t>
+              <a:t>9/11/2019</a:t>
             </a:fld>
             <a:endParaRPr lang="en-US"/>
           </a:p>
@@ -2511,7 +2656,7 @@
           <a:p>
             <a:fld id="{FBF630C0-B0E4-4EC2-AB0C-BE44B3506280}" type="datetimeFigureOut">
               <a:rPr lang="en-US" smtClean="0"/>
-              <a:t>1/23/2018</a:t>
+              <a:t>9/11/2019</a:t>
             </a:fld>
             <a:endParaRPr lang="en-US"/>
           </a:p>
@@ -2606,7 +2751,7 @@
           <a:p>
             <a:fld id="{FBF630C0-B0E4-4EC2-AB0C-BE44B3506280}" type="datetimeFigureOut">
               <a:rPr lang="en-US" smtClean="0"/>
-              <a:t>1/23/2018</a:t>
+              <a:t>9/11/2019</a:t>
             </a:fld>
             <a:endParaRPr lang="en-US"/>
           </a:p>
@@ -2881,7 +3026,7 @@
           <a:p>
             <a:fld id="{FBF630C0-B0E4-4EC2-AB0C-BE44B3506280}" type="datetimeFigureOut">
               <a:rPr lang="en-US" smtClean="0"/>
-              <a:t>1/23/2018</a:t>
+              <a:t>9/11/2019</a:t>
             </a:fld>
             <a:endParaRPr lang="en-US"/>
           </a:p>
@@ -3133,7 +3278,7 @@
           <a:p>
             <a:fld id="{FBF630C0-B0E4-4EC2-AB0C-BE44B3506280}" type="datetimeFigureOut">
               <a:rPr lang="en-US" smtClean="0"/>
-              <a:t>1/23/2018</a:t>
+              <a:t>9/11/2019</a:t>
             </a:fld>
             <a:endParaRPr lang="en-US"/>
           </a:p>
@@ -3354,7 +3499,7 @@
           <a:p>
             <a:fld id="{FBF630C0-B0E4-4EC2-AB0C-BE44B3506280}" type="datetimeFigureOut">
               <a:rPr lang="en-US" smtClean="0"/>
-              <a:t>1/23/2018</a:t>
+              <a:t>9/11/2019</a:t>
             </a:fld>
             <a:endParaRPr lang="en-US"/>
           </a:p>
@@ -3862,6 +4007,133 @@
       </p:grpSpPr>
       <p:sp>
         <p:nvSpPr>
+          <p:cNvPr id="2" name="Content Placeholder 1"/>
+          <p:cNvSpPr>
+            <a:spLocks noGrp="1"/>
+          </p:cNvSpPr>
+          <p:nvPr>
+            <p:ph idx="1"/>
+          </p:nvPr>
+        </p:nvSpPr>
+        <p:spPr>
+          <a:xfrm>
+            <a:off x="1981200" y="1883390"/>
+            <a:ext cx="8305800" cy="4669809"/>
+          </a:xfrm>
+        </p:spPr>
+        <p:txBody>
+          <a:bodyPr>
+            <a:normAutofit/>
+          </a:bodyPr>
+          <a:lstStyle/>
+          <a:p>
+            <a:r>
+              <a:rPr lang="en-US" sz="3200" b="1" dirty="0">
+                <a:solidFill>
+                  <a:srgbClr val="FF0000"/>
+                </a:solidFill>
+              </a:rPr>
+              <a:t>Growing and prospering middle class, especially after WWII (1939-1945)</a:t>
+            </a:r>
+          </a:p>
+          <a:p>
+            <a:r>
+              <a:rPr lang="en-US" sz="3200" b="1" dirty="0">
+                <a:solidFill>
+                  <a:srgbClr val="FF0000"/>
+                </a:solidFill>
+              </a:rPr>
+              <a:t>More disposable income</a:t>
+            </a:r>
+          </a:p>
+          <a:p>
+            <a:r>
+              <a:rPr lang="en-US" sz="3200" b="1" dirty="0">
+                <a:solidFill>
+                  <a:srgbClr val="FF0000"/>
+                </a:solidFill>
+              </a:rPr>
+              <a:t>Spread of leisure, the near necessity to enjoy life</a:t>
+            </a:r>
+          </a:p>
+          <a:p>
+            <a:r>
+              <a:rPr lang="en-US" sz="3200" b="1" dirty="0">
+                <a:solidFill>
+                  <a:srgbClr val="FF0000"/>
+                </a:solidFill>
+              </a:rPr>
+              <a:t>Records became cheap and widely available.</a:t>
+            </a:r>
+          </a:p>
+          <a:p>
+            <a:r>
+              <a:rPr lang="en-US" sz="3200" b="1" dirty="0">
+                <a:solidFill>
+                  <a:srgbClr val="FF0000"/>
+                </a:solidFill>
+              </a:rPr>
+              <a:t>The city: noisy, light, busy, young</a:t>
+            </a:r>
+          </a:p>
+        </p:txBody>
+      </p:sp>
+      <p:sp>
+        <p:nvSpPr>
+          <p:cNvPr id="3" name="Title 2"/>
+          <p:cNvSpPr>
+            <a:spLocks noGrp="1"/>
+          </p:cNvSpPr>
+          <p:nvPr>
+            <p:ph type="title"/>
+          </p:nvPr>
+        </p:nvSpPr>
+        <p:spPr/>
+        <p:txBody>
+          <a:bodyPr>
+            <a:normAutofit/>
+          </a:bodyPr>
+          <a:lstStyle/>
+          <a:p>
+            <a:r>
+              <a:rPr lang="en-US" sz="7200" dirty="0"/>
+              <a:t>The audience</a:t>
+            </a:r>
+          </a:p>
+        </p:txBody>
+      </p:sp>
+    </p:spTree>
+    <p:extLst>
+      <p:ext uri="{BB962C8B-B14F-4D97-AF65-F5344CB8AC3E}">
+        <p14:creationId xmlns:p14="http://schemas.microsoft.com/office/powerpoint/2010/main" val="3027439901"/>
+      </p:ext>
+    </p:extLst>
+  </p:cSld>
+  <p:clrMapOvr>
+    <a:masterClrMapping/>
+  </p:clrMapOvr>
+</p:sld>
+</file>
+
+<file path=ppt/slides/slide11.xml><?xml version="1.0" encoding="utf-8"?>
+<p:sld xmlns:a="http://schemas.openxmlformats.org/drawingml/2006/main" xmlns:r="http://schemas.openxmlformats.org/officeDocument/2006/relationships" xmlns:p="http://schemas.openxmlformats.org/presentationml/2006/main">
+  <p:cSld>
+    <p:spTree>
+      <p:nvGrpSpPr>
+        <p:cNvPr id="1" name=""/>
+        <p:cNvGrpSpPr/>
+        <p:nvPr/>
+      </p:nvGrpSpPr>
+      <p:grpSpPr>
+        <a:xfrm>
+          <a:off x="0" y="0"/>
+          <a:ext cx="0" cy="0"/>
+          <a:chOff x="0" y="0"/>
+          <a:chExt cx="0" cy="0"/>
+        </a:xfrm>
+      </p:grpSpPr>
+      <p:sp>
+        <p:nvSpPr>
           <p:cNvPr id="2" name="Title 1"/>
           <p:cNvSpPr>
             <a:spLocks noGrp="1"/>
@@ -3930,133 +4202,6 @@
 </p:sld>
 </file>
 
-<file path=ppt/slides/slide11.xml><?xml version="1.0" encoding="utf-8"?>
-<p:sld xmlns:a="http://schemas.openxmlformats.org/drawingml/2006/main" xmlns:r="http://schemas.openxmlformats.org/officeDocument/2006/relationships" xmlns:p="http://schemas.openxmlformats.org/presentationml/2006/main">
-  <p:cSld>
-    <p:spTree>
-      <p:nvGrpSpPr>
-        <p:cNvPr id="1" name=""/>
-        <p:cNvGrpSpPr/>
-        <p:nvPr/>
-      </p:nvGrpSpPr>
-      <p:grpSpPr>
-        <a:xfrm>
-          <a:off x="0" y="0"/>
-          <a:ext cx="0" cy="0"/>
-          <a:chOff x="0" y="0"/>
-          <a:chExt cx="0" cy="0"/>
-        </a:xfrm>
-      </p:grpSpPr>
-      <p:sp>
-        <p:nvSpPr>
-          <p:cNvPr id="2" name="Content Placeholder 1"/>
-          <p:cNvSpPr>
-            <a:spLocks noGrp="1"/>
-          </p:cNvSpPr>
-          <p:nvPr>
-            <p:ph idx="1"/>
-          </p:nvPr>
-        </p:nvSpPr>
-        <p:spPr>
-          <a:xfrm>
-            <a:off x="1981200" y="1883390"/>
-            <a:ext cx="8305800" cy="4669809"/>
-          </a:xfrm>
-        </p:spPr>
-        <p:txBody>
-          <a:bodyPr>
-            <a:normAutofit/>
-          </a:bodyPr>
-          <a:lstStyle/>
-          <a:p>
-            <a:r>
-              <a:rPr lang="en-US" sz="3200" b="1" dirty="0">
-                <a:solidFill>
-                  <a:srgbClr val="FF0000"/>
-                </a:solidFill>
-              </a:rPr>
-              <a:t>Growing and prospering middle class, especially after WWII (1939-1945)</a:t>
-            </a:r>
-          </a:p>
-          <a:p>
-            <a:r>
-              <a:rPr lang="en-US" sz="3200" b="1" dirty="0">
-                <a:solidFill>
-                  <a:srgbClr val="FF0000"/>
-                </a:solidFill>
-              </a:rPr>
-              <a:t>More disposable income</a:t>
-            </a:r>
-          </a:p>
-          <a:p>
-            <a:r>
-              <a:rPr lang="en-US" sz="3200" b="1" dirty="0">
-                <a:solidFill>
-                  <a:srgbClr val="FF0000"/>
-                </a:solidFill>
-              </a:rPr>
-              <a:t>Spread of leisure, the near necessity to enjoy life</a:t>
-            </a:r>
-          </a:p>
-          <a:p>
-            <a:r>
-              <a:rPr lang="en-US" sz="3200" b="1" dirty="0">
-                <a:solidFill>
-                  <a:srgbClr val="FF0000"/>
-                </a:solidFill>
-              </a:rPr>
-              <a:t>Records became cheap and widely available.</a:t>
-            </a:r>
-          </a:p>
-          <a:p>
-            <a:r>
-              <a:rPr lang="en-US" sz="3200" b="1" dirty="0">
-                <a:solidFill>
-                  <a:srgbClr val="FF0000"/>
-                </a:solidFill>
-              </a:rPr>
-              <a:t>The city: noisy, light, busy, young</a:t>
-            </a:r>
-          </a:p>
-        </p:txBody>
-      </p:sp>
-      <p:sp>
-        <p:nvSpPr>
-          <p:cNvPr id="3" name="Title 2"/>
-          <p:cNvSpPr>
-            <a:spLocks noGrp="1"/>
-          </p:cNvSpPr>
-          <p:nvPr>
-            <p:ph type="title"/>
-          </p:nvPr>
-        </p:nvSpPr>
-        <p:spPr/>
-        <p:txBody>
-          <a:bodyPr>
-            <a:normAutofit/>
-          </a:bodyPr>
-          <a:lstStyle/>
-          <a:p>
-            <a:r>
-              <a:rPr lang="en-US" sz="7200" dirty="0"/>
-              <a:t>The audience</a:t>
-            </a:r>
-          </a:p>
-        </p:txBody>
-      </p:sp>
-    </p:spTree>
-    <p:extLst>
-      <p:ext uri="{BB962C8B-B14F-4D97-AF65-F5344CB8AC3E}">
-        <p14:creationId xmlns:p14="http://schemas.microsoft.com/office/powerpoint/2010/main" val="3027439901"/>
-      </p:ext>
-    </p:extLst>
-  </p:cSld>
-  <p:clrMapOvr>
-    <a:masterClrMapping/>
-  </p:clrMapOvr>
-</p:sld>
-</file>
-
 <file path=ppt/slides/slide12.xml><?xml version="1.0" encoding="utf-8"?>
 <p:sld xmlns:a="http://schemas.openxmlformats.org/drawingml/2006/main" xmlns:r="http://schemas.openxmlformats.org/officeDocument/2006/relationships" xmlns:p="http://schemas.openxmlformats.org/presentationml/2006/main">
   <p:cSld>
@@ -4122,7 +4267,17 @@
                   <a:srgbClr val="FF0000"/>
                 </a:solidFill>
               </a:rPr>
-              <a:t>Television, the new medium, ate up radio demand, provided images of biggest stars</a:t>
+              <a:t>Television, the new medium, ate up radio demand, provided images of biggest stars.</a:t>
+            </a:r>
+          </a:p>
+          <a:p>
+            <a:r>
+              <a:rPr lang="en-US" sz="3600" b="1" dirty="0">
+                <a:solidFill>
+                  <a:srgbClr val="FF0000"/>
+                </a:solidFill>
+              </a:rPr>
+              <a:t>Independent radio stations turned to other markets, especially teenagers.</a:t>
             </a:r>
           </a:p>
           <a:p>
@@ -4216,7 +4371,7 @@
         </p:spPr>
         <p:txBody>
           <a:bodyPr>
-            <a:normAutofit fontScale="85000" lnSpcReduction="20000"/>
+            <a:normAutofit fontScale="77500" lnSpcReduction="20000"/>
           </a:bodyPr>
           <a:lstStyle/>
           <a:p>
@@ -4845,7 +5000,15 @@
           <a:p>
             <a:r>
               <a:rPr lang="en-US" dirty="0"/>
-              <a:t>Wild kid, Armed robbery in high school, prison, 1944-1947</a:t>
+              <a:t>Wild </a:t>
+            </a:r>
+            <a:r>
+              <a:rPr lang="en-US"/>
+              <a:t>kid: armed </a:t>
+            </a:r>
+            <a:r>
+              <a:rPr lang="en-US" dirty="0"/>
+              <a:t>robbery in high school, prison, 1944-1947</a:t>
             </a:r>
           </a:p>
           <a:p>
@@ -4989,15 +5152,7 @@
             </a:r>
             <a:r>
               <a:rPr lang="en-US" dirty="0"/>
-              <a:t> (born 1932, Macon, Georgia</a:t>
-            </a:r>
-            <a:r>
-              <a:rPr lang="en-US"/>
-              <a:t>), third </a:t>
-            </a:r>
-            <a:r>
-              <a:rPr lang="en-US" dirty="0"/>
-              <a:t>of 12 kids.</a:t>
+              <a:t> (born 1932, Macon, Georgia), third of 12 kids.</a:t>
             </a:r>
           </a:p>
           <a:p>
@@ -5015,15 +5170,7 @@
           <a:p>
             <a:r>
               <a:rPr lang="en-US" dirty="0"/>
-              <a:t>27 October 1947: Sister Rosetta </a:t>
-            </a:r>
-            <a:r>
-              <a:rPr lang="en-US" dirty="0" err="1"/>
-              <a:t>Tharpe</a:t>
-            </a:r>
-            <a:r>
-              <a:rPr lang="en-US" dirty="0"/>
-              <a:t> invited him on stage.</a:t>
+              <a:t>1945 or 1947: Sister Rosetta Tharpe invited him on stage.</a:t>
             </a:r>
           </a:p>
           <a:p>
@@ -5451,7 +5598,7 @@
         </p:spPr>
         <p:txBody>
           <a:bodyPr>
-            <a:normAutofit lnSpcReduction="10000"/>
+            <a:normAutofit/>
           </a:bodyPr>
           <a:lstStyle/>
           <a:p>
@@ -5547,7 +5694,7 @@
             </a:r>
             <a:r>
               <a:rPr lang="en-US" dirty="0"/>
-              <a:t>] (Robert Palmer, the first Rock and Roll song).</a:t>
+              <a:t>]</a:t>
             </a:r>
           </a:p>
           <a:p>
@@ -5686,7 +5833,7 @@
           <a:p>
             <a:r>
               <a:rPr lang="en-US" dirty="0"/>
-              <a:t>Common practice, unevenly enforced.</a:t>
+              <a:t>Common practice, very unevenly enforced.</a:t>
             </a:r>
           </a:p>
         </p:txBody>
@@ -6215,6 +6362,12 @@
             <a:r>
               <a:rPr lang="en-US" dirty="0"/>
               <a:t>1930s: vinyl begins to be used for recording music.</a:t>
+            </a:r>
+          </a:p>
+          <a:p>
+            <a:r>
+              <a:rPr lang="en-US" dirty="0"/>
+              <a:t>WWII cut of shellac supplies from India.</a:t>
             </a:r>
           </a:p>
           <a:p>
@@ -7008,7 +7161,7 @@
           <a:p>
             <a:r>
               <a:rPr lang="en-US" dirty="0"/>
-              <a:t>17 May 17 1954, Chief Justice Earl Warren Court unanimously (9–0) decided that "separate educational facilities are inherently unequal.“</a:t>
+              <a:t>17 May 1954, Chief Justice Earl Warren Court unanimously (9–0) decided that "separate educational facilities are inherently unequal.“</a:t>
             </a:r>
           </a:p>
           <a:p>
